--- a/ppt/IoT01-Intro.pptx
+++ b/ppt/IoT01-Intro.pptx
@@ -5,13 +5,26 @@
     <p:sldMasterId id="2147483653" r:id="rId1"/>
   </p:sldMasterIdLst>
   <p:notesMasterIdLst>
-    <p:notesMasterId r:id="rId3"/>
+    <p:notesMasterId r:id="rId16"/>
   </p:notesMasterIdLst>
   <p:handoutMasterIdLst>
-    <p:handoutMasterId r:id="rId4"/>
+    <p:handoutMasterId r:id="rId17"/>
   </p:handoutMasterIdLst>
   <p:sldIdLst>
     <p:sldId id="264" r:id="rId2"/>
+    <p:sldId id="265" r:id="rId3"/>
+    <p:sldId id="266" r:id="rId4"/>
+    <p:sldId id="267" r:id="rId5"/>
+    <p:sldId id="269" r:id="rId6"/>
+    <p:sldId id="270" r:id="rId7"/>
+    <p:sldId id="273" r:id="rId8"/>
+    <p:sldId id="274" r:id="rId9"/>
+    <p:sldId id="271" r:id="rId10"/>
+    <p:sldId id="272" r:id="rId11"/>
+    <p:sldId id="275" r:id="rId12"/>
+    <p:sldId id="277" r:id="rId13"/>
+    <p:sldId id="278" r:id="rId14"/>
+    <p:sldId id="276" r:id="rId15"/>
   </p:sldIdLst>
   <p:sldSz cx="9144000" cy="6858000" type="screen4x3"/>
   <p:notesSz cx="6648450" cy="9782175"/>
@@ -2900,8 +2913,8 @@
               <a:defRPr/>
             </a:pPr>
             <a:r>
-              <a:rPr lang="fr-FR" sz="1600" dirty="0" smtClean="0"/>
-              <a:t>Python</a:t>
+              <a:rPr lang="fr-FR" sz="1600" dirty="0" err="1" smtClean="0"/>
+              <a:t>IoT</a:t>
             </a:r>
             <a:endParaRPr lang="fr-FR" dirty="0" smtClean="0">
               <a:latin typeface="Times New Roman" pitchFamily="18" charset="0"/>
@@ -3706,11 +3719,7 @@
             <a:pPr eaLnBrk="1" hangingPunct="1"/>
             <a:r>
               <a:rPr lang="fr-FR" altLang="fr-FR" dirty="0" smtClean="0"/>
-              <a:t>Chapitre </a:t>
-            </a:r>
-            <a:r>
-              <a:rPr lang="fr-FR" altLang="fr-FR" dirty="0" smtClean="0"/>
-              <a:t>1</a:t>
+              <a:t>Chapitre 1</a:t>
             </a:r>
           </a:p>
           <a:p>
@@ -3722,6 +3731,71 @@
           </a:p>
         </p:txBody>
       </p:sp>
+      <p:pic>
+        <p:nvPicPr>
+          <p:cNvPr id="3" name="Picture 6" descr="Fichier:Raspberry Pi logo.svg"/>
+          <p:cNvPicPr>
+            <a:picLocks noChangeAspect="1" noChangeArrowheads="1"/>
+          </p:cNvPicPr>
+          <p:nvPr/>
+        </p:nvPicPr>
+        <p:blipFill>
+          <a:blip r:embed="rId2">
+            <a:extLst>
+              <a:ext uri="{28A0092B-C50C-407E-A947-70E740481C1C}">
+                <a14:useLocalDpi xmlns:a14="http://schemas.microsoft.com/office/drawing/2010/main" val="0"/>
+              </a:ext>
+            </a:extLst>
+          </a:blip>
+          <a:srcRect/>
+          <a:stretch>
+            <a:fillRect/>
+          </a:stretch>
+        </p:blipFill>
+        <p:spPr bwMode="auto">
+          <a:xfrm>
+            <a:off x="6660232" y="1628800"/>
+            <a:ext cx="1973186" cy="2493541"/>
+          </a:xfrm>
+          <a:prstGeom prst="rect">
+            <a:avLst/>
+          </a:prstGeom>
+          <a:noFill/>
+          <a:extLst>
+            <a:ext uri="{909E8E84-426E-40DD-AFC4-6F175D3DCCD1}">
+              <a14:hiddenFill xmlns:a14="http://schemas.microsoft.com/office/drawing/2010/main">
+                <a:solidFill>
+                  <a:srgbClr val="FFFFFF"/>
+                </a:solidFill>
+              </a14:hiddenFill>
+            </a:ext>
+          </a:extLst>
+        </p:spPr>
+      </p:pic>
+      <p:pic>
+        <p:nvPicPr>
+          <p:cNvPr id="4" name="Image 3"/>
+          <p:cNvPicPr>
+            <a:picLocks noChangeAspect="1"/>
+          </p:cNvPicPr>
+          <p:nvPr/>
+        </p:nvPicPr>
+        <p:blipFill>
+          <a:blip r:embed="rId3"/>
+          <a:stretch>
+            <a:fillRect/>
+          </a:stretch>
+        </p:blipFill>
+        <p:spPr>
+          <a:xfrm>
+            <a:off x="1441832" y="2222835"/>
+            <a:ext cx="1728192" cy="1305469"/>
+          </a:xfrm>
+          <a:prstGeom prst="rect">
+            <a:avLst/>
+          </a:prstGeom>
+        </p:spPr>
+      </p:pic>
     </p:spTree>
   </p:cSld>
   <p:clrMapOvr>
@@ -3734,6 +3808,1840 @@
       </p:par>
     </p:tnLst>
   </p:timing>
+</p:sld>
+</file>
+
+<file path=ppt/slides/slide10.xml><?xml version="1.0" encoding="utf-8"?>
+<p:sld xmlns:a="http://schemas.openxmlformats.org/drawingml/2006/main" xmlns:r="http://schemas.openxmlformats.org/officeDocument/2006/relationships" xmlns:p="http://schemas.openxmlformats.org/presentationml/2006/main">
+  <p:cSld>
+    <p:spTree>
+      <p:nvGrpSpPr>
+        <p:cNvPr id="1" name=""/>
+        <p:cNvGrpSpPr/>
+        <p:nvPr/>
+      </p:nvGrpSpPr>
+      <p:grpSpPr>
+        <a:xfrm>
+          <a:off x="0" y="0"/>
+          <a:ext cx="0" cy="0"/>
+          <a:chOff x="0" y="0"/>
+          <a:chExt cx="0" cy="0"/>
+        </a:xfrm>
+      </p:grpSpPr>
+      <p:sp>
+        <p:nvSpPr>
+          <p:cNvPr id="2" name="Titre 1"/>
+          <p:cNvSpPr>
+            <a:spLocks noGrp="1"/>
+          </p:cNvSpPr>
+          <p:nvPr>
+            <p:ph type="title"/>
+          </p:nvPr>
+        </p:nvSpPr>
+        <p:spPr/>
+        <p:txBody>
+          <a:bodyPr/>
+          <a:lstStyle/>
+          <a:p>
+            <a:r>
+              <a:rPr lang="fr-FR" dirty="0" err="1" smtClean="0"/>
+              <a:t>Arduino</a:t>
+            </a:r>
+            <a:r>
+              <a:rPr lang="fr-FR" dirty="0" smtClean="0"/>
+              <a:t> UNO</a:t>
+            </a:r>
+            <a:endParaRPr lang="fr-FR" dirty="0"/>
+          </a:p>
+        </p:txBody>
+      </p:sp>
+      <p:sp>
+        <p:nvSpPr>
+          <p:cNvPr id="3" name="Espace réservé du contenu 2"/>
+          <p:cNvSpPr>
+            <a:spLocks noGrp="1"/>
+          </p:cNvSpPr>
+          <p:nvPr>
+            <p:ph idx="1"/>
+          </p:nvPr>
+        </p:nvSpPr>
+        <p:spPr/>
+        <p:txBody>
+          <a:bodyPr/>
+          <a:lstStyle/>
+          <a:p>
+            <a:r>
+              <a:rPr lang="fr-FR" dirty="0" err="1" smtClean="0"/>
+              <a:t>Arduino</a:t>
+            </a:r>
+            <a:r>
+              <a:rPr lang="fr-FR" dirty="0" smtClean="0"/>
+              <a:t> </a:t>
+            </a:r>
+            <a:r>
+              <a:rPr lang="fr-FR" dirty="0" err="1" smtClean="0"/>
+              <a:t>Uno</a:t>
+            </a:r>
+            <a:r>
+              <a:rPr lang="fr-FR" dirty="0" smtClean="0"/>
+              <a:t> est le produit phare d'</a:t>
+            </a:r>
+            <a:r>
+              <a:rPr lang="fr-FR" dirty="0" err="1" smtClean="0"/>
+              <a:t>Arduino</a:t>
+            </a:r>
+            <a:endParaRPr lang="fr-FR" dirty="0" smtClean="0"/>
+          </a:p>
+          <a:p>
+            <a:r>
+              <a:rPr lang="fr-FR" dirty="0"/>
+              <a:t>Contrôleur </a:t>
+            </a:r>
+            <a:r>
+              <a:rPr lang="fr-FR" dirty="0" smtClean="0"/>
+              <a:t>ATmega328P</a:t>
+            </a:r>
+          </a:p>
+          <a:p>
+            <a:r>
+              <a:rPr lang="fr-FR" dirty="0" smtClean="0"/>
+              <a:t>Flash : 32Ko</a:t>
+            </a:r>
+          </a:p>
+          <a:p>
+            <a:r>
+              <a:rPr lang="fr-FR" dirty="0" smtClean="0"/>
+              <a:t>SRRAM : 2Ko</a:t>
+            </a:r>
+          </a:p>
+          <a:p>
+            <a:r>
+              <a:rPr lang="fr-FR" dirty="0" smtClean="0"/>
+              <a:t>20 MHz en 8 bits</a:t>
+            </a:r>
+          </a:p>
+          <a:p>
+            <a:endParaRPr lang="fr-FR" dirty="0"/>
+          </a:p>
+        </p:txBody>
+      </p:sp>
+      <p:pic>
+        <p:nvPicPr>
+          <p:cNvPr id="4" name="Picture 2" descr="Arduino Board"/>
+          <p:cNvPicPr>
+            <a:picLocks noChangeAspect="1" noChangeArrowheads="1"/>
+          </p:cNvPicPr>
+          <p:nvPr/>
+        </p:nvPicPr>
+        <p:blipFill>
+          <a:blip r:embed="rId2">
+            <a:extLst>
+              <a:ext uri="{28A0092B-C50C-407E-A947-70E740481C1C}">
+                <a14:useLocalDpi xmlns:a14="http://schemas.microsoft.com/office/drawing/2010/main" val="0"/>
+              </a:ext>
+            </a:extLst>
+          </a:blip>
+          <a:srcRect/>
+          <a:stretch>
+            <a:fillRect/>
+          </a:stretch>
+        </p:blipFill>
+        <p:spPr bwMode="auto">
+          <a:xfrm>
+            <a:off x="6156176" y="4293096"/>
+            <a:ext cx="2419350" cy="1724025"/>
+          </a:xfrm>
+          <a:prstGeom prst="rect">
+            <a:avLst/>
+          </a:prstGeom>
+          <a:noFill/>
+          <a:extLst>
+            <a:ext uri="{909E8E84-426E-40DD-AFC4-6F175D3DCCD1}">
+              <a14:hiddenFill xmlns:a14="http://schemas.microsoft.com/office/drawing/2010/main">
+                <a:solidFill>
+                  <a:srgbClr val="FFFFFF"/>
+                </a:solidFill>
+              </a14:hiddenFill>
+            </a:ext>
+          </a:extLst>
+        </p:spPr>
+      </p:pic>
+    </p:spTree>
+    <p:extLst>
+      <p:ext uri="{BB962C8B-B14F-4D97-AF65-F5344CB8AC3E}">
+        <p14:creationId xmlns:p14="http://schemas.microsoft.com/office/powerpoint/2010/main" val="406234523"/>
+      </p:ext>
+    </p:extLst>
+  </p:cSld>
+  <p:clrMapOvr>
+    <a:masterClrMapping/>
+  </p:clrMapOvr>
+</p:sld>
+</file>
+
+<file path=ppt/slides/slide11.xml><?xml version="1.0" encoding="utf-8"?>
+<p:sld xmlns:a="http://schemas.openxmlformats.org/drawingml/2006/main" xmlns:r="http://schemas.openxmlformats.org/officeDocument/2006/relationships" xmlns:p="http://schemas.openxmlformats.org/presentationml/2006/main">
+  <p:cSld>
+    <p:spTree>
+      <p:nvGrpSpPr>
+        <p:cNvPr id="1" name=""/>
+        <p:cNvGrpSpPr/>
+        <p:nvPr/>
+      </p:nvGrpSpPr>
+      <p:grpSpPr>
+        <a:xfrm>
+          <a:off x="0" y="0"/>
+          <a:ext cx="0" cy="0"/>
+          <a:chOff x="0" y="0"/>
+          <a:chExt cx="0" cy="0"/>
+        </a:xfrm>
+      </p:grpSpPr>
+      <p:sp>
+        <p:nvSpPr>
+          <p:cNvPr id="2" name="Titre 1"/>
+          <p:cNvSpPr>
+            <a:spLocks noGrp="1"/>
+          </p:cNvSpPr>
+          <p:nvPr>
+            <p:ph type="title"/>
+          </p:nvPr>
+        </p:nvSpPr>
+        <p:spPr/>
+        <p:txBody>
+          <a:bodyPr/>
+          <a:lstStyle/>
+          <a:p>
+            <a:r>
+              <a:rPr lang="fr-FR" dirty="0" smtClean="0"/>
+              <a:t>STM32 </a:t>
+            </a:r>
+            <a:r>
+              <a:rPr lang="fr-FR" dirty="0" err="1" smtClean="0"/>
+              <a:t>Nucleo</a:t>
+            </a:r>
+            <a:endParaRPr lang="fr-FR" dirty="0"/>
+          </a:p>
+        </p:txBody>
+      </p:sp>
+      <p:sp>
+        <p:nvSpPr>
+          <p:cNvPr id="3" name="Espace réservé du contenu 2"/>
+          <p:cNvSpPr>
+            <a:spLocks noGrp="1"/>
+          </p:cNvSpPr>
+          <p:nvPr>
+            <p:ph idx="1"/>
+          </p:nvPr>
+        </p:nvSpPr>
+        <p:spPr/>
+        <p:txBody>
+          <a:bodyPr/>
+          <a:lstStyle/>
+          <a:p>
+            <a:r>
+              <a:rPr lang="fr-FR" dirty="0" smtClean="0"/>
+              <a:t>Contrôleur STM32</a:t>
+            </a:r>
+          </a:p>
+          <a:p>
+            <a:r>
+              <a:rPr lang="fr-FR" dirty="0" smtClean="0"/>
+              <a:t>72MHz en 32 bits</a:t>
+            </a:r>
+          </a:p>
+          <a:p>
+            <a:endParaRPr lang="fr-FR" dirty="0"/>
+          </a:p>
+        </p:txBody>
+      </p:sp>
+      <p:pic>
+        <p:nvPicPr>
+          <p:cNvPr id="5" name="Image 4"/>
+          <p:cNvPicPr>
+            <a:picLocks noChangeAspect="1"/>
+          </p:cNvPicPr>
+          <p:nvPr/>
+        </p:nvPicPr>
+        <p:blipFill>
+          <a:blip r:embed="rId2"/>
+          <a:stretch>
+            <a:fillRect/>
+          </a:stretch>
+        </p:blipFill>
+        <p:spPr>
+          <a:xfrm>
+            <a:off x="4716016" y="2348880"/>
+            <a:ext cx="3933825" cy="2952750"/>
+          </a:xfrm>
+          <a:prstGeom prst="rect">
+            <a:avLst/>
+          </a:prstGeom>
+        </p:spPr>
+      </p:pic>
+    </p:spTree>
+    <p:extLst>
+      <p:ext uri="{BB962C8B-B14F-4D97-AF65-F5344CB8AC3E}">
+        <p14:creationId xmlns:p14="http://schemas.microsoft.com/office/powerpoint/2010/main" val="1720782145"/>
+      </p:ext>
+    </p:extLst>
+  </p:cSld>
+  <p:clrMapOvr>
+    <a:masterClrMapping/>
+  </p:clrMapOvr>
+</p:sld>
+</file>
+
+<file path=ppt/slides/slide12.xml><?xml version="1.0" encoding="utf-8"?>
+<p:sld xmlns:a="http://schemas.openxmlformats.org/drawingml/2006/main" xmlns:r="http://schemas.openxmlformats.org/officeDocument/2006/relationships" xmlns:p="http://schemas.openxmlformats.org/presentationml/2006/main">
+  <p:cSld>
+    <p:spTree>
+      <p:nvGrpSpPr>
+        <p:cNvPr id="1" name=""/>
+        <p:cNvGrpSpPr/>
+        <p:nvPr/>
+      </p:nvGrpSpPr>
+      <p:grpSpPr>
+        <a:xfrm>
+          <a:off x="0" y="0"/>
+          <a:ext cx="0" cy="0"/>
+          <a:chOff x="0" y="0"/>
+          <a:chExt cx="0" cy="0"/>
+        </a:xfrm>
+      </p:grpSpPr>
+      <p:sp>
+        <p:nvSpPr>
+          <p:cNvPr id="2" name="Titre 1"/>
+          <p:cNvSpPr>
+            <a:spLocks noGrp="1"/>
+          </p:cNvSpPr>
+          <p:nvPr>
+            <p:ph type="title"/>
+          </p:nvPr>
+        </p:nvSpPr>
+        <p:spPr/>
+        <p:txBody>
+          <a:bodyPr/>
+          <a:lstStyle/>
+          <a:p>
+            <a:r>
+              <a:rPr lang="fr-FR" dirty="0" smtClean="0"/>
+              <a:t>Communications</a:t>
+            </a:r>
+            <a:endParaRPr lang="fr-FR" dirty="0"/>
+          </a:p>
+        </p:txBody>
+      </p:sp>
+      <p:sp>
+        <p:nvSpPr>
+          <p:cNvPr id="3" name="Espace réservé du contenu 2"/>
+          <p:cNvSpPr>
+            <a:spLocks noGrp="1"/>
+          </p:cNvSpPr>
+          <p:nvPr>
+            <p:ph idx="1"/>
+          </p:nvPr>
+        </p:nvSpPr>
+        <p:spPr/>
+        <p:txBody>
+          <a:bodyPr/>
+          <a:lstStyle/>
+          <a:p>
+            <a:r>
+              <a:rPr lang="fr-FR" dirty="0" smtClean="0"/>
+              <a:t>Filaires</a:t>
+            </a:r>
+          </a:p>
+          <a:p>
+            <a:pPr lvl="1"/>
+            <a:r>
+              <a:rPr lang="fr-FR" dirty="0" smtClean="0"/>
+              <a:t>USB, Série, RS232, Ethernet …</a:t>
+            </a:r>
+          </a:p>
+          <a:p>
+            <a:r>
+              <a:rPr lang="fr-FR" dirty="0" smtClean="0"/>
+              <a:t>Sans fils</a:t>
+            </a:r>
+          </a:p>
+          <a:p>
+            <a:pPr lvl="1"/>
+            <a:r>
+              <a:rPr lang="fr-FR" dirty="0" smtClean="0"/>
+              <a:t>Wifi, Bluetooth, Infrarouge, 433MHz</a:t>
+            </a:r>
+          </a:p>
+          <a:p>
+            <a:r>
+              <a:rPr lang="fr-FR" dirty="0" smtClean="0"/>
+              <a:t>Energie faible</a:t>
+            </a:r>
+          </a:p>
+          <a:p>
+            <a:pPr lvl="1"/>
+            <a:r>
+              <a:rPr lang="fr-FR" dirty="0" smtClean="0"/>
+              <a:t>Bluetooth LE, Lora, …</a:t>
+            </a:r>
+          </a:p>
+          <a:p>
+            <a:r>
+              <a:rPr lang="fr-FR" dirty="0" smtClean="0"/>
+              <a:t>WAN, LAN, PAN, HAN</a:t>
+            </a:r>
+          </a:p>
+          <a:p>
+            <a:pPr lvl="1"/>
+            <a:r>
+              <a:rPr lang="fr-FR" dirty="0" smtClean="0"/>
+              <a:t>HAN : </a:t>
+            </a:r>
+            <a:r>
+              <a:rPr lang="fr-FR" dirty="0" err="1" smtClean="0"/>
+              <a:t>Zigbee</a:t>
+            </a:r>
+            <a:r>
+              <a:rPr lang="fr-FR" dirty="0" smtClean="0"/>
+              <a:t>, …</a:t>
+            </a:r>
+          </a:p>
+          <a:p>
+            <a:r>
+              <a:rPr lang="fr-FR" dirty="0" smtClean="0"/>
+              <a:t>Web</a:t>
+            </a:r>
+          </a:p>
+          <a:p>
+            <a:pPr lvl="1"/>
+            <a:r>
+              <a:rPr lang="fr-FR" dirty="0" smtClean="0"/>
+              <a:t>HTTP, REST, JSON, …</a:t>
+            </a:r>
+            <a:endParaRPr lang="fr-FR" dirty="0"/>
+          </a:p>
+        </p:txBody>
+      </p:sp>
+    </p:spTree>
+    <p:extLst>
+      <p:ext uri="{BB962C8B-B14F-4D97-AF65-F5344CB8AC3E}">
+        <p14:creationId xmlns:p14="http://schemas.microsoft.com/office/powerpoint/2010/main" val="3746456513"/>
+      </p:ext>
+    </p:extLst>
+  </p:cSld>
+  <p:clrMapOvr>
+    <a:masterClrMapping/>
+  </p:clrMapOvr>
+</p:sld>
+</file>
+
+<file path=ppt/slides/slide13.xml><?xml version="1.0" encoding="utf-8"?>
+<p:sld xmlns:a="http://schemas.openxmlformats.org/drawingml/2006/main" xmlns:r="http://schemas.openxmlformats.org/officeDocument/2006/relationships" xmlns:p="http://schemas.openxmlformats.org/presentationml/2006/main">
+  <p:cSld>
+    <p:spTree>
+      <p:nvGrpSpPr>
+        <p:cNvPr id="1" name=""/>
+        <p:cNvGrpSpPr/>
+        <p:nvPr/>
+      </p:nvGrpSpPr>
+      <p:grpSpPr>
+        <a:xfrm>
+          <a:off x="0" y="0"/>
+          <a:ext cx="0" cy="0"/>
+          <a:chOff x="0" y="0"/>
+          <a:chExt cx="0" cy="0"/>
+        </a:xfrm>
+      </p:grpSpPr>
+      <p:sp>
+        <p:nvSpPr>
+          <p:cNvPr id="2" name="Titre 1"/>
+          <p:cNvSpPr>
+            <a:spLocks noGrp="1"/>
+          </p:cNvSpPr>
+          <p:nvPr>
+            <p:ph type="title"/>
+          </p:nvPr>
+        </p:nvSpPr>
+        <p:spPr/>
+        <p:txBody>
+          <a:bodyPr/>
+          <a:lstStyle/>
+          <a:p>
+            <a:r>
+              <a:rPr lang="fr-FR" dirty="0" smtClean="0"/>
+              <a:t>Architecture</a:t>
+            </a:r>
+            <a:endParaRPr lang="fr-FR" dirty="0"/>
+          </a:p>
+        </p:txBody>
+      </p:sp>
+      <p:sp>
+        <p:nvSpPr>
+          <p:cNvPr id="3" name="Espace réservé du contenu 2"/>
+          <p:cNvSpPr>
+            <a:spLocks noGrp="1"/>
+          </p:cNvSpPr>
+          <p:nvPr>
+            <p:ph idx="1"/>
+          </p:nvPr>
+        </p:nvSpPr>
+        <p:spPr/>
+        <p:txBody>
+          <a:bodyPr/>
+          <a:lstStyle/>
+          <a:p>
+            <a:r>
+              <a:rPr lang="fr-FR" dirty="0" smtClean="0"/>
+              <a:t>Réfléchissons à l'architecture de l'applications</a:t>
+            </a:r>
+            <a:endParaRPr lang="fr-FR" dirty="0"/>
+          </a:p>
+        </p:txBody>
+      </p:sp>
+    </p:spTree>
+    <p:extLst>
+      <p:ext uri="{BB962C8B-B14F-4D97-AF65-F5344CB8AC3E}">
+        <p14:creationId xmlns:p14="http://schemas.microsoft.com/office/powerpoint/2010/main" val="2725513376"/>
+      </p:ext>
+    </p:extLst>
+  </p:cSld>
+  <p:clrMapOvr>
+    <a:masterClrMapping/>
+  </p:clrMapOvr>
+</p:sld>
+</file>
+
+<file path=ppt/slides/slide14.xml><?xml version="1.0" encoding="utf-8"?>
+<p:sld xmlns:a="http://schemas.openxmlformats.org/drawingml/2006/main" xmlns:r="http://schemas.openxmlformats.org/officeDocument/2006/relationships" xmlns:p="http://schemas.openxmlformats.org/presentationml/2006/main">
+  <p:cSld>
+    <p:spTree>
+      <p:nvGrpSpPr>
+        <p:cNvPr id="1" name=""/>
+        <p:cNvGrpSpPr/>
+        <p:nvPr/>
+      </p:nvGrpSpPr>
+      <p:grpSpPr>
+        <a:xfrm>
+          <a:off x="0" y="0"/>
+          <a:ext cx="0" cy="0"/>
+          <a:chOff x="0" y="0"/>
+          <a:chExt cx="0" cy="0"/>
+        </a:xfrm>
+      </p:grpSpPr>
+      <p:sp>
+        <p:nvSpPr>
+          <p:cNvPr id="2" name="Titre 1"/>
+          <p:cNvSpPr>
+            <a:spLocks noGrp="1"/>
+          </p:cNvSpPr>
+          <p:nvPr>
+            <p:ph type="title"/>
+          </p:nvPr>
+        </p:nvSpPr>
+        <p:spPr/>
+        <p:txBody>
+          <a:bodyPr/>
+          <a:lstStyle/>
+          <a:p>
+            <a:r>
+              <a:rPr lang="fr-FR" dirty="0" smtClean="0"/>
+              <a:t>Les différentes approches</a:t>
+            </a:r>
+            <a:endParaRPr lang="fr-FR" dirty="0"/>
+          </a:p>
+        </p:txBody>
+      </p:sp>
+      <p:sp>
+        <p:nvSpPr>
+          <p:cNvPr id="3" name="Espace réservé du contenu 2"/>
+          <p:cNvSpPr>
+            <a:spLocks noGrp="1"/>
+          </p:cNvSpPr>
+          <p:nvPr>
+            <p:ph idx="1"/>
+          </p:nvPr>
+        </p:nvSpPr>
+        <p:spPr/>
+        <p:txBody>
+          <a:bodyPr/>
+          <a:lstStyle/>
+          <a:p>
+            <a:r>
+              <a:rPr lang="fr-FR" dirty="0" smtClean="0"/>
+              <a:t>Consommation électrique ?</a:t>
+            </a:r>
+          </a:p>
+          <a:p>
+            <a:r>
+              <a:rPr lang="fr-FR" dirty="0" smtClean="0"/>
+              <a:t>Budget ?</a:t>
+            </a:r>
+          </a:p>
+          <a:p>
+            <a:r>
+              <a:rPr lang="fr-FR" dirty="0" smtClean="0"/>
+              <a:t>Nomade ?</a:t>
+            </a:r>
+          </a:p>
+          <a:p>
+            <a:r>
+              <a:rPr lang="fr-FR" dirty="0" smtClean="0"/>
+              <a:t>Embarqué ?</a:t>
+            </a:r>
+          </a:p>
+          <a:p>
+            <a:r>
+              <a:rPr lang="fr-FR" dirty="0" smtClean="0"/>
+              <a:t>Communications ?</a:t>
+            </a:r>
+          </a:p>
+          <a:p>
+            <a:endParaRPr lang="fr-FR" dirty="0"/>
+          </a:p>
+        </p:txBody>
+      </p:sp>
+    </p:spTree>
+    <p:extLst>
+      <p:ext uri="{BB962C8B-B14F-4D97-AF65-F5344CB8AC3E}">
+        <p14:creationId xmlns:p14="http://schemas.microsoft.com/office/powerpoint/2010/main" val="1380503917"/>
+      </p:ext>
+    </p:extLst>
+  </p:cSld>
+  <p:clrMapOvr>
+    <a:masterClrMapping/>
+  </p:clrMapOvr>
+</p:sld>
+</file>
+
+<file path=ppt/slides/slide2.xml><?xml version="1.0" encoding="utf-8"?>
+<p:sld xmlns:a="http://schemas.openxmlformats.org/drawingml/2006/main" xmlns:r="http://schemas.openxmlformats.org/officeDocument/2006/relationships" xmlns:p="http://schemas.openxmlformats.org/presentationml/2006/main">
+  <p:cSld>
+    <p:spTree>
+      <p:nvGrpSpPr>
+        <p:cNvPr id="1" name=""/>
+        <p:cNvGrpSpPr/>
+        <p:nvPr/>
+      </p:nvGrpSpPr>
+      <p:grpSpPr>
+        <a:xfrm>
+          <a:off x="0" y="0"/>
+          <a:ext cx="0" cy="0"/>
+          <a:chOff x="0" y="0"/>
+          <a:chExt cx="0" cy="0"/>
+        </a:xfrm>
+      </p:grpSpPr>
+      <p:sp>
+        <p:nvSpPr>
+          <p:cNvPr id="2" name="Titre 1"/>
+          <p:cNvSpPr>
+            <a:spLocks noGrp="1"/>
+          </p:cNvSpPr>
+          <p:nvPr>
+            <p:ph type="title"/>
+          </p:nvPr>
+        </p:nvSpPr>
+        <p:spPr/>
+        <p:txBody>
+          <a:bodyPr/>
+          <a:lstStyle/>
+          <a:p>
+            <a:r>
+              <a:rPr lang="fr-FR" dirty="0" err="1" smtClean="0"/>
+              <a:t>IoT</a:t>
+            </a:r>
+            <a:endParaRPr lang="fr-FR" dirty="0"/>
+          </a:p>
+        </p:txBody>
+      </p:sp>
+      <p:sp>
+        <p:nvSpPr>
+          <p:cNvPr id="3" name="Espace réservé du contenu 2"/>
+          <p:cNvSpPr>
+            <a:spLocks noGrp="1"/>
+          </p:cNvSpPr>
+          <p:nvPr>
+            <p:ph idx="1"/>
+          </p:nvPr>
+        </p:nvSpPr>
+        <p:spPr>
+          <a:xfrm>
+            <a:off x="179512" y="1412776"/>
+            <a:ext cx="8568951" cy="526026"/>
+          </a:xfrm>
+        </p:spPr>
+        <p:txBody>
+          <a:bodyPr/>
+          <a:lstStyle/>
+          <a:p>
+            <a:r>
+              <a:rPr lang="fr-FR" dirty="0" smtClean="0"/>
+              <a:t>Internet of </a:t>
+            </a:r>
+            <a:r>
+              <a:rPr lang="fr-FR" dirty="0" err="1" smtClean="0"/>
+              <a:t>Thing</a:t>
+            </a:r>
+            <a:endParaRPr lang="fr-FR" dirty="0" smtClean="0"/>
+          </a:p>
+          <a:p>
+            <a:pPr lvl="1"/>
+            <a:r>
+              <a:rPr lang="fr-FR" dirty="0" smtClean="0"/>
+              <a:t>L'internet des objets est </a:t>
+            </a:r>
+            <a:r>
+              <a:rPr lang="fr-FR" dirty="0"/>
+              <a:t>l'interconnexion entre Internet et des objets, des lieux et des environnements physiques</a:t>
+            </a:r>
+            <a:r>
+              <a:rPr lang="fr-FR" dirty="0" smtClean="0"/>
+              <a:t>.</a:t>
+            </a:r>
+            <a:endParaRPr lang="fr-FR" dirty="0"/>
+          </a:p>
+          <a:p>
+            <a:endParaRPr lang="fr-FR" dirty="0"/>
+          </a:p>
+        </p:txBody>
+      </p:sp>
+      <p:pic>
+        <p:nvPicPr>
+          <p:cNvPr id="1026" name="Picture 2" descr="https://upload.wikimedia.org/wikipedia/commons/thumb/f/f1/Diff%C3%A9rents_aspects_de_l%E2%80%99Internet_des_objets.svg/1920px-Diff%C3%A9rents_aspects_de_l%E2%80%99Internet_des_objets.svg.png"/>
+          <p:cNvPicPr>
+            <a:picLocks noChangeAspect="1" noChangeArrowheads="1"/>
+          </p:cNvPicPr>
+          <p:nvPr/>
+        </p:nvPicPr>
+        <p:blipFill>
+          <a:blip r:embed="rId2" cstate="print">
+            <a:extLst>
+              <a:ext uri="{28A0092B-C50C-407E-A947-70E740481C1C}">
+                <a14:useLocalDpi xmlns:a14="http://schemas.microsoft.com/office/drawing/2010/main" val="0"/>
+              </a:ext>
+            </a:extLst>
+          </a:blip>
+          <a:srcRect/>
+          <a:stretch>
+            <a:fillRect/>
+          </a:stretch>
+        </p:blipFill>
+        <p:spPr bwMode="auto">
+          <a:xfrm>
+            <a:off x="1907704" y="3429000"/>
+            <a:ext cx="5424537" cy="1842083"/>
+          </a:xfrm>
+          <a:prstGeom prst="rect">
+            <a:avLst/>
+          </a:prstGeom>
+          <a:noFill/>
+          <a:extLst>
+            <a:ext uri="{909E8E84-426E-40DD-AFC4-6F175D3DCCD1}">
+              <a14:hiddenFill xmlns:a14="http://schemas.microsoft.com/office/drawing/2010/main">
+                <a:solidFill>
+                  <a:srgbClr val="FFFFFF"/>
+                </a:solidFill>
+              </a14:hiddenFill>
+            </a:ext>
+          </a:extLst>
+        </p:spPr>
+      </p:pic>
+    </p:spTree>
+    <p:extLst>
+      <p:ext uri="{BB962C8B-B14F-4D97-AF65-F5344CB8AC3E}">
+        <p14:creationId xmlns:p14="http://schemas.microsoft.com/office/powerpoint/2010/main" val="433699308"/>
+      </p:ext>
+    </p:extLst>
+  </p:cSld>
+  <p:clrMapOvr>
+    <a:masterClrMapping/>
+  </p:clrMapOvr>
+</p:sld>
+</file>
+
+<file path=ppt/slides/slide3.xml><?xml version="1.0" encoding="utf-8"?>
+<p:sld xmlns:a="http://schemas.openxmlformats.org/drawingml/2006/main" xmlns:r="http://schemas.openxmlformats.org/officeDocument/2006/relationships" xmlns:p="http://schemas.openxmlformats.org/presentationml/2006/main">
+  <p:cSld>
+    <p:spTree>
+      <p:nvGrpSpPr>
+        <p:cNvPr id="1" name=""/>
+        <p:cNvGrpSpPr/>
+        <p:nvPr/>
+      </p:nvGrpSpPr>
+      <p:grpSpPr>
+        <a:xfrm>
+          <a:off x="0" y="0"/>
+          <a:ext cx="0" cy="0"/>
+          <a:chOff x="0" y="0"/>
+          <a:chExt cx="0" cy="0"/>
+        </a:xfrm>
+      </p:grpSpPr>
+      <p:sp>
+        <p:nvSpPr>
+          <p:cNvPr id="2" name="Titre 1"/>
+          <p:cNvSpPr>
+            <a:spLocks noGrp="1"/>
+          </p:cNvSpPr>
+          <p:nvPr>
+            <p:ph type="title"/>
+          </p:nvPr>
+        </p:nvSpPr>
+        <p:spPr/>
+        <p:txBody>
+          <a:bodyPr/>
+          <a:lstStyle/>
+          <a:p>
+            <a:r>
+              <a:rPr lang="fr-FR" dirty="0" smtClean="0"/>
+              <a:t>Les nano-ordinateurs</a:t>
+            </a:r>
+            <a:endParaRPr lang="fr-FR" dirty="0"/>
+          </a:p>
+        </p:txBody>
+      </p:sp>
+      <p:sp>
+        <p:nvSpPr>
+          <p:cNvPr id="3" name="Espace réservé du contenu 2"/>
+          <p:cNvSpPr>
+            <a:spLocks noGrp="1"/>
+          </p:cNvSpPr>
+          <p:nvPr>
+            <p:ph idx="1"/>
+          </p:nvPr>
+        </p:nvSpPr>
+        <p:spPr/>
+        <p:txBody>
+          <a:bodyPr/>
+          <a:lstStyle/>
+          <a:p>
+            <a:r>
+              <a:rPr lang="fr-FR" dirty="0" smtClean="0"/>
+              <a:t>Ordinateur de la taille d'une carte de crédit</a:t>
+            </a:r>
+          </a:p>
+          <a:p>
+            <a:r>
+              <a:rPr lang="fr-FR" dirty="0" smtClean="0"/>
+              <a:t>Faible coût</a:t>
+            </a:r>
+          </a:p>
+          <a:p>
+            <a:r>
+              <a:rPr lang="fr-FR" dirty="0" smtClean="0"/>
+              <a:t>Encourage la réutilisation des connectiques</a:t>
+            </a:r>
+            <a:endParaRPr lang="fr-FR" dirty="0"/>
+          </a:p>
+        </p:txBody>
+      </p:sp>
+      <p:pic>
+        <p:nvPicPr>
+          <p:cNvPr id="2054" name="Picture 6" descr="Résultat de recherche d'images pour &quot;raspberry pi&quot;"/>
+          <p:cNvPicPr>
+            <a:picLocks noChangeAspect="1" noChangeArrowheads="1"/>
+          </p:cNvPicPr>
+          <p:nvPr/>
+        </p:nvPicPr>
+        <p:blipFill>
+          <a:blip r:embed="rId2" cstate="print">
+            <a:extLst>
+              <a:ext uri="{28A0092B-C50C-407E-A947-70E740481C1C}">
+                <a14:useLocalDpi xmlns:a14="http://schemas.microsoft.com/office/drawing/2010/main" val="0"/>
+              </a:ext>
+            </a:extLst>
+          </a:blip>
+          <a:srcRect/>
+          <a:stretch>
+            <a:fillRect/>
+          </a:stretch>
+        </p:blipFill>
+        <p:spPr bwMode="auto">
+          <a:xfrm>
+            <a:off x="2186273" y="2934443"/>
+            <a:ext cx="4752528" cy="3518893"/>
+          </a:xfrm>
+          <a:prstGeom prst="rect">
+            <a:avLst/>
+          </a:prstGeom>
+          <a:noFill/>
+          <a:extLst>
+            <a:ext uri="{909E8E84-426E-40DD-AFC4-6F175D3DCCD1}">
+              <a14:hiddenFill xmlns:a14="http://schemas.microsoft.com/office/drawing/2010/main">
+                <a:solidFill>
+                  <a:srgbClr val="FFFFFF"/>
+                </a:solidFill>
+              </a14:hiddenFill>
+            </a:ext>
+          </a:extLst>
+        </p:spPr>
+      </p:pic>
+    </p:spTree>
+    <p:extLst>
+      <p:ext uri="{BB962C8B-B14F-4D97-AF65-F5344CB8AC3E}">
+        <p14:creationId xmlns:p14="http://schemas.microsoft.com/office/powerpoint/2010/main" val="490236114"/>
+      </p:ext>
+    </p:extLst>
+  </p:cSld>
+  <p:clrMapOvr>
+    <a:masterClrMapping/>
+  </p:clrMapOvr>
+</p:sld>
+</file>
+
+<file path=ppt/slides/slide4.xml><?xml version="1.0" encoding="utf-8"?>
+<p:sld xmlns:a="http://schemas.openxmlformats.org/drawingml/2006/main" xmlns:r="http://schemas.openxmlformats.org/officeDocument/2006/relationships" xmlns:p="http://schemas.openxmlformats.org/presentationml/2006/main">
+  <p:cSld>
+    <p:spTree>
+      <p:nvGrpSpPr>
+        <p:cNvPr id="1" name=""/>
+        <p:cNvGrpSpPr/>
+        <p:nvPr/>
+      </p:nvGrpSpPr>
+      <p:grpSpPr>
+        <a:xfrm>
+          <a:off x="0" y="0"/>
+          <a:ext cx="0" cy="0"/>
+          <a:chOff x="0" y="0"/>
+          <a:chExt cx="0" cy="0"/>
+        </a:xfrm>
+      </p:grpSpPr>
+      <p:sp>
+        <p:nvSpPr>
+          <p:cNvPr id="2" name="Titre 1"/>
+          <p:cNvSpPr>
+            <a:spLocks noGrp="1"/>
+          </p:cNvSpPr>
+          <p:nvPr>
+            <p:ph type="title"/>
+          </p:nvPr>
+        </p:nvSpPr>
+        <p:spPr/>
+        <p:txBody>
+          <a:bodyPr/>
+          <a:lstStyle/>
+          <a:p>
+            <a:r>
+              <a:rPr lang="fr-FR" dirty="0" err="1" smtClean="0"/>
+              <a:t>Raspberry</a:t>
+            </a:r>
+            <a:r>
+              <a:rPr lang="fr-FR" dirty="0" smtClean="0"/>
+              <a:t> Pi</a:t>
+            </a:r>
+            <a:endParaRPr lang="fr-FR" dirty="0"/>
+          </a:p>
+        </p:txBody>
+      </p:sp>
+      <p:sp>
+        <p:nvSpPr>
+          <p:cNvPr id="3" name="Espace réservé du contenu 2"/>
+          <p:cNvSpPr>
+            <a:spLocks noGrp="1"/>
+          </p:cNvSpPr>
+          <p:nvPr>
+            <p:ph idx="1"/>
+          </p:nvPr>
+        </p:nvSpPr>
+        <p:spPr/>
+        <p:txBody>
+          <a:bodyPr/>
+          <a:lstStyle/>
+          <a:p>
+            <a:r>
+              <a:rPr lang="fr-FR" dirty="0" err="1" smtClean="0"/>
+              <a:t>Raspberry</a:t>
+            </a:r>
+            <a:r>
+              <a:rPr lang="fr-FR" dirty="0" smtClean="0"/>
+              <a:t> Pi</a:t>
+            </a:r>
+          </a:p>
+          <a:p>
+            <a:pPr lvl="1"/>
+            <a:r>
+              <a:rPr lang="fr-FR" dirty="0" smtClean="0"/>
+              <a:t>raspberrypi.org</a:t>
+            </a:r>
+          </a:p>
+          <a:p>
+            <a:pPr lvl="1"/>
+            <a:r>
+              <a:rPr lang="fr-FR" dirty="0" smtClean="0"/>
+              <a:t>c'est </a:t>
+            </a:r>
+            <a:r>
+              <a:rPr lang="fr-FR" dirty="0"/>
+              <a:t>un nano-ordinateur </a:t>
+            </a:r>
+            <a:r>
+              <a:rPr lang="fr-FR" dirty="0" err="1"/>
+              <a:t>monocarte</a:t>
+            </a:r>
+            <a:r>
+              <a:rPr lang="fr-FR" dirty="0"/>
+              <a:t> à processeur ARM conçu par des professeurs du département informatique de l'université de Cambridge dans le cadre de la fondation </a:t>
+            </a:r>
+            <a:r>
+              <a:rPr lang="fr-FR" dirty="0" err="1"/>
+              <a:t>Raspberry</a:t>
+            </a:r>
+            <a:r>
+              <a:rPr lang="fr-FR" dirty="0"/>
+              <a:t> </a:t>
+            </a:r>
+            <a:r>
+              <a:rPr lang="fr-FR" dirty="0" smtClean="0"/>
+              <a:t>Pi</a:t>
+            </a:r>
+          </a:p>
+          <a:p>
+            <a:pPr lvl="1"/>
+            <a:r>
+              <a:rPr lang="fr-FR" dirty="0" smtClean="0"/>
+              <a:t>Libre</a:t>
+            </a:r>
+          </a:p>
+          <a:p>
+            <a:pPr lvl="1"/>
+            <a:r>
+              <a:rPr lang="fr-FR" dirty="0" err="1" smtClean="0"/>
+              <a:t>Raspberry</a:t>
+            </a:r>
+            <a:r>
+              <a:rPr lang="fr-FR" dirty="0" smtClean="0"/>
+              <a:t> Pi 1 : 2013</a:t>
+            </a:r>
+            <a:endParaRPr lang="fr-FR" dirty="0"/>
+          </a:p>
+        </p:txBody>
+      </p:sp>
+      <p:pic>
+        <p:nvPicPr>
+          <p:cNvPr id="3078" name="Picture 6" descr="Fichier:Raspberry Pi logo.svg"/>
+          <p:cNvPicPr>
+            <a:picLocks noChangeAspect="1" noChangeArrowheads="1"/>
+          </p:cNvPicPr>
+          <p:nvPr/>
+        </p:nvPicPr>
+        <p:blipFill>
+          <a:blip r:embed="rId2">
+            <a:extLst>
+              <a:ext uri="{28A0092B-C50C-407E-A947-70E740481C1C}">
+                <a14:useLocalDpi xmlns:a14="http://schemas.microsoft.com/office/drawing/2010/main" val="0"/>
+              </a:ext>
+            </a:extLst>
+          </a:blip>
+          <a:srcRect/>
+          <a:stretch>
+            <a:fillRect/>
+          </a:stretch>
+        </p:blipFill>
+        <p:spPr bwMode="auto">
+          <a:xfrm>
+            <a:off x="6300192" y="3861048"/>
+            <a:ext cx="1973186" cy="2493541"/>
+          </a:xfrm>
+          <a:prstGeom prst="rect">
+            <a:avLst/>
+          </a:prstGeom>
+          <a:noFill/>
+          <a:extLst>
+            <a:ext uri="{909E8E84-426E-40DD-AFC4-6F175D3DCCD1}">
+              <a14:hiddenFill xmlns:a14="http://schemas.microsoft.com/office/drawing/2010/main">
+                <a:solidFill>
+                  <a:srgbClr val="FFFFFF"/>
+                </a:solidFill>
+              </a14:hiddenFill>
+            </a:ext>
+          </a:extLst>
+        </p:spPr>
+      </p:pic>
+    </p:spTree>
+    <p:extLst>
+      <p:ext uri="{BB962C8B-B14F-4D97-AF65-F5344CB8AC3E}">
+        <p14:creationId xmlns:p14="http://schemas.microsoft.com/office/powerpoint/2010/main" val="3011594023"/>
+      </p:ext>
+    </p:extLst>
+  </p:cSld>
+  <p:clrMapOvr>
+    <a:masterClrMapping/>
+  </p:clrMapOvr>
+</p:sld>
+</file>
+
+<file path=ppt/slides/slide5.xml><?xml version="1.0" encoding="utf-8"?>
+<p:sld xmlns:a="http://schemas.openxmlformats.org/drawingml/2006/main" xmlns:r="http://schemas.openxmlformats.org/officeDocument/2006/relationships" xmlns:p="http://schemas.openxmlformats.org/presentationml/2006/main">
+  <p:cSld>
+    <p:spTree>
+      <p:nvGrpSpPr>
+        <p:cNvPr id="1" name=""/>
+        <p:cNvGrpSpPr/>
+        <p:nvPr/>
+      </p:nvGrpSpPr>
+      <p:grpSpPr>
+        <a:xfrm>
+          <a:off x="0" y="0"/>
+          <a:ext cx="0" cy="0"/>
+          <a:chOff x="0" y="0"/>
+          <a:chExt cx="0" cy="0"/>
+        </a:xfrm>
+      </p:grpSpPr>
+      <p:sp>
+        <p:nvSpPr>
+          <p:cNvPr id="2" name="Titre 1"/>
+          <p:cNvSpPr>
+            <a:spLocks noGrp="1"/>
+          </p:cNvSpPr>
+          <p:nvPr>
+            <p:ph type="title"/>
+          </p:nvPr>
+        </p:nvSpPr>
+        <p:spPr/>
+        <p:txBody>
+          <a:bodyPr/>
+          <a:lstStyle/>
+          <a:p>
+            <a:r>
+              <a:rPr lang="fr-FR" dirty="0" err="1" smtClean="0"/>
+              <a:t>Raspberry</a:t>
+            </a:r>
+            <a:r>
+              <a:rPr lang="fr-FR" dirty="0" smtClean="0"/>
+              <a:t> Pi 4B</a:t>
+            </a:r>
+            <a:endParaRPr lang="fr-FR" dirty="0"/>
+          </a:p>
+        </p:txBody>
+      </p:sp>
+      <p:sp>
+        <p:nvSpPr>
+          <p:cNvPr id="3" name="Espace réservé du contenu 2"/>
+          <p:cNvSpPr>
+            <a:spLocks noGrp="1"/>
+          </p:cNvSpPr>
+          <p:nvPr>
+            <p:ph idx="1"/>
+          </p:nvPr>
+        </p:nvSpPr>
+        <p:spPr/>
+        <p:txBody>
+          <a:bodyPr/>
+          <a:lstStyle/>
+          <a:p>
+            <a:r>
+              <a:rPr lang="fr-FR" dirty="0" smtClean="0"/>
+              <a:t>4 Cœurs </a:t>
+            </a:r>
+            <a:r>
+              <a:rPr lang="fr-FR" dirty="0" err="1" smtClean="0"/>
+              <a:t>Broadcomm</a:t>
+            </a:r>
+            <a:endParaRPr lang="fr-FR" dirty="0" smtClean="0"/>
+          </a:p>
+          <a:p>
+            <a:r>
+              <a:rPr lang="fr-FR" dirty="0" smtClean="0"/>
+              <a:t>4 * 1.5 GHz</a:t>
+            </a:r>
+          </a:p>
+          <a:p>
+            <a:r>
+              <a:rPr lang="fr-FR" dirty="0" smtClean="0"/>
+              <a:t>RAM : 1 à 4 Go</a:t>
+            </a:r>
+          </a:p>
+          <a:p>
+            <a:r>
+              <a:rPr lang="fr-FR" dirty="0" smtClean="0"/>
+              <a:t>4 USB 2 et 3</a:t>
+            </a:r>
+          </a:p>
+          <a:p>
+            <a:r>
+              <a:rPr lang="fr-FR" dirty="0" smtClean="0"/>
+              <a:t>2 Micro HDMI</a:t>
+            </a:r>
+          </a:p>
+          <a:p>
+            <a:r>
+              <a:rPr lang="fr-FR" dirty="0" smtClean="0"/>
+              <a:t>Ethernet 1 </a:t>
+            </a:r>
+            <a:r>
+              <a:rPr lang="fr-FR" dirty="0"/>
+              <a:t>G</a:t>
+            </a:r>
+            <a:r>
+              <a:rPr lang="fr-FR" dirty="0" smtClean="0"/>
+              <a:t>bit/s</a:t>
+            </a:r>
+          </a:p>
+          <a:p>
+            <a:r>
+              <a:rPr lang="fr-FR" dirty="0" smtClean="0"/>
+              <a:t>Bluetooth 5</a:t>
+            </a:r>
+          </a:p>
+          <a:p>
+            <a:r>
+              <a:rPr lang="fr-FR" dirty="0" smtClean="0"/>
+              <a:t>Wifi 802.11 </a:t>
+            </a:r>
+            <a:r>
+              <a:rPr lang="fr-FR" dirty="0" err="1" smtClean="0"/>
+              <a:t>ac</a:t>
+            </a:r>
+            <a:endParaRPr lang="fr-FR" dirty="0"/>
+          </a:p>
+        </p:txBody>
+      </p:sp>
+      <p:pic>
+        <p:nvPicPr>
+          <p:cNvPr id="2054" name="Picture 6" descr="Résultat de recherche d'images pour &quot;raspberry pi&quot;"/>
+          <p:cNvPicPr>
+            <a:picLocks noChangeAspect="1" noChangeArrowheads="1"/>
+          </p:cNvPicPr>
+          <p:nvPr/>
+        </p:nvPicPr>
+        <p:blipFill>
+          <a:blip r:embed="rId2" cstate="print">
+            <a:extLst>
+              <a:ext uri="{28A0092B-C50C-407E-A947-70E740481C1C}">
+                <a14:useLocalDpi xmlns:a14="http://schemas.microsoft.com/office/drawing/2010/main" val="0"/>
+              </a:ext>
+            </a:extLst>
+          </a:blip>
+          <a:srcRect/>
+          <a:stretch>
+            <a:fillRect/>
+          </a:stretch>
+        </p:blipFill>
+        <p:spPr bwMode="auto">
+          <a:xfrm>
+            <a:off x="4391472" y="2780928"/>
+            <a:ext cx="4752528" cy="3518893"/>
+          </a:xfrm>
+          <a:prstGeom prst="rect">
+            <a:avLst/>
+          </a:prstGeom>
+          <a:noFill/>
+          <a:extLst>
+            <a:ext uri="{909E8E84-426E-40DD-AFC4-6F175D3DCCD1}">
+              <a14:hiddenFill xmlns:a14="http://schemas.microsoft.com/office/drawing/2010/main">
+                <a:solidFill>
+                  <a:srgbClr val="FFFFFF"/>
+                </a:solidFill>
+              </a14:hiddenFill>
+            </a:ext>
+          </a:extLst>
+        </p:spPr>
+      </p:pic>
+    </p:spTree>
+    <p:extLst>
+      <p:ext uri="{BB962C8B-B14F-4D97-AF65-F5344CB8AC3E}">
+        <p14:creationId xmlns:p14="http://schemas.microsoft.com/office/powerpoint/2010/main" val="444498906"/>
+      </p:ext>
+    </p:extLst>
+  </p:cSld>
+  <p:clrMapOvr>
+    <a:masterClrMapping/>
+  </p:clrMapOvr>
+</p:sld>
+</file>
+
+<file path=ppt/slides/slide6.xml><?xml version="1.0" encoding="utf-8"?>
+<p:sld xmlns:a="http://schemas.openxmlformats.org/drawingml/2006/main" xmlns:r="http://schemas.openxmlformats.org/officeDocument/2006/relationships" xmlns:p="http://schemas.openxmlformats.org/presentationml/2006/main">
+  <p:cSld>
+    <p:spTree>
+      <p:nvGrpSpPr>
+        <p:cNvPr id="1" name=""/>
+        <p:cNvGrpSpPr/>
+        <p:nvPr/>
+      </p:nvGrpSpPr>
+      <p:grpSpPr>
+        <a:xfrm>
+          <a:off x="0" y="0"/>
+          <a:ext cx="0" cy="0"/>
+          <a:chOff x="0" y="0"/>
+          <a:chExt cx="0" cy="0"/>
+        </a:xfrm>
+      </p:grpSpPr>
+      <p:sp>
+        <p:nvSpPr>
+          <p:cNvPr id="2" name="Titre 1"/>
+          <p:cNvSpPr>
+            <a:spLocks noGrp="1"/>
+          </p:cNvSpPr>
+          <p:nvPr>
+            <p:ph type="title"/>
+          </p:nvPr>
+        </p:nvSpPr>
+        <p:spPr/>
+        <p:txBody>
+          <a:bodyPr/>
+          <a:lstStyle/>
+          <a:p>
+            <a:r>
+              <a:rPr lang="fr-FR" dirty="0" err="1" smtClean="0"/>
+              <a:t>Micro-contrôleur</a:t>
+            </a:r>
+            <a:endParaRPr lang="fr-FR" dirty="0"/>
+          </a:p>
+        </p:txBody>
+      </p:sp>
+      <p:sp>
+        <p:nvSpPr>
+          <p:cNvPr id="3" name="Espace réservé du contenu 2"/>
+          <p:cNvSpPr>
+            <a:spLocks noGrp="1"/>
+          </p:cNvSpPr>
+          <p:nvPr>
+            <p:ph idx="1"/>
+          </p:nvPr>
+        </p:nvSpPr>
+        <p:spPr/>
+        <p:txBody>
+          <a:bodyPr/>
+          <a:lstStyle/>
+          <a:p>
+            <a:r>
+              <a:rPr lang="fr-FR" dirty="0"/>
+              <a:t>Un </a:t>
+            </a:r>
+            <a:r>
+              <a:rPr lang="fr-FR" dirty="0" err="1" smtClean="0"/>
+              <a:t>Micro-contrôleur</a:t>
+            </a:r>
+            <a:r>
+              <a:rPr lang="fr-FR" dirty="0" smtClean="0"/>
+              <a:t> est </a:t>
+            </a:r>
+            <a:r>
+              <a:rPr lang="fr-FR" dirty="0"/>
+              <a:t>un circuit intégré qui rassemble les éléments essentiels d'un ordinateur : </a:t>
+            </a:r>
+            <a:r>
+              <a:rPr lang="fr-FR" dirty="0" smtClean="0"/>
+              <a:t>	processeur</a:t>
+            </a:r>
+            <a:r>
+              <a:rPr lang="fr-FR" dirty="0"/>
+              <a:t>, </a:t>
+            </a:r>
+            <a:r>
+              <a:rPr lang="fr-FR" dirty="0" smtClean="0"/>
+              <a:t>mémoires </a:t>
+            </a:r>
+            <a:r>
+              <a:rPr lang="fr-FR" dirty="0"/>
+              <a:t>et interfaces </a:t>
+            </a:r>
+            <a:r>
+              <a:rPr lang="fr-FR" dirty="0" smtClean="0"/>
+              <a:t>d'entrées-sorties</a:t>
+            </a:r>
+          </a:p>
+          <a:p>
+            <a:pPr lvl="1"/>
+            <a:r>
+              <a:rPr lang="fr-FR" dirty="0" smtClean="0"/>
+              <a:t>Les </a:t>
+            </a:r>
+            <a:r>
+              <a:rPr lang="fr-FR" dirty="0"/>
+              <a:t>microcontrôleurs se caractérisent par un plus haut degré d'intégration, une plus faible consommation électrique, une vitesse de fonctionnement plus </a:t>
+            </a:r>
+            <a:r>
+              <a:rPr lang="fr-FR" dirty="0" smtClean="0"/>
+              <a:t>et un coût </a:t>
+            </a:r>
+            <a:r>
+              <a:rPr lang="fr-FR" dirty="0"/>
+              <a:t>réduit par rapport aux </a:t>
+            </a:r>
+            <a:r>
+              <a:rPr lang="fr-FR" dirty="0" smtClean="0"/>
+              <a:t>microprocesseurs</a:t>
+            </a:r>
+            <a:endParaRPr lang="fr-FR" dirty="0"/>
+          </a:p>
+        </p:txBody>
+      </p:sp>
+      <p:pic>
+        <p:nvPicPr>
+          <p:cNvPr id="4098" name="Picture 2" descr="https://upload.wikimedia.org/wikipedia/commons/thumb/b/b9/CD-CX10RFW_quadrotor_board_3.jpg/1024px-CD-CX10RFW_quadrotor_board_3.jpg"/>
+          <p:cNvPicPr>
+            <a:picLocks noChangeAspect="1" noChangeArrowheads="1"/>
+          </p:cNvPicPr>
+          <p:nvPr/>
+        </p:nvPicPr>
+        <p:blipFill>
+          <a:blip r:embed="rId2" cstate="print">
+            <a:extLst>
+              <a:ext uri="{28A0092B-C50C-407E-A947-70E740481C1C}">
+                <a14:useLocalDpi xmlns:a14="http://schemas.microsoft.com/office/drawing/2010/main" val="0"/>
+              </a:ext>
+            </a:extLst>
+          </a:blip>
+          <a:srcRect/>
+          <a:stretch>
+            <a:fillRect/>
+          </a:stretch>
+        </p:blipFill>
+        <p:spPr bwMode="auto">
+          <a:xfrm>
+            <a:off x="5580112" y="4817026"/>
+            <a:ext cx="3588699" cy="2018644"/>
+          </a:xfrm>
+          <a:prstGeom prst="rect">
+            <a:avLst/>
+          </a:prstGeom>
+          <a:noFill/>
+          <a:extLst>
+            <a:ext uri="{909E8E84-426E-40DD-AFC4-6F175D3DCCD1}">
+              <a14:hiddenFill xmlns:a14="http://schemas.microsoft.com/office/drawing/2010/main">
+                <a:solidFill>
+                  <a:srgbClr val="FFFFFF"/>
+                </a:solidFill>
+              </a14:hiddenFill>
+            </a:ext>
+          </a:extLst>
+        </p:spPr>
+      </p:pic>
+    </p:spTree>
+    <p:extLst>
+      <p:ext uri="{BB962C8B-B14F-4D97-AF65-F5344CB8AC3E}">
+        <p14:creationId xmlns:p14="http://schemas.microsoft.com/office/powerpoint/2010/main" val="3235671152"/>
+      </p:ext>
+    </p:extLst>
+  </p:cSld>
+  <p:clrMapOvr>
+    <a:masterClrMapping/>
+  </p:clrMapOvr>
+</p:sld>
+</file>
+
+<file path=ppt/slides/slide7.xml><?xml version="1.0" encoding="utf-8"?>
+<p:sld xmlns:a="http://schemas.openxmlformats.org/drawingml/2006/main" xmlns:r="http://schemas.openxmlformats.org/officeDocument/2006/relationships" xmlns:p="http://schemas.openxmlformats.org/presentationml/2006/main">
+  <p:cSld>
+    <p:spTree>
+      <p:nvGrpSpPr>
+        <p:cNvPr id="1" name=""/>
+        <p:cNvGrpSpPr/>
+        <p:nvPr/>
+      </p:nvGrpSpPr>
+      <p:grpSpPr>
+        <a:xfrm>
+          <a:off x="0" y="0"/>
+          <a:ext cx="0" cy="0"/>
+          <a:chOff x="0" y="0"/>
+          <a:chExt cx="0" cy="0"/>
+        </a:xfrm>
+      </p:grpSpPr>
+      <p:sp>
+        <p:nvSpPr>
+          <p:cNvPr id="2" name="Titre 1"/>
+          <p:cNvSpPr>
+            <a:spLocks noGrp="1"/>
+          </p:cNvSpPr>
+          <p:nvPr>
+            <p:ph type="title"/>
+          </p:nvPr>
+        </p:nvSpPr>
+        <p:spPr/>
+        <p:txBody>
+          <a:bodyPr/>
+          <a:lstStyle/>
+          <a:p>
+            <a:r>
+              <a:rPr lang="fr-FR" dirty="0" smtClean="0"/>
+              <a:t>ATM</a:t>
+            </a:r>
+            <a:endParaRPr lang="fr-FR" dirty="0"/>
+          </a:p>
+        </p:txBody>
+      </p:sp>
+      <p:sp>
+        <p:nvSpPr>
+          <p:cNvPr id="3" name="Espace réservé du contenu 2"/>
+          <p:cNvSpPr>
+            <a:spLocks noGrp="1"/>
+          </p:cNvSpPr>
+          <p:nvPr>
+            <p:ph idx="1"/>
+          </p:nvPr>
+        </p:nvSpPr>
+        <p:spPr/>
+        <p:txBody>
+          <a:bodyPr/>
+          <a:lstStyle/>
+          <a:p>
+            <a:r>
+              <a:rPr lang="fr-FR" dirty="0" err="1" smtClean="0"/>
+              <a:t>Micro-contrôleur</a:t>
+            </a:r>
+            <a:endParaRPr lang="fr-FR" dirty="0" smtClean="0"/>
+          </a:p>
+          <a:p>
+            <a:r>
+              <a:rPr lang="fr-FR" dirty="0" smtClean="0"/>
+              <a:t>Nécessite d'être soudé à une carte</a:t>
+            </a:r>
+          </a:p>
+          <a:p>
+            <a:r>
+              <a:rPr lang="fr-FR" dirty="0" smtClean="0"/>
+              <a:t>8 bits</a:t>
+            </a:r>
+          </a:p>
+          <a:p>
+            <a:r>
+              <a:rPr lang="fr-FR" dirty="0" smtClean="0"/>
+              <a:t>20 Mhz</a:t>
+            </a:r>
+            <a:endParaRPr lang="fr-FR" dirty="0"/>
+          </a:p>
+        </p:txBody>
+      </p:sp>
+      <p:pic>
+        <p:nvPicPr>
+          <p:cNvPr id="8196" name="Picture 4" descr="https://upload.wikimedia.org/wikipedia/commons/thumb/b/ba/ICIC-TQ32-X-K328-01_%2816421989932%29.jpg/1024px-ICIC-TQ32-X-K328-01_%2816421989932%29.jpg"/>
+          <p:cNvPicPr>
+            <a:picLocks noChangeAspect="1" noChangeArrowheads="1"/>
+          </p:cNvPicPr>
+          <p:nvPr/>
+        </p:nvPicPr>
+        <p:blipFill>
+          <a:blip r:embed="rId2">
+            <a:extLst>
+              <a:ext uri="{28A0092B-C50C-407E-A947-70E740481C1C}">
+                <a14:useLocalDpi xmlns:a14="http://schemas.microsoft.com/office/drawing/2010/main" val="0"/>
+              </a:ext>
+            </a:extLst>
+          </a:blip>
+          <a:srcRect/>
+          <a:stretch>
+            <a:fillRect/>
+          </a:stretch>
+        </p:blipFill>
+        <p:spPr bwMode="auto">
+          <a:xfrm>
+            <a:off x="2411760" y="2996952"/>
+            <a:ext cx="4704457" cy="3137837"/>
+          </a:xfrm>
+          <a:prstGeom prst="rect">
+            <a:avLst/>
+          </a:prstGeom>
+          <a:noFill/>
+          <a:extLst>
+            <a:ext uri="{909E8E84-426E-40DD-AFC4-6F175D3DCCD1}">
+              <a14:hiddenFill xmlns:a14="http://schemas.microsoft.com/office/drawing/2010/main">
+                <a:solidFill>
+                  <a:srgbClr val="FFFFFF"/>
+                </a:solidFill>
+              </a14:hiddenFill>
+            </a:ext>
+          </a:extLst>
+        </p:spPr>
+      </p:pic>
+    </p:spTree>
+    <p:extLst>
+      <p:ext uri="{BB962C8B-B14F-4D97-AF65-F5344CB8AC3E}">
+        <p14:creationId xmlns:p14="http://schemas.microsoft.com/office/powerpoint/2010/main" val="1231344407"/>
+      </p:ext>
+    </p:extLst>
+  </p:cSld>
+  <p:clrMapOvr>
+    <a:masterClrMapping/>
+  </p:clrMapOvr>
+</p:sld>
+</file>
+
+<file path=ppt/slides/slide8.xml><?xml version="1.0" encoding="utf-8"?>
+<p:sld xmlns:a="http://schemas.openxmlformats.org/drawingml/2006/main" xmlns:r="http://schemas.openxmlformats.org/officeDocument/2006/relationships" xmlns:p="http://schemas.openxmlformats.org/presentationml/2006/main">
+  <p:cSld>
+    <p:spTree>
+      <p:nvGrpSpPr>
+        <p:cNvPr id="1" name=""/>
+        <p:cNvGrpSpPr/>
+        <p:nvPr/>
+      </p:nvGrpSpPr>
+      <p:grpSpPr>
+        <a:xfrm>
+          <a:off x="0" y="0"/>
+          <a:ext cx="0" cy="0"/>
+          <a:chOff x="0" y="0"/>
+          <a:chExt cx="0" cy="0"/>
+        </a:xfrm>
+      </p:grpSpPr>
+      <p:sp>
+        <p:nvSpPr>
+          <p:cNvPr id="2" name="Titre 1"/>
+          <p:cNvSpPr>
+            <a:spLocks noGrp="1"/>
+          </p:cNvSpPr>
+          <p:nvPr>
+            <p:ph type="title"/>
+          </p:nvPr>
+        </p:nvSpPr>
+        <p:spPr/>
+        <p:txBody>
+          <a:bodyPr/>
+          <a:lstStyle/>
+          <a:p>
+            <a:r>
+              <a:rPr lang="fr-FR" dirty="0" smtClean="0"/>
+              <a:t>STM32</a:t>
+            </a:r>
+            <a:endParaRPr lang="fr-FR" dirty="0"/>
+          </a:p>
+        </p:txBody>
+      </p:sp>
+      <p:sp>
+        <p:nvSpPr>
+          <p:cNvPr id="3" name="Espace réservé du contenu 2"/>
+          <p:cNvSpPr>
+            <a:spLocks noGrp="1"/>
+          </p:cNvSpPr>
+          <p:nvPr>
+            <p:ph idx="1"/>
+          </p:nvPr>
+        </p:nvSpPr>
+        <p:spPr/>
+        <p:txBody>
+          <a:bodyPr/>
+          <a:lstStyle/>
+          <a:p>
+            <a:r>
+              <a:rPr lang="fr-FR" dirty="0" err="1" smtClean="0"/>
+              <a:t>Micro-contrôleur</a:t>
+            </a:r>
+            <a:endParaRPr lang="fr-FR" dirty="0" smtClean="0"/>
+          </a:p>
+          <a:p>
+            <a:r>
+              <a:rPr lang="fr-FR" dirty="0" smtClean="0"/>
+              <a:t>ST </a:t>
+            </a:r>
+            <a:r>
+              <a:rPr lang="fr-FR" dirty="0" err="1" smtClean="0"/>
+              <a:t>Microelectronics</a:t>
+            </a:r>
+            <a:endParaRPr lang="fr-FR" dirty="0" smtClean="0"/>
+          </a:p>
+          <a:p>
+            <a:r>
+              <a:rPr lang="fr-FR" dirty="0" smtClean="0"/>
+              <a:t>Nécessite d'être soudé à une carte</a:t>
+            </a:r>
+          </a:p>
+          <a:p>
+            <a:r>
+              <a:rPr lang="fr-FR" dirty="0" smtClean="0"/>
+              <a:t>32 bits</a:t>
+            </a:r>
+          </a:p>
+          <a:p>
+            <a:r>
+              <a:rPr lang="fr-FR" dirty="0" smtClean="0"/>
+              <a:t>72 Mhz</a:t>
+            </a:r>
+            <a:endParaRPr lang="fr-FR" dirty="0"/>
+          </a:p>
+        </p:txBody>
+      </p:sp>
+      <p:pic>
+        <p:nvPicPr>
+          <p:cNvPr id="5" name="Picture 2" descr="https://upload.wikimedia.org/wikipedia/commons/thumb/b/b9/CD-CX10RFW_quadrotor_board_3.jpg/1024px-CD-CX10RFW_quadrotor_board_3.jpg"/>
+          <p:cNvPicPr>
+            <a:picLocks noChangeAspect="1" noChangeArrowheads="1"/>
+          </p:cNvPicPr>
+          <p:nvPr/>
+        </p:nvPicPr>
+        <p:blipFill>
+          <a:blip r:embed="rId2" cstate="print">
+            <a:extLst>
+              <a:ext uri="{28A0092B-C50C-407E-A947-70E740481C1C}">
+                <a14:useLocalDpi xmlns:a14="http://schemas.microsoft.com/office/drawing/2010/main" val="0"/>
+              </a:ext>
+            </a:extLst>
+          </a:blip>
+          <a:srcRect/>
+          <a:stretch>
+            <a:fillRect/>
+          </a:stretch>
+        </p:blipFill>
+        <p:spPr bwMode="auto">
+          <a:xfrm>
+            <a:off x="2555776" y="4077072"/>
+            <a:ext cx="3588699" cy="2018644"/>
+          </a:xfrm>
+          <a:prstGeom prst="rect">
+            <a:avLst/>
+          </a:prstGeom>
+          <a:noFill/>
+          <a:extLst>
+            <a:ext uri="{909E8E84-426E-40DD-AFC4-6F175D3DCCD1}">
+              <a14:hiddenFill xmlns:a14="http://schemas.microsoft.com/office/drawing/2010/main">
+                <a:solidFill>
+                  <a:srgbClr val="FFFFFF"/>
+                </a:solidFill>
+              </a14:hiddenFill>
+            </a:ext>
+          </a:extLst>
+        </p:spPr>
+      </p:pic>
+    </p:spTree>
+    <p:extLst>
+      <p:ext uri="{BB962C8B-B14F-4D97-AF65-F5344CB8AC3E}">
+        <p14:creationId xmlns:p14="http://schemas.microsoft.com/office/powerpoint/2010/main" val="749242208"/>
+      </p:ext>
+    </p:extLst>
+  </p:cSld>
+  <p:clrMapOvr>
+    <a:masterClrMapping/>
+  </p:clrMapOvr>
+</p:sld>
+</file>
+
+<file path=ppt/slides/slide9.xml><?xml version="1.0" encoding="utf-8"?>
+<p:sld xmlns:a="http://schemas.openxmlformats.org/drawingml/2006/main" xmlns:r="http://schemas.openxmlformats.org/officeDocument/2006/relationships" xmlns:p="http://schemas.openxmlformats.org/presentationml/2006/main">
+  <p:cSld>
+    <p:spTree>
+      <p:nvGrpSpPr>
+        <p:cNvPr id="1" name=""/>
+        <p:cNvGrpSpPr/>
+        <p:nvPr/>
+      </p:nvGrpSpPr>
+      <p:grpSpPr>
+        <a:xfrm>
+          <a:off x="0" y="0"/>
+          <a:ext cx="0" cy="0"/>
+          <a:chOff x="0" y="0"/>
+          <a:chExt cx="0" cy="0"/>
+        </a:xfrm>
+      </p:grpSpPr>
+      <p:sp>
+        <p:nvSpPr>
+          <p:cNvPr id="2" name="Titre 1"/>
+          <p:cNvSpPr>
+            <a:spLocks noGrp="1"/>
+          </p:cNvSpPr>
+          <p:nvPr>
+            <p:ph type="title"/>
+          </p:nvPr>
+        </p:nvSpPr>
+        <p:spPr/>
+        <p:txBody>
+          <a:bodyPr/>
+          <a:lstStyle/>
+          <a:p>
+            <a:r>
+              <a:rPr lang="fr-FR" dirty="0" err="1" smtClean="0"/>
+              <a:t>Arduino</a:t>
+            </a:r>
+            <a:endParaRPr lang="fr-FR" dirty="0"/>
+          </a:p>
+        </p:txBody>
+      </p:sp>
+      <p:sp>
+        <p:nvSpPr>
+          <p:cNvPr id="3" name="Espace réservé du contenu 2"/>
+          <p:cNvSpPr>
+            <a:spLocks noGrp="1"/>
+          </p:cNvSpPr>
+          <p:nvPr>
+            <p:ph idx="1"/>
+          </p:nvPr>
+        </p:nvSpPr>
+        <p:spPr/>
+        <p:txBody>
+          <a:bodyPr/>
+          <a:lstStyle/>
+          <a:p>
+            <a:r>
+              <a:rPr lang="fr-FR" dirty="0" err="1" smtClean="0"/>
+              <a:t>Arduino</a:t>
+            </a:r>
+            <a:r>
+              <a:rPr lang="fr-FR" dirty="0" smtClean="0"/>
+              <a:t> est un projet libre de </a:t>
+            </a:r>
+            <a:r>
+              <a:rPr lang="fr-FR" dirty="0" err="1" smtClean="0"/>
+              <a:t>micro-contrôleur</a:t>
+            </a:r>
+            <a:endParaRPr lang="fr-FR" dirty="0" smtClean="0"/>
+          </a:p>
+          <a:p>
+            <a:pPr lvl="1"/>
+            <a:r>
+              <a:rPr lang="fr-FR" dirty="0" smtClean="0"/>
+              <a:t>Hardware</a:t>
+            </a:r>
+          </a:p>
+          <a:p>
+            <a:pPr lvl="1"/>
+            <a:r>
+              <a:rPr lang="fr-FR" dirty="0" err="1" smtClean="0"/>
+              <a:t>Sofware</a:t>
+            </a:r>
+            <a:endParaRPr lang="fr-FR" dirty="0" smtClean="0"/>
+          </a:p>
+          <a:p>
+            <a:pPr lvl="1"/>
+            <a:r>
+              <a:rPr lang="fr-FR" dirty="0" smtClean="0"/>
+              <a:t>Pas d'OS</a:t>
+            </a:r>
+          </a:p>
+          <a:p>
+            <a:r>
+              <a:rPr lang="fr-FR" dirty="0" smtClean="0"/>
+              <a:t>Arduino.cc</a:t>
+            </a:r>
+          </a:p>
+          <a:p>
+            <a:r>
+              <a:rPr lang="fr-FR" dirty="0" smtClean="0"/>
+              <a:t>Basé sur ATM</a:t>
+            </a:r>
+            <a:endParaRPr lang="fr-FR" dirty="0"/>
+          </a:p>
+        </p:txBody>
+      </p:sp>
+      <p:pic>
+        <p:nvPicPr>
+          <p:cNvPr id="4" name="Image 3"/>
+          <p:cNvPicPr>
+            <a:picLocks noChangeAspect="1"/>
+          </p:cNvPicPr>
+          <p:nvPr/>
+        </p:nvPicPr>
+        <p:blipFill>
+          <a:blip r:embed="rId2"/>
+          <a:stretch>
+            <a:fillRect/>
+          </a:stretch>
+        </p:blipFill>
+        <p:spPr>
+          <a:xfrm>
+            <a:off x="4211960" y="135970"/>
+            <a:ext cx="1728192" cy="1305469"/>
+          </a:xfrm>
+          <a:prstGeom prst="rect">
+            <a:avLst/>
+          </a:prstGeom>
+        </p:spPr>
+      </p:pic>
+    </p:spTree>
+    <p:extLst>
+      <p:ext uri="{BB962C8B-B14F-4D97-AF65-F5344CB8AC3E}">
+        <p14:creationId xmlns:p14="http://schemas.microsoft.com/office/powerpoint/2010/main" val="2397787036"/>
+      </p:ext>
+    </p:extLst>
+  </p:cSld>
+  <p:clrMapOvr>
+    <a:masterClrMapping/>
+  </p:clrMapOvr>
 </p:sld>
 </file>
 

--- a/ppt/IoT01-Intro.pptx
+++ b/ppt/IoT01-Intro.pptx
@@ -5,10 +5,10 @@
     <p:sldMasterId id="2147483653" r:id="rId1"/>
   </p:sldMasterIdLst>
   <p:notesMasterIdLst>
-    <p:notesMasterId r:id="rId28"/>
+    <p:notesMasterId r:id="rId29"/>
   </p:notesMasterIdLst>
   <p:handoutMasterIdLst>
-    <p:handoutMasterId r:id="rId29"/>
+    <p:handoutMasterId r:id="rId30"/>
   </p:handoutMasterIdLst>
   <p:sldIdLst>
     <p:sldId id="264" r:id="rId2"/>
@@ -18,25 +18,26 @@
     <p:sldId id="269" r:id="rId6"/>
     <p:sldId id="284" r:id="rId7"/>
     <p:sldId id="270" r:id="rId8"/>
-    <p:sldId id="286" r:id="rId9"/>
-    <p:sldId id="285" r:id="rId10"/>
-    <p:sldId id="287" r:id="rId11"/>
-    <p:sldId id="288" r:id="rId12"/>
-    <p:sldId id="274" r:id="rId13"/>
-    <p:sldId id="273" r:id="rId14"/>
-    <p:sldId id="283" r:id="rId15"/>
-    <p:sldId id="289" r:id="rId16"/>
-    <p:sldId id="271" r:id="rId17"/>
-    <p:sldId id="272" r:id="rId18"/>
-    <p:sldId id="275" r:id="rId19"/>
-    <p:sldId id="282" r:id="rId20"/>
-    <p:sldId id="280" r:id="rId21"/>
-    <p:sldId id="279" r:id="rId22"/>
-    <p:sldId id="281" r:id="rId23"/>
-    <p:sldId id="290" r:id="rId24"/>
-    <p:sldId id="277" r:id="rId25"/>
-    <p:sldId id="278" r:id="rId26"/>
-    <p:sldId id="276" r:id="rId27"/>
+    <p:sldId id="291" r:id="rId9"/>
+    <p:sldId id="286" r:id="rId10"/>
+    <p:sldId id="285" r:id="rId11"/>
+    <p:sldId id="287" r:id="rId12"/>
+    <p:sldId id="288" r:id="rId13"/>
+    <p:sldId id="274" r:id="rId14"/>
+    <p:sldId id="273" r:id="rId15"/>
+    <p:sldId id="283" r:id="rId16"/>
+    <p:sldId id="289" r:id="rId17"/>
+    <p:sldId id="271" r:id="rId18"/>
+    <p:sldId id="272" r:id="rId19"/>
+    <p:sldId id="275" r:id="rId20"/>
+    <p:sldId id="282" r:id="rId21"/>
+    <p:sldId id="280" r:id="rId22"/>
+    <p:sldId id="279" r:id="rId23"/>
+    <p:sldId id="281" r:id="rId24"/>
+    <p:sldId id="290" r:id="rId25"/>
+    <p:sldId id="277" r:id="rId26"/>
+    <p:sldId id="278" r:id="rId27"/>
+    <p:sldId id="276" r:id="rId28"/>
   </p:sldIdLst>
   <p:sldSz cx="9144000" cy="6858000" type="screen4x3"/>
   <p:notesSz cx="6648450" cy="9782175"/>
@@ -3814,6 +3815,157 @@
           <p:cNvPr id="2" name="Titre 1">
             <a:extLst>
               <a:ext uri="{FF2B5EF4-FFF2-40B4-BE49-F238E27FC236}">
+                <a16:creationId xmlns:a16="http://schemas.microsoft.com/office/drawing/2014/main" id="{45204081-0738-FD9A-8BE4-05B5D24AF95C}"/>
+              </a:ext>
+            </a:extLst>
+          </p:cNvPr>
+          <p:cNvSpPr>
+            <a:spLocks noGrp="1"/>
+          </p:cNvSpPr>
+          <p:nvPr>
+            <p:ph type="title"/>
+          </p:nvPr>
+        </p:nvSpPr>
+        <p:spPr/>
+        <p:txBody>
+          <a:bodyPr/>
+          <a:lstStyle/>
+          <a:p>
+            <a:r>
+              <a:rPr lang="fr-FR" dirty="0"/>
+              <a:t>Objectif</a:t>
+            </a:r>
+          </a:p>
+        </p:txBody>
+      </p:sp>
+      <p:sp>
+        <p:nvSpPr>
+          <p:cNvPr id="3" name="Espace réservé du contenu 2">
+            <a:extLst>
+              <a:ext uri="{FF2B5EF4-FFF2-40B4-BE49-F238E27FC236}">
+                <a16:creationId xmlns:a16="http://schemas.microsoft.com/office/drawing/2014/main" id="{37806DAA-4F50-BB0F-4DB4-196DD2C341E1}"/>
+              </a:ext>
+            </a:extLst>
+          </p:cNvPr>
+          <p:cNvSpPr>
+            <a:spLocks noGrp="1"/>
+          </p:cNvSpPr>
+          <p:nvPr>
+            <p:ph idx="1"/>
+          </p:nvPr>
+        </p:nvSpPr>
+        <p:spPr/>
+        <p:txBody>
+          <a:bodyPr/>
+          <a:lstStyle/>
+          <a:p>
+            <a:r>
+              <a:rPr lang="fr-FR" dirty="0"/>
+              <a:t>L'embarqué</a:t>
+            </a:r>
+          </a:p>
+          <a:p>
+            <a:r>
+              <a:rPr lang="fr-FR" dirty="0"/>
+              <a:t>La faible consommation électrique</a:t>
+            </a:r>
+          </a:p>
+          <a:p>
+            <a:r>
+              <a:rPr lang="fr-FR" dirty="0"/>
+              <a:t>Le tout en 1</a:t>
+            </a:r>
+          </a:p>
+          <a:p>
+            <a:r>
+              <a:rPr lang="fr-FR" dirty="0"/>
+              <a:t>Le cout très faible</a:t>
+            </a:r>
+          </a:p>
+        </p:txBody>
+      </p:sp>
+      <p:pic>
+        <p:nvPicPr>
+          <p:cNvPr id="1026" name="Picture 2">
+            <a:extLst>
+              <a:ext uri="{FF2B5EF4-FFF2-40B4-BE49-F238E27FC236}">
+                <a16:creationId xmlns:a16="http://schemas.microsoft.com/office/drawing/2014/main" id="{3D39C61C-EA38-2A00-4004-504491407DB5}"/>
+              </a:ext>
+            </a:extLst>
+          </p:cNvPr>
+          <p:cNvPicPr>
+            <a:picLocks noChangeAspect="1" noChangeArrowheads="1"/>
+          </p:cNvPicPr>
+          <p:nvPr/>
+        </p:nvPicPr>
+        <p:blipFill>
+          <a:blip r:embed="rId2">
+            <a:extLst>
+              <a:ext uri="{28A0092B-C50C-407E-A947-70E740481C1C}">
+                <a14:useLocalDpi xmlns:a14="http://schemas.microsoft.com/office/drawing/2010/main" val="0"/>
+              </a:ext>
+            </a:extLst>
+          </a:blip>
+          <a:srcRect/>
+          <a:stretch>
+            <a:fillRect/>
+          </a:stretch>
+        </p:blipFill>
+        <p:spPr bwMode="auto">
+          <a:xfrm>
+            <a:off x="1835696" y="3573016"/>
+            <a:ext cx="5200650" cy="1952625"/>
+          </a:xfrm>
+          <a:prstGeom prst="rect">
+            <a:avLst/>
+          </a:prstGeom>
+          <a:noFill/>
+          <a:extLst>
+            <a:ext uri="{909E8E84-426E-40DD-AFC4-6F175D3DCCD1}">
+              <a14:hiddenFill xmlns:a14="http://schemas.microsoft.com/office/drawing/2010/main">
+                <a:solidFill>
+                  <a:srgbClr val="FFFFFF"/>
+                </a:solidFill>
+              </a14:hiddenFill>
+            </a:ext>
+          </a:extLst>
+        </p:spPr>
+      </p:pic>
+    </p:spTree>
+    <p:extLst>
+      <p:ext uri="{BB962C8B-B14F-4D97-AF65-F5344CB8AC3E}">
+        <p14:creationId xmlns:p14="http://schemas.microsoft.com/office/powerpoint/2010/main" val="1236533905"/>
+      </p:ext>
+    </p:extLst>
+  </p:cSld>
+  <p:clrMapOvr>
+    <a:masterClrMapping/>
+  </p:clrMapOvr>
+</p:sld>
+</file>
+
+<file path=ppt/slides/slide11.xml><?xml version="1.0" encoding="utf-8"?>
+<p:sld xmlns:a="http://schemas.openxmlformats.org/drawingml/2006/main" xmlns:r="http://schemas.openxmlformats.org/officeDocument/2006/relationships" xmlns:p="http://schemas.openxmlformats.org/presentationml/2006/main">
+  <p:cSld>
+    <p:spTree>
+      <p:nvGrpSpPr>
+        <p:cNvPr id="1" name=""/>
+        <p:cNvGrpSpPr/>
+        <p:nvPr/>
+      </p:nvGrpSpPr>
+      <p:grpSpPr>
+        <a:xfrm>
+          <a:off x="0" y="0"/>
+          <a:ext cx="0" cy="0"/>
+          <a:chOff x="0" y="0"/>
+          <a:chExt cx="0" cy="0"/>
+        </a:xfrm>
+      </p:grpSpPr>
+      <p:sp>
+        <p:nvSpPr>
+          <p:cNvPr id="2" name="Titre 1">
+            <a:extLst>
+              <a:ext uri="{FF2B5EF4-FFF2-40B4-BE49-F238E27FC236}">
                 <a16:creationId xmlns:a16="http://schemas.microsoft.com/office/drawing/2014/main" id="{EBF2C7B4-4678-5CDA-8738-40F365C6E914}"/>
               </a:ext>
             </a:extLst>
@@ -4043,7 +4195,7 @@
 </p:sld>
 </file>
 
-<file path=ppt/slides/slide11.xml><?xml version="1.0" encoding="utf-8"?>
+<file path=ppt/slides/slide12.xml><?xml version="1.0" encoding="utf-8"?>
 <p:sld xmlns:a="http://schemas.openxmlformats.org/drawingml/2006/main" xmlns:r="http://schemas.openxmlformats.org/officeDocument/2006/relationships" xmlns:p="http://schemas.openxmlformats.org/presentationml/2006/main">
   <p:cSld>
     <p:spTree>
@@ -4174,7 +4326,7 @@
 </p:sld>
 </file>
 
-<file path=ppt/slides/slide12.xml><?xml version="1.0" encoding="utf-8"?>
+<file path=ppt/slides/slide13.xml><?xml version="1.0" encoding="utf-8"?>
 <p:sld xmlns:a="http://schemas.openxmlformats.org/drawingml/2006/main" xmlns:r="http://schemas.openxmlformats.org/officeDocument/2006/relationships" xmlns:p="http://schemas.openxmlformats.org/presentationml/2006/main">
   <p:cSld>
     <p:spTree>
@@ -4324,7 +4476,7 @@
 </p:sld>
 </file>
 
-<file path=ppt/slides/slide13.xml><?xml version="1.0" encoding="utf-8"?>
+<file path=ppt/slides/slide14.xml><?xml version="1.0" encoding="utf-8"?>
 <p:sld xmlns:a="http://schemas.openxmlformats.org/drawingml/2006/main" xmlns:r="http://schemas.openxmlformats.org/officeDocument/2006/relationships" xmlns:p="http://schemas.openxmlformats.org/presentationml/2006/main">
   <p:cSld>
     <p:spTree>
@@ -4465,7 +4617,7 @@
 </p:sld>
 </file>
 
-<file path=ppt/slides/slide14.xml><?xml version="1.0" encoding="utf-8"?>
+<file path=ppt/slides/slide15.xml><?xml version="1.0" encoding="utf-8"?>
 <p:sld xmlns:a="http://schemas.openxmlformats.org/drawingml/2006/main" xmlns:r="http://schemas.openxmlformats.org/officeDocument/2006/relationships" xmlns:p="http://schemas.openxmlformats.org/presentationml/2006/main">
   <p:cSld>
     <p:spTree>
@@ -4615,7 +4767,7 @@
 </p:sld>
 </file>
 
-<file path=ppt/slides/slide15.xml><?xml version="1.0" encoding="utf-8"?>
+<file path=ppt/slides/slide16.xml><?xml version="1.0" encoding="utf-8"?>
 <p:sld xmlns:a="http://schemas.openxmlformats.org/drawingml/2006/main" xmlns:r="http://schemas.openxmlformats.org/officeDocument/2006/relationships" xmlns:p="http://schemas.openxmlformats.org/presentationml/2006/main">
   <p:cSld>
     <p:spTree>
@@ -4760,7 +4912,7 @@
 </p:sld>
 </file>
 
-<file path=ppt/slides/slide16.xml><?xml version="1.0" encoding="utf-8"?>
+<file path=ppt/slides/slide17.xml><?xml version="1.0" encoding="utf-8"?>
 <p:sld xmlns:a="http://schemas.openxmlformats.org/drawingml/2006/main" xmlns:r="http://schemas.openxmlformats.org/officeDocument/2006/relationships" xmlns:p="http://schemas.openxmlformats.org/presentationml/2006/main">
   <p:cSld>
     <p:spTree>
@@ -4902,7 +5054,7 @@
 </p:sld>
 </file>
 
-<file path=ppt/slides/slide17.xml><?xml version="1.0" encoding="utf-8"?>
+<file path=ppt/slides/slide18.xml><?xml version="1.0" encoding="utf-8"?>
 <p:sld xmlns:a="http://schemas.openxmlformats.org/drawingml/2006/main" xmlns:r="http://schemas.openxmlformats.org/officeDocument/2006/relationships" xmlns:p="http://schemas.openxmlformats.org/presentationml/2006/main">
   <p:cSld>
     <p:spTree>
@@ -5065,7 +5217,7 @@
 </p:sld>
 </file>
 
-<file path=ppt/slides/slide18.xml><?xml version="1.0" encoding="utf-8"?>
+<file path=ppt/slides/slide19.xml><?xml version="1.0" encoding="utf-8"?>
 <p:sld xmlns:a="http://schemas.openxmlformats.org/drawingml/2006/main" xmlns:r="http://schemas.openxmlformats.org/officeDocument/2006/relationships" xmlns:p="http://schemas.openxmlformats.org/presentationml/2006/main">
   <p:cSld>
     <p:spTree>
@@ -5168,138 +5320,6 @@
     <p:extLst>
       <p:ext uri="{BB962C8B-B14F-4D97-AF65-F5344CB8AC3E}">
         <p14:creationId xmlns:p14="http://schemas.microsoft.com/office/powerpoint/2010/main" val="1720782145"/>
-      </p:ext>
-    </p:extLst>
-  </p:cSld>
-  <p:clrMapOvr>
-    <a:masterClrMapping/>
-  </p:clrMapOvr>
-</p:sld>
-</file>
-
-<file path=ppt/slides/slide19.xml><?xml version="1.0" encoding="utf-8"?>
-<p:sld xmlns:a="http://schemas.openxmlformats.org/drawingml/2006/main" xmlns:r="http://schemas.openxmlformats.org/officeDocument/2006/relationships" xmlns:p="http://schemas.openxmlformats.org/presentationml/2006/main">
-  <p:cSld>
-    <p:spTree>
-      <p:nvGrpSpPr>
-        <p:cNvPr id="1" name=""/>
-        <p:cNvGrpSpPr/>
-        <p:nvPr/>
-      </p:nvGrpSpPr>
-      <p:grpSpPr>
-        <a:xfrm>
-          <a:off x="0" y="0"/>
-          <a:ext cx="0" cy="0"/>
-          <a:chOff x="0" y="0"/>
-          <a:chExt cx="0" cy="0"/>
-        </a:xfrm>
-      </p:grpSpPr>
-      <p:sp>
-        <p:nvSpPr>
-          <p:cNvPr id="2" name="Titre 1">
-            <a:extLst>
-              <a:ext uri="{FF2B5EF4-FFF2-40B4-BE49-F238E27FC236}">
-                <a16:creationId xmlns:a16="http://schemas.microsoft.com/office/drawing/2014/main" id="{97955F89-1FD9-F824-D485-2E9573B5C7A7}"/>
-              </a:ext>
-            </a:extLst>
-          </p:cNvPr>
-          <p:cNvSpPr>
-            <a:spLocks noGrp="1"/>
-          </p:cNvSpPr>
-          <p:nvPr>
-            <p:ph type="title"/>
-          </p:nvPr>
-        </p:nvSpPr>
-        <p:spPr/>
-        <p:txBody>
-          <a:bodyPr/>
-          <a:lstStyle/>
-          <a:p>
-            <a:r>
-              <a:rPr lang="fr-FR" dirty="0" err="1"/>
-              <a:t>PyBoard</a:t>
-            </a:r>
-            <a:endParaRPr lang="fr-FR" dirty="0"/>
-          </a:p>
-        </p:txBody>
-      </p:sp>
-      <p:sp>
-        <p:nvSpPr>
-          <p:cNvPr id="3" name="Espace réservé du contenu 2">
-            <a:extLst>
-              <a:ext uri="{FF2B5EF4-FFF2-40B4-BE49-F238E27FC236}">
-                <a16:creationId xmlns:a16="http://schemas.microsoft.com/office/drawing/2014/main" id="{D3C4988E-1BAE-7F9B-151B-CC68F9948A3E}"/>
-              </a:ext>
-            </a:extLst>
-          </p:cNvPr>
-          <p:cNvSpPr>
-            <a:spLocks noGrp="1"/>
-          </p:cNvSpPr>
-          <p:nvPr>
-            <p:ph idx="1"/>
-          </p:nvPr>
-        </p:nvSpPr>
-        <p:spPr/>
-        <p:txBody>
-          <a:bodyPr/>
-          <a:lstStyle/>
-          <a:p>
-            <a:r>
-              <a:rPr lang="fr-FR" dirty="0"/>
-              <a:t>STM32</a:t>
-            </a:r>
-          </a:p>
-          <a:p>
-            <a:r>
-              <a:rPr lang="fr-FR" dirty="0"/>
-              <a:t>Tout intégré</a:t>
-            </a:r>
-          </a:p>
-          <a:p>
-            <a:r>
-              <a:rPr lang="fr-FR" dirty="0"/>
-              <a:t>Carte d'apprentissage</a:t>
-            </a:r>
-          </a:p>
-          <a:p>
-            <a:endParaRPr lang="fr-FR" dirty="0"/>
-          </a:p>
-        </p:txBody>
-      </p:sp>
-      <p:pic>
-        <p:nvPicPr>
-          <p:cNvPr id="5" name="Image 4">
-            <a:extLst>
-              <a:ext uri="{FF2B5EF4-FFF2-40B4-BE49-F238E27FC236}">
-                <a16:creationId xmlns:a16="http://schemas.microsoft.com/office/drawing/2014/main" id="{147C0C66-6DB9-F539-B2BB-203FCAE58841}"/>
-              </a:ext>
-            </a:extLst>
-          </p:cNvPr>
-          <p:cNvPicPr>
-            <a:picLocks noChangeAspect="1"/>
-          </p:cNvPicPr>
-          <p:nvPr/>
-        </p:nvPicPr>
-        <p:blipFill>
-          <a:blip r:embed="rId2"/>
-          <a:stretch>
-            <a:fillRect/>
-          </a:stretch>
-        </p:blipFill>
-        <p:spPr>
-          <a:xfrm>
-            <a:off x="2771800" y="3068960"/>
-            <a:ext cx="4096322" cy="3010320"/>
-          </a:xfrm>
-          <a:prstGeom prst="rect">
-            <a:avLst/>
-          </a:prstGeom>
-        </p:spPr>
-      </p:pic>
-    </p:spTree>
-    <p:extLst>
-      <p:ext uri="{BB962C8B-B14F-4D97-AF65-F5344CB8AC3E}">
-        <p14:creationId xmlns:p14="http://schemas.microsoft.com/office/powerpoint/2010/main" val="2824060604"/>
       </p:ext>
     </p:extLst>
   </p:cSld>
@@ -5467,6 +5487,138 @@
           <p:cNvPr id="2" name="Titre 1">
             <a:extLst>
               <a:ext uri="{FF2B5EF4-FFF2-40B4-BE49-F238E27FC236}">
+                <a16:creationId xmlns:a16="http://schemas.microsoft.com/office/drawing/2014/main" id="{97955F89-1FD9-F824-D485-2E9573B5C7A7}"/>
+              </a:ext>
+            </a:extLst>
+          </p:cNvPr>
+          <p:cNvSpPr>
+            <a:spLocks noGrp="1"/>
+          </p:cNvSpPr>
+          <p:nvPr>
+            <p:ph type="title"/>
+          </p:nvPr>
+        </p:nvSpPr>
+        <p:spPr/>
+        <p:txBody>
+          <a:bodyPr/>
+          <a:lstStyle/>
+          <a:p>
+            <a:r>
+              <a:rPr lang="fr-FR" dirty="0" err="1"/>
+              <a:t>PyBoard</a:t>
+            </a:r>
+            <a:endParaRPr lang="fr-FR" dirty="0"/>
+          </a:p>
+        </p:txBody>
+      </p:sp>
+      <p:sp>
+        <p:nvSpPr>
+          <p:cNvPr id="3" name="Espace réservé du contenu 2">
+            <a:extLst>
+              <a:ext uri="{FF2B5EF4-FFF2-40B4-BE49-F238E27FC236}">
+                <a16:creationId xmlns:a16="http://schemas.microsoft.com/office/drawing/2014/main" id="{D3C4988E-1BAE-7F9B-151B-CC68F9948A3E}"/>
+              </a:ext>
+            </a:extLst>
+          </p:cNvPr>
+          <p:cNvSpPr>
+            <a:spLocks noGrp="1"/>
+          </p:cNvSpPr>
+          <p:nvPr>
+            <p:ph idx="1"/>
+          </p:nvPr>
+        </p:nvSpPr>
+        <p:spPr/>
+        <p:txBody>
+          <a:bodyPr/>
+          <a:lstStyle/>
+          <a:p>
+            <a:r>
+              <a:rPr lang="fr-FR" dirty="0"/>
+              <a:t>STM32</a:t>
+            </a:r>
+          </a:p>
+          <a:p>
+            <a:r>
+              <a:rPr lang="fr-FR" dirty="0"/>
+              <a:t>Tout intégré</a:t>
+            </a:r>
+          </a:p>
+          <a:p>
+            <a:r>
+              <a:rPr lang="fr-FR" dirty="0"/>
+              <a:t>Carte d'apprentissage</a:t>
+            </a:r>
+          </a:p>
+          <a:p>
+            <a:endParaRPr lang="fr-FR" dirty="0"/>
+          </a:p>
+        </p:txBody>
+      </p:sp>
+      <p:pic>
+        <p:nvPicPr>
+          <p:cNvPr id="5" name="Image 4">
+            <a:extLst>
+              <a:ext uri="{FF2B5EF4-FFF2-40B4-BE49-F238E27FC236}">
+                <a16:creationId xmlns:a16="http://schemas.microsoft.com/office/drawing/2014/main" id="{147C0C66-6DB9-F539-B2BB-203FCAE58841}"/>
+              </a:ext>
+            </a:extLst>
+          </p:cNvPr>
+          <p:cNvPicPr>
+            <a:picLocks noChangeAspect="1"/>
+          </p:cNvPicPr>
+          <p:nvPr/>
+        </p:nvPicPr>
+        <p:blipFill>
+          <a:blip r:embed="rId2"/>
+          <a:stretch>
+            <a:fillRect/>
+          </a:stretch>
+        </p:blipFill>
+        <p:spPr>
+          <a:xfrm>
+            <a:off x="2771800" y="3068960"/>
+            <a:ext cx="4096322" cy="3010320"/>
+          </a:xfrm>
+          <a:prstGeom prst="rect">
+            <a:avLst/>
+          </a:prstGeom>
+        </p:spPr>
+      </p:pic>
+    </p:spTree>
+    <p:extLst>
+      <p:ext uri="{BB962C8B-B14F-4D97-AF65-F5344CB8AC3E}">
+        <p14:creationId xmlns:p14="http://schemas.microsoft.com/office/powerpoint/2010/main" val="2824060604"/>
+      </p:ext>
+    </p:extLst>
+  </p:cSld>
+  <p:clrMapOvr>
+    <a:masterClrMapping/>
+  </p:clrMapOvr>
+</p:sld>
+</file>
+
+<file path=ppt/slides/slide21.xml><?xml version="1.0" encoding="utf-8"?>
+<p:sld xmlns:a="http://schemas.openxmlformats.org/drawingml/2006/main" xmlns:r="http://schemas.openxmlformats.org/officeDocument/2006/relationships" xmlns:p="http://schemas.openxmlformats.org/presentationml/2006/main">
+  <p:cSld>
+    <p:spTree>
+      <p:nvGrpSpPr>
+        <p:cNvPr id="1" name=""/>
+        <p:cNvGrpSpPr/>
+        <p:nvPr/>
+      </p:nvGrpSpPr>
+      <p:grpSpPr>
+        <a:xfrm>
+          <a:off x="0" y="0"/>
+          <a:ext cx="0" cy="0"/>
+          <a:chOff x="0" y="0"/>
+          <a:chExt cx="0" cy="0"/>
+        </a:xfrm>
+      </p:grpSpPr>
+      <p:sp>
+        <p:nvSpPr>
+          <p:cNvPr id="2" name="Titre 1">
+            <a:extLst>
+              <a:ext uri="{FF2B5EF4-FFF2-40B4-BE49-F238E27FC236}">
                 <a16:creationId xmlns:a16="http://schemas.microsoft.com/office/drawing/2014/main" id="{8E45E192-1C03-3085-0D04-90F7B6E2BCE0}"/>
               </a:ext>
             </a:extLst>
@@ -5564,7 +5716,7 @@
 </p:sld>
 </file>
 
-<file path=ppt/slides/slide21.xml><?xml version="1.0" encoding="utf-8"?>
+<file path=ppt/slides/slide22.xml><?xml version="1.0" encoding="utf-8"?>
 <p:sld xmlns:a="http://schemas.openxmlformats.org/drawingml/2006/main" xmlns:r="http://schemas.openxmlformats.org/officeDocument/2006/relationships" xmlns:p="http://schemas.openxmlformats.org/presentationml/2006/main">
   <p:cSld>
     <p:spTree>
@@ -5725,7 +5877,7 @@
 </p:sld>
 </file>
 
-<file path=ppt/slides/slide22.xml><?xml version="1.0" encoding="utf-8"?>
+<file path=ppt/slides/slide23.xml><?xml version="1.0" encoding="utf-8"?>
 <p:sld xmlns:a="http://schemas.openxmlformats.org/drawingml/2006/main" xmlns:r="http://schemas.openxmlformats.org/officeDocument/2006/relationships" xmlns:p="http://schemas.openxmlformats.org/presentationml/2006/main">
   <p:cSld>
     <p:spTree>
@@ -5872,7 +6024,7 @@
 </p:sld>
 </file>
 
-<file path=ppt/slides/slide23.xml><?xml version="1.0" encoding="utf-8"?>
+<file path=ppt/slides/slide24.xml><?xml version="1.0" encoding="utf-8"?>
 <p:sld xmlns:a="http://schemas.openxmlformats.org/drawingml/2006/main" xmlns:r="http://schemas.openxmlformats.org/officeDocument/2006/relationships" xmlns:p="http://schemas.openxmlformats.org/presentationml/2006/main">
   <p:cSld>
     <p:spTree>
@@ -5988,147 +6140,6 @@
 </p:sld>
 </file>
 
-<file path=ppt/slides/slide24.xml><?xml version="1.0" encoding="utf-8"?>
-<p:sld xmlns:a="http://schemas.openxmlformats.org/drawingml/2006/main" xmlns:r="http://schemas.openxmlformats.org/officeDocument/2006/relationships" xmlns:p="http://schemas.openxmlformats.org/presentationml/2006/main">
-  <p:cSld>
-    <p:spTree>
-      <p:nvGrpSpPr>
-        <p:cNvPr id="1" name=""/>
-        <p:cNvGrpSpPr/>
-        <p:nvPr/>
-      </p:nvGrpSpPr>
-      <p:grpSpPr>
-        <a:xfrm>
-          <a:off x="0" y="0"/>
-          <a:ext cx="0" cy="0"/>
-          <a:chOff x="0" y="0"/>
-          <a:chExt cx="0" cy="0"/>
-        </a:xfrm>
-      </p:grpSpPr>
-      <p:sp>
-        <p:nvSpPr>
-          <p:cNvPr id="2" name="Titre 1"/>
-          <p:cNvSpPr>
-            <a:spLocks noGrp="1"/>
-          </p:cNvSpPr>
-          <p:nvPr>
-            <p:ph type="title"/>
-          </p:nvPr>
-        </p:nvSpPr>
-        <p:spPr/>
-        <p:txBody>
-          <a:bodyPr/>
-          <a:lstStyle/>
-          <a:p>
-            <a:r>
-              <a:rPr lang="fr-FR" dirty="0"/>
-              <a:t>Communications</a:t>
-            </a:r>
-          </a:p>
-        </p:txBody>
-      </p:sp>
-      <p:sp>
-        <p:nvSpPr>
-          <p:cNvPr id="3" name="Espace réservé du contenu 2"/>
-          <p:cNvSpPr>
-            <a:spLocks noGrp="1"/>
-          </p:cNvSpPr>
-          <p:nvPr>
-            <p:ph idx="1"/>
-          </p:nvPr>
-        </p:nvSpPr>
-        <p:spPr/>
-        <p:txBody>
-          <a:bodyPr/>
-          <a:lstStyle/>
-          <a:p>
-            <a:r>
-              <a:rPr lang="fr-FR" dirty="0"/>
-              <a:t>Filaires</a:t>
-            </a:r>
-          </a:p>
-          <a:p>
-            <a:pPr lvl="1"/>
-            <a:r>
-              <a:rPr lang="fr-FR" dirty="0"/>
-              <a:t>USB, Série, RS232, Ethernet …</a:t>
-            </a:r>
-          </a:p>
-          <a:p>
-            <a:r>
-              <a:rPr lang="fr-FR" dirty="0"/>
-              <a:t>Sans fils</a:t>
-            </a:r>
-          </a:p>
-          <a:p>
-            <a:pPr lvl="1"/>
-            <a:r>
-              <a:rPr lang="fr-FR" dirty="0"/>
-              <a:t>Wifi, Bluetooth, Infrarouge, 433MHz</a:t>
-            </a:r>
-          </a:p>
-          <a:p>
-            <a:r>
-              <a:rPr lang="fr-FR" dirty="0"/>
-              <a:t>Energie faible</a:t>
-            </a:r>
-          </a:p>
-          <a:p>
-            <a:pPr lvl="1"/>
-            <a:r>
-              <a:rPr lang="fr-FR" dirty="0"/>
-              <a:t>Bluetooth LE, Lora, …</a:t>
-            </a:r>
-          </a:p>
-          <a:p>
-            <a:r>
-              <a:rPr lang="fr-FR" dirty="0"/>
-              <a:t>WAN, LAN, PAN, HAN</a:t>
-            </a:r>
-          </a:p>
-          <a:p>
-            <a:pPr lvl="1"/>
-            <a:r>
-              <a:rPr lang="fr-FR" dirty="0"/>
-              <a:t>HAN : </a:t>
-            </a:r>
-            <a:r>
-              <a:rPr lang="fr-FR" dirty="0" err="1"/>
-              <a:t>Zigbee</a:t>
-            </a:r>
-            <a:r>
-              <a:rPr lang="fr-FR" dirty="0"/>
-              <a:t>, …</a:t>
-            </a:r>
-          </a:p>
-          <a:p>
-            <a:r>
-              <a:rPr lang="fr-FR" dirty="0"/>
-              <a:t>Web</a:t>
-            </a:r>
-          </a:p>
-          <a:p>
-            <a:pPr lvl="1"/>
-            <a:r>
-              <a:rPr lang="fr-FR" dirty="0"/>
-              <a:t>HTTP, REST, JSON, …</a:t>
-            </a:r>
-          </a:p>
-        </p:txBody>
-      </p:sp>
-    </p:spTree>
-    <p:extLst>
-      <p:ext uri="{BB962C8B-B14F-4D97-AF65-F5344CB8AC3E}">
-        <p14:creationId xmlns:p14="http://schemas.microsoft.com/office/powerpoint/2010/main" val="3746456513"/>
-      </p:ext>
-    </p:extLst>
-  </p:cSld>
-  <p:clrMapOvr>
-    <a:masterClrMapping/>
-  </p:clrMapOvr>
-</p:sld>
-</file>
-
 <file path=ppt/slides/slide25.xml><?xml version="1.0" encoding="utf-8"?>
 <p:sld xmlns:a="http://schemas.openxmlformats.org/drawingml/2006/main" xmlns:r="http://schemas.openxmlformats.org/officeDocument/2006/relationships" xmlns:p="http://schemas.openxmlformats.org/presentationml/2006/main">
   <p:cSld>
@@ -6163,6 +6174,147 @@
           <a:p>
             <a:r>
               <a:rPr lang="fr-FR" dirty="0"/>
+              <a:t>Communications</a:t>
+            </a:r>
+          </a:p>
+        </p:txBody>
+      </p:sp>
+      <p:sp>
+        <p:nvSpPr>
+          <p:cNvPr id="3" name="Espace réservé du contenu 2"/>
+          <p:cNvSpPr>
+            <a:spLocks noGrp="1"/>
+          </p:cNvSpPr>
+          <p:nvPr>
+            <p:ph idx="1"/>
+          </p:nvPr>
+        </p:nvSpPr>
+        <p:spPr/>
+        <p:txBody>
+          <a:bodyPr/>
+          <a:lstStyle/>
+          <a:p>
+            <a:r>
+              <a:rPr lang="fr-FR" dirty="0"/>
+              <a:t>Filaires</a:t>
+            </a:r>
+          </a:p>
+          <a:p>
+            <a:pPr lvl="1"/>
+            <a:r>
+              <a:rPr lang="fr-FR" dirty="0"/>
+              <a:t>USB, Série, RS232, Ethernet …</a:t>
+            </a:r>
+          </a:p>
+          <a:p>
+            <a:r>
+              <a:rPr lang="fr-FR" dirty="0"/>
+              <a:t>Sans fils</a:t>
+            </a:r>
+          </a:p>
+          <a:p>
+            <a:pPr lvl="1"/>
+            <a:r>
+              <a:rPr lang="fr-FR" dirty="0"/>
+              <a:t>Wifi, Bluetooth, Infrarouge, 433MHz</a:t>
+            </a:r>
+          </a:p>
+          <a:p>
+            <a:r>
+              <a:rPr lang="fr-FR" dirty="0"/>
+              <a:t>Energie faible</a:t>
+            </a:r>
+          </a:p>
+          <a:p>
+            <a:pPr lvl="1"/>
+            <a:r>
+              <a:rPr lang="fr-FR" dirty="0"/>
+              <a:t>Bluetooth LE, Lora, …</a:t>
+            </a:r>
+          </a:p>
+          <a:p>
+            <a:r>
+              <a:rPr lang="fr-FR" dirty="0"/>
+              <a:t>WAN, LAN, PAN, HAN</a:t>
+            </a:r>
+          </a:p>
+          <a:p>
+            <a:pPr lvl="1"/>
+            <a:r>
+              <a:rPr lang="fr-FR" dirty="0"/>
+              <a:t>HAN : </a:t>
+            </a:r>
+            <a:r>
+              <a:rPr lang="fr-FR" dirty="0" err="1"/>
+              <a:t>Zigbee</a:t>
+            </a:r>
+            <a:r>
+              <a:rPr lang="fr-FR" dirty="0"/>
+              <a:t>, …</a:t>
+            </a:r>
+          </a:p>
+          <a:p>
+            <a:r>
+              <a:rPr lang="fr-FR" dirty="0"/>
+              <a:t>Web</a:t>
+            </a:r>
+          </a:p>
+          <a:p>
+            <a:pPr lvl="1"/>
+            <a:r>
+              <a:rPr lang="fr-FR" dirty="0"/>
+              <a:t>HTTP, REST, JSON, …</a:t>
+            </a:r>
+          </a:p>
+        </p:txBody>
+      </p:sp>
+    </p:spTree>
+    <p:extLst>
+      <p:ext uri="{BB962C8B-B14F-4D97-AF65-F5344CB8AC3E}">
+        <p14:creationId xmlns:p14="http://schemas.microsoft.com/office/powerpoint/2010/main" val="3746456513"/>
+      </p:ext>
+    </p:extLst>
+  </p:cSld>
+  <p:clrMapOvr>
+    <a:masterClrMapping/>
+  </p:clrMapOvr>
+</p:sld>
+</file>
+
+<file path=ppt/slides/slide26.xml><?xml version="1.0" encoding="utf-8"?>
+<p:sld xmlns:a="http://schemas.openxmlformats.org/drawingml/2006/main" xmlns:r="http://schemas.openxmlformats.org/officeDocument/2006/relationships" xmlns:p="http://schemas.openxmlformats.org/presentationml/2006/main">
+  <p:cSld>
+    <p:spTree>
+      <p:nvGrpSpPr>
+        <p:cNvPr id="1" name=""/>
+        <p:cNvGrpSpPr/>
+        <p:nvPr/>
+      </p:nvGrpSpPr>
+      <p:grpSpPr>
+        <a:xfrm>
+          <a:off x="0" y="0"/>
+          <a:ext cx="0" cy="0"/>
+          <a:chOff x="0" y="0"/>
+          <a:chExt cx="0" cy="0"/>
+        </a:xfrm>
+      </p:grpSpPr>
+      <p:sp>
+        <p:nvSpPr>
+          <p:cNvPr id="2" name="Titre 1"/>
+          <p:cNvSpPr>
+            <a:spLocks noGrp="1"/>
+          </p:cNvSpPr>
+          <p:nvPr>
+            <p:ph type="title"/>
+          </p:nvPr>
+        </p:nvSpPr>
+        <p:spPr/>
+        <p:txBody>
+          <a:bodyPr/>
+          <a:lstStyle/>
+          <a:p>
+            <a:r>
+              <a:rPr lang="fr-FR" dirty="0"/>
               <a:t>Architecture</a:t>
             </a:r>
           </a:p>
@@ -6203,7 +6355,7 @@
 </p:sld>
 </file>
 
-<file path=ppt/slides/slide26.xml><?xml version="1.0" encoding="utf-8"?>
+<file path=ppt/slides/slide27.xml><?xml version="1.0" encoding="utf-8"?>
 <p:sld xmlns:a="http://schemas.openxmlformats.org/drawingml/2006/main" xmlns:r="http://schemas.openxmlformats.org/officeDocument/2006/relationships" xmlns:p="http://schemas.openxmlformats.org/presentationml/2006/main">
   <p:cSld>
     <p:spTree>
@@ -7058,7 +7210,7 @@
           <p:cNvPr id="2" name="Titre 1">
             <a:extLst>
               <a:ext uri="{FF2B5EF4-FFF2-40B4-BE49-F238E27FC236}">
-                <a16:creationId xmlns:a16="http://schemas.microsoft.com/office/drawing/2014/main" id="{311B3403-ED58-E004-1F58-A6A585ECD5E3}"/>
+                <a16:creationId xmlns:a16="http://schemas.microsoft.com/office/drawing/2014/main" id="{0EC7EADD-FA36-EC04-4178-419FFCFACF05}"/>
               </a:ext>
             </a:extLst>
           </p:cNvPr>
@@ -7076,7 +7228,7 @@
           <a:p>
             <a:r>
               <a:rPr lang="fr-FR" dirty="0" err="1"/>
-              <a:t>Eeprom</a:t>
+              <a:t>SoC</a:t>
             </a:r>
             <a:endParaRPr lang="fr-FR" dirty="0"/>
           </a:p>
@@ -7087,7 +7239,7 @@
           <p:cNvPr id="3" name="Espace réservé du contenu 2">
             <a:extLst>
               <a:ext uri="{FF2B5EF4-FFF2-40B4-BE49-F238E27FC236}">
-                <a16:creationId xmlns:a16="http://schemas.microsoft.com/office/drawing/2014/main" id="{CAD6D573-B844-652E-1EFC-CE95C1F1F89D}"/>
+                <a16:creationId xmlns:a16="http://schemas.microsoft.com/office/drawing/2014/main" id="{5633F03D-0DC8-386C-F7E1-3176B5F3490B}"/>
               </a:ext>
             </a:extLst>
           </p:cNvPr>
@@ -7105,63 +7257,22 @@
           <a:p>
             <a:r>
               <a:rPr lang="fr-FR" dirty="0"/>
-              <a:t>Ce programme par une </a:t>
-            </a:r>
-            <a:r>
-              <a:rPr lang="fr-FR" dirty="0" err="1"/>
-              <a:t>Eeprom</a:t>
-            </a:r>
-            <a:endParaRPr lang="fr-FR" dirty="0"/>
+              <a:t>System on a Chip</a:t>
+            </a:r>
           </a:p>
           <a:p>
             <a:pPr lvl="1"/>
             <a:r>
               <a:rPr lang="fr-FR" dirty="0"/>
-              <a:t>Flash par ISP</a:t>
-            </a:r>
-          </a:p>
-          <a:p>
-            <a:pPr lvl="1"/>
-            <a:r>
-              <a:rPr lang="fr-FR" dirty="0"/>
-              <a:t>Protocole de flashage par USB</a:t>
-            </a:r>
-          </a:p>
-          <a:p>
-            <a:r>
-              <a:rPr lang="fr-FR" dirty="0"/>
-              <a:t>C'est le stockage permanent du </a:t>
-            </a:r>
-            <a:r>
-              <a:rPr lang="fr-FR" dirty="0" err="1"/>
-              <a:t>micro-contrôleur</a:t>
-            </a:r>
-            <a:endParaRPr lang="fr-FR" dirty="0"/>
-          </a:p>
-          <a:p>
-            <a:r>
-              <a:rPr lang="fr-FR" dirty="0"/>
-              <a:t>Ce programme en C++</a:t>
-            </a:r>
-          </a:p>
-          <a:p>
-            <a:pPr lvl="1"/>
-            <a:r>
-              <a:rPr lang="fr-FR" dirty="0"/>
-              <a:t>Puis en </a:t>
-            </a:r>
-            <a:r>
-              <a:rPr lang="fr-FR" dirty="0" err="1"/>
-              <a:t>MicroPython</a:t>
-            </a:r>
-            <a:endParaRPr lang="fr-FR" dirty="0"/>
+              <a:t>All in one</a:t>
+            </a:r>
           </a:p>
         </p:txBody>
       </p:sp>
     </p:spTree>
     <p:extLst>
       <p:ext uri="{BB962C8B-B14F-4D97-AF65-F5344CB8AC3E}">
-        <p14:creationId xmlns:p14="http://schemas.microsoft.com/office/powerpoint/2010/main" val="3030730995"/>
+        <p14:creationId xmlns:p14="http://schemas.microsoft.com/office/powerpoint/2010/main" val="1266779388"/>
       </p:ext>
     </p:extLst>
   </p:cSld>
@@ -7193,7 +7304,7 @@
           <p:cNvPr id="2" name="Titre 1">
             <a:extLst>
               <a:ext uri="{FF2B5EF4-FFF2-40B4-BE49-F238E27FC236}">
-                <a16:creationId xmlns:a16="http://schemas.microsoft.com/office/drawing/2014/main" id="{45204081-0738-FD9A-8BE4-05B5D24AF95C}"/>
+                <a16:creationId xmlns:a16="http://schemas.microsoft.com/office/drawing/2014/main" id="{311B3403-ED58-E004-1F58-A6A585ECD5E3}"/>
               </a:ext>
             </a:extLst>
           </p:cNvPr>
@@ -7210,9 +7321,10 @@
           <a:lstStyle/>
           <a:p>
             <a:r>
-              <a:rPr lang="fr-FR" dirty="0"/>
-              <a:t>Objectif</a:t>
-            </a:r>
+              <a:rPr lang="fr-FR" dirty="0" err="1"/>
+              <a:t>Eeprom</a:t>
+            </a:r>
+            <a:endParaRPr lang="fr-FR" dirty="0"/>
           </a:p>
         </p:txBody>
       </p:sp>
@@ -7221,7 +7333,7 @@
           <p:cNvPr id="3" name="Espace réservé du contenu 2">
             <a:extLst>
               <a:ext uri="{FF2B5EF4-FFF2-40B4-BE49-F238E27FC236}">
-                <a16:creationId xmlns:a16="http://schemas.microsoft.com/office/drawing/2014/main" id="{37806DAA-4F50-BB0F-4DB4-196DD2C341E1}"/>
+                <a16:creationId xmlns:a16="http://schemas.microsoft.com/office/drawing/2014/main" id="{CAD6D573-B844-652E-1EFC-CE95C1F1F89D}"/>
               </a:ext>
             </a:extLst>
           </p:cNvPr>
@@ -7239,80 +7351,63 @@
           <a:p>
             <a:r>
               <a:rPr lang="fr-FR" dirty="0"/>
-              <a:t>L'embarqué</a:t>
-            </a:r>
-          </a:p>
-          <a:p>
-            <a:r>
-              <a:rPr lang="fr-FR" dirty="0"/>
-              <a:t>La faible consommation électrique</a:t>
-            </a:r>
-          </a:p>
-          <a:p>
-            <a:r>
-              <a:rPr lang="fr-FR" dirty="0"/>
-              <a:t>Le tout en 1</a:t>
-            </a:r>
-          </a:p>
-          <a:p>
-            <a:r>
-              <a:rPr lang="fr-FR" dirty="0"/>
-              <a:t>Le cout très faible</a:t>
-            </a:r>
-          </a:p>
-        </p:txBody>
-      </p:sp>
-      <p:pic>
-        <p:nvPicPr>
-          <p:cNvPr id="1026" name="Picture 2">
-            <a:extLst>
-              <a:ext uri="{FF2B5EF4-FFF2-40B4-BE49-F238E27FC236}">
-                <a16:creationId xmlns:a16="http://schemas.microsoft.com/office/drawing/2014/main" id="{3D39C61C-EA38-2A00-4004-504491407DB5}"/>
-              </a:ext>
-            </a:extLst>
-          </p:cNvPr>
-          <p:cNvPicPr>
-            <a:picLocks noChangeAspect="1" noChangeArrowheads="1"/>
-          </p:cNvPicPr>
-          <p:nvPr/>
-        </p:nvPicPr>
-        <p:blipFill>
-          <a:blip r:embed="rId2">
-            <a:extLst>
-              <a:ext uri="{28A0092B-C50C-407E-A947-70E740481C1C}">
-                <a14:useLocalDpi xmlns:a14="http://schemas.microsoft.com/office/drawing/2010/main" val="0"/>
-              </a:ext>
-            </a:extLst>
-          </a:blip>
-          <a:srcRect/>
-          <a:stretch>
-            <a:fillRect/>
-          </a:stretch>
-        </p:blipFill>
-        <p:spPr bwMode="auto">
-          <a:xfrm>
-            <a:off x="1835696" y="3573016"/>
-            <a:ext cx="5200650" cy="1952625"/>
-          </a:xfrm>
-          <a:prstGeom prst="rect">
-            <a:avLst/>
-          </a:prstGeom>
-          <a:noFill/>
-          <a:extLst>
-            <a:ext uri="{909E8E84-426E-40DD-AFC4-6F175D3DCCD1}">
-              <a14:hiddenFill xmlns:a14="http://schemas.microsoft.com/office/drawing/2010/main">
-                <a:solidFill>
-                  <a:srgbClr val="FFFFFF"/>
-                </a:solidFill>
-              </a14:hiddenFill>
-            </a:ext>
-          </a:extLst>
-        </p:spPr>
-      </p:pic>
+              <a:t>Ce programme par une </a:t>
+            </a:r>
+            <a:r>
+              <a:rPr lang="fr-FR" dirty="0" err="1"/>
+              <a:t>Eeprom</a:t>
+            </a:r>
+            <a:endParaRPr lang="fr-FR" dirty="0"/>
+          </a:p>
+          <a:p>
+            <a:pPr lvl="1"/>
+            <a:r>
+              <a:rPr lang="fr-FR" dirty="0"/>
+              <a:t>Flash par ISP</a:t>
+            </a:r>
+          </a:p>
+          <a:p>
+            <a:pPr lvl="1"/>
+            <a:r>
+              <a:rPr lang="fr-FR" dirty="0"/>
+              <a:t>Protocole de flashage par USB</a:t>
+            </a:r>
+          </a:p>
+          <a:p>
+            <a:r>
+              <a:rPr lang="fr-FR" dirty="0"/>
+              <a:t>C'est le stockage permanent du </a:t>
+            </a:r>
+            <a:r>
+              <a:rPr lang="fr-FR" dirty="0" err="1"/>
+              <a:t>micro-contrôleur</a:t>
+            </a:r>
+            <a:endParaRPr lang="fr-FR" dirty="0"/>
+          </a:p>
+          <a:p>
+            <a:r>
+              <a:rPr lang="fr-FR" dirty="0"/>
+              <a:t>Ce programme en C++</a:t>
+            </a:r>
+          </a:p>
+          <a:p>
+            <a:pPr lvl="1"/>
+            <a:r>
+              <a:rPr lang="fr-FR" dirty="0"/>
+              <a:t>Puis en </a:t>
+            </a:r>
+            <a:r>
+              <a:rPr lang="fr-FR" dirty="0" err="1"/>
+              <a:t>MicroPython</a:t>
+            </a:r>
+            <a:endParaRPr lang="fr-FR" dirty="0"/>
+          </a:p>
+        </p:txBody>
+      </p:sp>
     </p:spTree>
     <p:extLst>
       <p:ext uri="{BB962C8B-B14F-4D97-AF65-F5344CB8AC3E}">
-        <p14:creationId xmlns:p14="http://schemas.microsoft.com/office/powerpoint/2010/main" val="1236533905"/>
+        <p14:creationId xmlns:p14="http://schemas.microsoft.com/office/powerpoint/2010/main" val="3030730995"/>
       </p:ext>
     </p:extLst>
   </p:cSld>

--- a/ppt/IoT01-Intro.pptx
+++ b/ppt/IoT01-Intro.pptx
@@ -5,39 +5,42 @@
     <p:sldMasterId id="2147483653" r:id="rId1"/>
   </p:sldMasterIdLst>
   <p:notesMasterIdLst>
-    <p:notesMasterId r:id="rId29"/>
+    <p:notesMasterId r:id="rId32"/>
   </p:notesMasterIdLst>
   <p:handoutMasterIdLst>
-    <p:handoutMasterId r:id="rId30"/>
+    <p:handoutMasterId r:id="rId33"/>
   </p:handoutMasterIdLst>
   <p:sldIdLst>
     <p:sldId id="264" r:id="rId2"/>
     <p:sldId id="265" r:id="rId3"/>
-    <p:sldId id="266" r:id="rId4"/>
-    <p:sldId id="267" r:id="rId5"/>
-    <p:sldId id="269" r:id="rId6"/>
-    <p:sldId id="284" r:id="rId7"/>
-    <p:sldId id="270" r:id="rId8"/>
-    <p:sldId id="291" r:id="rId9"/>
-    <p:sldId id="286" r:id="rId10"/>
-    <p:sldId id="285" r:id="rId11"/>
-    <p:sldId id="287" r:id="rId12"/>
-    <p:sldId id="288" r:id="rId13"/>
-    <p:sldId id="274" r:id="rId14"/>
-    <p:sldId id="273" r:id="rId15"/>
-    <p:sldId id="283" r:id="rId16"/>
-    <p:sldId id="289" r:id="rId17"/>
-    <p:sldId id="271" r:id="rId18"/>
-    <p:sldId id="272" r:id="rId19"/>
-    <p:sldId id="275" r:id="rId20"/>
-    <p:sldId id="282" r:id="rId21"/>
-    <p:sldId id="280" r:id="rId22"/>
-    <p:sldId id="279" r:id="rId23"/>
-    <p:sldId id="281" r:id="rId24"/>
-    <p:sldId id="290" r:id="rId25"/>
-    <p:sldId id="277" r:id="rId26"/>
-    <p:sldId id="278" r:id="rId27"/>
-    <p:sldId id="276" r:id="rId28"/>
+    <p:sldId id="293" r:id="rId4"/>
+    <p:sldId id="292" r:id="rId5"/>
+    <p:sldId id="266" r:id="rId6"/>
+    <p:sldId id="267" r:id="rId7"/>
+    <p:sldId id="269" r:id="rId8"/>
+    <p:sldId id="284" r:id="rId9"/>
+    <p:sldId id="270" r:id="rId10"/>
+    <p:sldId id="291" r:id="rId11"/>
+    <p:sldId id="286" r:id="rId12"/>
+    <p:sldId id="285" r:id="rId13"/>
+    <p:sldId id="287" r:id="rId14"/>
+    <p:sldId id="288" r:id="rId15"/>
+    <p:sldId id="274" r:id="rId16"/>
+    <p:sldId id="273" r:id="rId17"/>
+    <p:sldId id="283" r:id="rId18"/>
+    <p:sldId id="289" r:id="rId19"/>
+    <p:sldId id="294" r:id="rId20"/>
+    <p:sldId id="271" r:id="rId21"/>
+    <p:sldId id="272" r:id="rId22"/>
+    <p:sldId id="275" r:id="rId23"/>
+    <p:sldId id="282" r:id="rId24"/>
+    <p:sldId id="279" r:id="rId25"/>
+    <p:sldId id="281" r:id="rId26"/>
+    <p:sldId id="290" r:id="rId27"/>
+    <p:sldId id="295" r:id="rId28"/>
+    <p:sldId id="277" r:id="rId29"/>
+    <p:sldId id="278" r:id="rId30"/>
+    <p:sldId id="276" r:id="rId31"/>
   </p:sldIdLst>
   <p:sldSz cx="9144000" cy="6858000" type="screen4x3"/>
   <p:notesSz cx="6648450" cy="9782175"/>
@@ -3815,6 +3818,323 @@
           <p:cNvPr id="2" name="Titre 1">
             <a:extLst>
               <a:ext uri="{FF2B5EF4-FFF2-40B4-BE49-F238E27FC236}">
+                <a16:creationId xmlns:a16="http://schemas.microsoft.com/office/drawing/2014/main" id="{0EC7EADD-FA36-EC04-4178-419FFCFACF05}"/>
+              </a:ext>
+            </a:extLst>
+          </p:cNvPr>
+          <p:cNvSpPr>
+            <a:spLocks noGrp="1"/>
+          </p:cNvSpPr>
+          <p:nvPr>
+            <p:ph type="title"/>
+          </p:nvPr>
+        </p:nvSpPr>
+        <p:spPr/>
+        <p:txBody>
+          <a:bodyPr/>
+          <a:lstStyle/>
+          <a:p>
+            <a:r>
+              <a:rPr lang="fr-FR" dirty="0" err="1"/>
+              <a:t>SoC</a:t>
+            </a:r>
+            <a:endParaRPr lang="fr-FR" dirty="0"/>
+          </a:p>
+        </p:txBody>
+      </p:sp>
+      <p:sp>
+        <p:nvSpPr>
+          <p:cNvPr id="3" name="Espace réservé du contenu 2">
+            <a:extLst>
+              <a:ext uri="{FF2B5EF4-FFF2-40B4-BE49-F238E27FC236}">
+                <a16:creationId xmlns:a16="http://schemas.microsoft.com/office/drawing/2014/main" id="{5633F03D-0DC8-386C-F7E1-3176B5F3490B}"/>
+              </a:ext>
+            </a:extLst>
+          </p:cNvPr>
+          <p:cNvSpPr>
+            <a:spLocks noGrp="1"/>
+          </p:cNvSpPr>
+          <p:nvPr>
+            <p:ph idx="1"/>
+          </p:nvPr>
+        </p:nvSpPr>
+        <p:spPr/>
+        <p:txBody>
+          <a:bodyPr/>
+          <a:lstStyle/>
+          <a:p>
+            <a:r>
+              <a:rPr lang="fr-FR" dirty="0"/>
+              <a:t>System on a Chip</a:t>
+            </a:r>
+          </a:p>
+          <a:p>
+            <a:pPr lvl="1"/>
+            <a:r>
+              <a:rPr lang="fr-FR" dirty="0"/>
+              <a:t>All in one</a:t>
+            </a:r>
+          </a:p>
+          <a:p>
+            <a:pPr lvl="1"/>
+            <a:r>
+              <a:rPr lang="fr-FR" dirty="0"/>
+              <a:t>Avant                                            Maintenant</a:t>
+            </a:r>
+          </a:p>
+        </p:txBody>
+      </p:sp>
+      <p:pic>
+        <p:nvPicPr>
+          <p:cNvPr id="7" name="Image 6">
+            <a:extLst>
+              <a:ext uri="{FF2B5EF4-FFF2-40B4-BE49-F238E27FC236}">
+                <a16:creationId xmlns:a16="http://schemas.microsoft.com/office/drawing/2014/main" id="{2AFD1D4F-59CA-2FEF-647A-6A03B7C47489}"/>
+              </a:ext>
+            </a:extLst>
+          </p:cNvPr>
+          <p:cNvPicPr>
+            <a:picLocks noChangeAspect="1"/>
+          </p:cNvPicPr>
+          <p:nvPr/>
+        </p:nvPicPr>
+        <p:blipFill>
+          <a:blip r:embed="rId2"/>
+          <a:stretch>
+            <a:fillRect/>
+          </a:stretch>
+        </p:blipFill>
+        <p:spPr>
+          <a:xfrm>
+            <a:off x="4139952" y="3204765"/>
+            <a:ext cx="4473175" cy="2494784"/>
+          </a:xfrm>
+          <a:prstGeom prst="rect">
+            <a:avLst/>
+          </a:prstGeom>
+        </p:spPr>
+      </p:pic>
+      <p:pic>
+        <p:nvPicPr>
+          <p:cNvPr id="9" name="Image 8">
+            <a:extLst>
+              <a:ext uri="{FF2B5EF4-FFF2-40B4-BE49-F238E27FC236}">
+                <a16:creationId xmlns:a16="http://schemas.microsoft.com/office/drawing/2014/main" id="{D6D983D5-33A9-E8FB-6D61-1F38D342954A}"/>
+              </a:ext>
+            </a:extLst>
+          </p:cNvPr>
+          <p:cNvPicPr>
+            <a:picLocks noChangeAspect="1"/>
+          </p:cNvPicPr>
+          <p:nvPr/>
+        </p:nvPicPr>
+        <p:blipFill>
+          <a:blip r:embed="rId3"/>
+          <a:stretch>
+            <a:fillRect/>
+          </a:stretch>
+        </p:blipFill>
+        <p:spPr>
+          <a:xfrm>
+            <a:off x="198437" y="3212976"/>
+            <a:ext cx="3267980" cy="2048161"/>
+          </a:xfrm>
+          <a:prstGeom prst="rect">
+            <a:avLst/>
+          </a:prstGeom>
+        </p:spPr>
+      </p:pic>
+    </p:spTree>
+    <p:extLst>
+      <p:ext uri="{BB962C8B-B14F-4D97-AF65-F5344CB8AC3E}">
+        <p14:creationId xmlns:p14="http://schemas.microsoft.com/office/powerpoint/2010/main" val="1266779388"/>
+      </p:ext>
+    </p:extLst>
+  </p:cSld>
+  <p:clrMapOvr>
+    <a:masterClrMapping/>
+  </p:clrMapOvr>
+</p:sld>
+</file>
+
+<file path=ppt/slides/slide11.xml><?xml version="1.0" encoding="utf-8"?>
+<p:sld xmlns:a="http://schemas.openxmlformats.org/drawingml/2006/main" xmlns:r="http://schemas.openxmlformats.org/officeDocument/2006/relationships" xmlns:p="http://schemas.openxmlformats.org/presentationml/2006/main">
+  <p:cSld>
+    <p:spTree>
+      <p:nvGrpSpPr>
+        <p:cNvPr id="1" name=""/>
+        <p:cNvGrpSpPr/>
+        <p:nvPr/>
+      </p:nvGrpSpPr>
+      <p:grpSpPr>
+        <a:xfrm>
+          <a:off x="0" y="0"/>
+          <a:ext cx="0" cy="0"/>
+          <a:chOff x="0" y="0"/>
+          <a:chExt cx="0" cy="0"/>
+        </a:xfrm>
+      </p:grpSpPr>
+      <p:sp>
+        <p:nvSpPr>
+          <p:cNvPr id="2" name="Titre 1">
+            <a:extLst>
+              <a:ext uri="{FF2B5EF4-FFF2-40B4-BE49-F238E27FC236}">
+                <a16:creationId xmlns:a16="http://schemas.microsoft.com/office/drawing/2014/main" id="{311B3403-ED58-E004-1F58-A6A585ECD5E3}"/>
+              </a:ext>
+            </a:extLst>
+          </p:cNvPr>
+          <p:cNvSpPr>
+            <a:spLocks noGrp="1"/>
+          </p:cNvSpPr>
+          <p:nvPr>
+            <p:ph type="title"/>
+          </p:nvPr>
+        </p:nvSpPr>
+        <p:spPr/>
+        <p:txBody>
+          <a:bodyPr/>
+          <a:lstStyle/>
+          <a:p>
+            <a:r>
+              <a:rPr lang="fr-FR" dirty="0" err="1"/>
+              <a:t>Eeprom</a:t>
+            </a:r>
+            <a:endParaRPr lang="fr-FR" dirty="0"/>
+          </a:p>
+        </p:txBody>
+      </p:sp>
+      <p:sp>
+        <p:nvSpPr>
+          <p:cNvPr id="3" name="Espace réservé du contenu 2">
+            <a:extLst>
+              <a:ext uri="{FF2B5EF4-FFF2-40B4-BE49-F238E27FC236}">
+                <a16:creationId xmlns:a16="http://schemas.microsoft.com/office/drawing/2014/main" id="{CAD6D573-B844-652E-1EFC-CE95C1F1F89D}"/>
+              </a:ext>
+            </a:extLst>
+          </p:cNvPr>
+          <p:cNvSpPr>
+            <a:spLocks noGrp="1"/>
+          </p:cNvSpPr>
+          <p:nvPr>
+            <p:ph idx="1"/>
+          </p:nvPr>
+        </p:nvSpPr>
+        <p:spPr/>
+        <p:txBody>
+          <a:bodyPr/>
+          <a:lstStyle/>
+          <a:p>
+            <a:r>
+              <a:rPr lang="fr-FR" dirty="0"/>
+              <a:t>Puce qui stocke du code</a:t>
+            </a:r>
+          </a:p>
+          <a:p>
+            <a:pPr lvl="1"/>
+            <a:r>
+              <a:rPr lang="fr-FR" dirty="0"/>
+              <a:t>Processus de Flashage</a:t>
+            </a:r>
+          </a:p>
+          <a:p>
+            <a:r>
+              <a:rPr lang="fr-FR" dirty="0"/>
+              <a:t>Les </a:t>
+            </a:r>
+            <a:r>
+              <a:rPr lang="fr-FR" dirty="0" err="1"/>
+              <a:t>SoC</a:t>
+            </a:r>
+            <a:r>
+              <a:rPr lang="fr-FR" dirty="0"/>
+              <a:t> se programment par une </a:t>
+            </a:r>
+            <a:r>
+              <a:rPr lang="fr-FR" dirty="0" err="1"/>
+              <a:t>Eeprom</a:t>
+            </a:r>
+            <a:endParaRPr lang="fr-FR" dirty="0"/>
+          </a:p>
+          <a:p>
+            <a:pPr lvl="1"/>
+            <a:r>
+              <a:rPr lang="fr-FR" dirty="0"/>
+              <a:t>Flash par ISP</a:t>
+            </a:r>
+          </a:p>
+          <a:p>
+            <a:pPr lvl="1"/>
+            <a:r>
+              <a:rPr lang="fr-FR" dirty="0"/>
+              <a:t>Protocole de flashage par USB</a:t>
+            </a:r>
+          </a:p>
+          <a:p>
+            <a:r>
+              <a:rPr lang="fr-FR" dirty="0"/>
+              <a:t>C'est le stockage permanent du </a:t>
+            </a:r>
+            <a:r>
+              <a:rPr lang="fr-FR" dirty="0" err="1"/>
+              <a:t>micro-contrôleur</a:t>
+            </a:r>
+            <a:endParaRPr lang="fr-FR" dirty="0"/>
+          </a:p>
+          <a:p>
+            <a:r>
+              <a:rPr lang="fr-FR" dirty="0"/>
+              <a:t>Ce programme en C++</a:t>
+            </a:r>
+          </a:p>
+          <a:p>
+            <a:pPr lvl="1"/>
+            <a:r>
+              <a:rPr lang="fr-FR" dirty="0"/>
+              <a:t>Puis en </a:t>
+            </a:r>
+            <a:r>
+              <a:rPr lang="fr-FR" dirty="0" err="1"/>
+              <a:t>MicroPython</a:t>
+            </a:r>
+            <a:endParaRPr lang="fr-FR" dirty="0"/>
+          </a:p>
+        </p:txBody>
+      </p:sp>
+    </p:spTree>
+    <p:extLst>
+      <p:ext uri="{BB962C8B-B14F-4D97-AF65-F5344CB8AC3E}">
+        <p14:creationId xmlns:p14="http://schemas.microsoft.com/office/powerpoint/2010/main" val="3030730995"/>
+      </p:ext>
+    </p:extLst>
+  </p:cSld>
+  <p:clrMapOvr>
+    <a:masterClrMapping/>
+  </p:clrMapOvr>
+</p:sld>
+</file>
+
+<file path=ppt/slides/slide12.xml><?xml version="1.0" encoding="utf-8"?>
+<p:sld xmlns:a="http://schemas.openxmlformats.org/drawingml/2006/main" xmlns:r="http://schemas.openxmlformats.org/officeDocument/2006/relationships" xmlns:p="http://schemas.openxmlformats.org/presentationml/2006/main">
+  <p:cSld>
+    <p:spTree>
+      <p:nvGrpSpPr>
+        <p:cNvPr id="1" name=""/>
+        <p:cNvGrpSpPr/>
+        <p:nvPr/>
+      </p:nvGrpSpPr>
+      <p:grpSpPr>
+        <a:xfrm>
+          <a:off x="0" y="0"/>
+          <a:ext cx="0" cy="0"/>
+          <a:chOff x="0" y="0"/>
+          <a:chExt cx="0" cy="0"/>
+        </a:xfrm>
+      </p:grpSpPr>
+      <p:sp>
+        <p:nvSpPr>
+          <p:cNvPr id="2" name="Titre 1">
+            <a:extLst>
+              <a:ext uri="{FF2B5EF4-FFF2-40B4-BE49-F238E27FC236}">
                 <a16:creationId xmlns:a16="http://schemas.microsoft.com/office/drawing/2014/main" id="{45204081-0738-FD9A-8BE4-05B5D24AF95C}"/>
               </a:ext>
             </a:extLst>
@@ -3944,7 +4264,7 @@
 </p:sld>
 </file>
 
-<file path=ppt/slides/slide11.xml><?xml version="1.0" encoding="utf-8"?>
+<file path=ppt/slides/slide13.xml><?xml version="1.0" encoding="utf-8"?>
 <p:sld xmlns:a="http://schemas.openxmlformats.org/drawingml/2006/main" xmlns:r="http://schemas.openxmlformats.org/officeDocument/2006/relationships" xmlns:p="http://schemas.openxmlformats.org/presentationml/2006/main">
   <p:cSld>
     <p:spTree>
@@ -4195,7 +4515,7 @@
 </p:sld>
 </file>
 
-<file path=ppt/slides/slide12.xml><?xml version="1.0" encoding="utf-8"?>
+<file path=ppt/slides/slide14.xml><?xml version="1.0" encoding="utf-8"?>
 <p:sld xmlns:a="http://schemas.openxmlformats.org/drawingml/2006/main" xmlns:r="http://schemas.openxmlformats.org/officeDocument/2006/relationships" xmlns:p="http://schemas.openxmlformats.org/presentationml/2006/main">
   <p:cSld>
     <p:spTree>
@@ -4276,10 +4596,6 @@
               <a:rPr lang="fr-FR" dirty="0"/>
               <a:t>Les STM8 et STM32</a:t>
             </a:r>
-            <a:endParaRPr lang="fr-FR" sz="2800" dirty="0"/>
-          </a:p>
-          <a:p>
-            <a:endParaRPr lang="fr-FR" dirty="0"/>
           </a:p>
         </p:txBody>
       </p:sp>
@@ -4326,7 +4642,7 @@
 </p:sld>
 </file>
 
-<file path=ppt/slides/slide13.xml><?xml version="1.0" encoding="utf-8"?>
+<file path=ppt/slides/slide15.xml><?xml version="1.0" encoding="utf-8"?>
 <p:sld xmlns:a="http://schemas.openxmlformats.org/drawingml/2006/main" xmlns:r="http://schemas.openxmlformats.org/officeDocument/2006/relationships" xmlns:p="http://schemas.openxmlformats.org/presentationml/2006/main">
   <p:cSld>
     <p:spTree>
@@ -4396,6 +4712,12 @@
               <a:t>Microelectronics</a:t>
             </a:r>
             <a:endParaRPr lang="fr-FR" dirty="0"/>
+          </a:p>
+          <a:p>
+            <a:r>
+              <a:rPr lang="fr-FR" dirty="0"/>
+              <a:t>2007</a:t>
+            </a:r>
           </a:p>
           <a:p>
             <a:r>
@@ -4476,7 +4798,7 @@
 </p:sld>
 </file>
 
-<file path=ppt/slides/slide14.xml><?xml version="1.0" encoding="utf-8"?>
+<file path=ppt/slides/slide16.xml><?xml version="1.0" encoding="utf-8"?>
 <p:sld xmlns:a="http://schemas.openxmlformats.org/drawingml/2006/main" xmlns:r="http://schemas.openxmlformats.org/officeDocument/2006/relationships" xmlns:p="http://schemas.openxmlformats.org/presentationml/2006/main">
   <p:cSld>
     <p:spTree>
@@ -4617,7 +4939,7 @@
 </p:sld>
 </file>
 
-<file path=ppt/slides/slide15.xml><?xml version="1.0" encoding="utf-8"?>
+<file path=ppt/slides/slide17.xml><?xml version="1.0" encoding="utf-8"?>
 <p:sld xmlns:a="http://schemas.openxmlformats.org/drawingml/2006/main" xmlns:r="http://schemas.openxmlformats.org/officeDocument/2006/relationships" xmlns:p="http://schemas.openxmlformats.org/presentationml/2006/main">
   <p:cSld>
     <p:spTree>
@@ -4696,7 +5018,7 @@
             </a:r>
             <a:r>
               <a:rPr lang="fr-FR" dirty="0" err="1"/>
-              <a:t>MicoPython</a:t>
+              <a:t>MicroPython</a:t>
             </a:r>
             <a:endParaRPr lang="fr-FR" dirty="0"/>
           </a:p>
@@ -4726,10 +5048,10 @@
       </p:sp>
       <p:pic>
         <p:nvPicPr>
-          <p:cNvPr id="5" name="Image 4">
+          <p:cNvPr id="6" name="Image 5">
             <a:extLst>
               <a:ext uri="{FF2B5EF4-FFF2-40B4-BE49-F238E27FC236}">
-                <a16:creationId xmlns:a16="http://schemas.microsoft.com/office/drawing/2014/main" id="{4CAD5E0E-C13E-248B-B9E1-9E9F2E58EF1E}"/>
+                <a16:creationId xmlns:a16="http://schemas.microsoft.com/office/drawing/2014/main" id="{9373C721-8612-22A5-CD13-39AAD047A810}"/>
               </a:ext>
             </a:extLst>
           </p:cNvPr>
@@ -4746,8 +5068,8 @@
         </p:blipFill>
         <p:spPr>
           <a:xfrm>
-            <a:off x="5436096" y="3933056"/>
-            <a:ext cx="1838582" cy="1771897"/>
+            <a:off x="6228184" y="3284984"/>
+            <a:ext cx="2038635" cy="2800741"/>
           </a:xfrm>
           <a:prstGeom prst="rect">
             <a:avLst/>
@@ -4767,7 +5089,7 @@
 </p:sld>
 </file>
 
-<file path=ppt/slides/slide16.xml><?xml version="1.0" encoding="utf-8"?>
+<file path=ppt/slides/slide18.xml><?xml version="1.0" encoding="utf-8"?>
 <p:sld xmlns:a="http://schemas.openxmlformats.org/drawingml/2006/main" xmlns:r="http://schemas.openxmlformats.org/officeDocument/2006/relationships" xmlns:p="http://schemas.openxmlformats.org/presentationml/2006/main">
   <p:cSld>
     <p:spTree>
@@ -4828,7 +5150,12 @@
             <p:ph idx="1"/>
           </p:nvPr>
         </p:nvSpPr>
-        <p:spPr/>
+        <p:spPr>
+          <a:xfrm>
+            <a:off x="179513" y="1412776"/>
+            <a:ext cx="4896544" cy="5040560"/>
+          </a:xfrm>
+        </p:spPr>
         <p:txBody>
           <a:bodyPr/>
           <a:lstStyle/>
@@ -4849,6 +5176,25 @@
               <a:rPr lang="fr-FR" dirty="0"/>
               <a:t>Utilisé par RPI</a:t>
             </a:r>
+          </a:p>
+          <a:p>
+            <a:r>
+              <a:rPr lang="fr-FR" dirty="0"/>
+              <a:t>La fondation Raspberry la seule à savoir faire à la fois un </a:t>
+            </a:r>
+            <a:r>
+              <a:rPr lang="fr-FR" dirty="0" err="1"/>
+              <a:t>SoC</a:t>
+            </a:r>
+            <a:r>
+              <a:rPr lang="fr-FR" dirty="0"/>
+              <a:t> et une </a:t>
+            </a:r>
+            <a:r>
+              <a:rPr lang="fr-FR" dirty="0" err="1"/>
+              <a:t>board</a:t>
+            </a:r>
+            <a:endParaRPr lang="fr-FR" dirty="0"/>
           </a:p>
         </p:txBody>
       </p:sp>
@@ -4881,8 +5227,8 @@
         </p:blipFill>
         <p:spPr bwMode="auto">
           <a:xfrm>
-            <a:off x="5580112" y="1894706"/>
-            <a:ext cx="2381250" cy="2038350"/>
+            <a:off x="4992606" y="2132856"/>
+            <a:ext cx="3869589" cy="3312368"/>
           </a:xfrm>
           <a:prstGeom prst="rect">
             <a:avLst/>
@@ -4912,311 +5258,6 @@
 </p:sld>
 </file>
 
-<file path=ppt/slides/slide17.xml><?xml version="1.0" encoding="utf-8"?>
-<p:sld xmlns:a="http://schemas.openxmlformats.org/drawingml/2006/main" xmlns:r="http://schemas.openxmlformats.org/officeDocument/2006/relationships" xmlns:p="http://schemas.openxmlformats.org/presentationml/2006/main">
-  <p:cSld>
-    <p:spTree>
-      <p:nvGrpSpPr>
-        <p:cNvPr id="1" name=""/>
-        <p:cNvGrpSpPr/>
-        <p:nvPr/>
-      </p:nvGrpSpPr>
-      <p:grpSpPr>
-        <a:xfrm>
-          <a:off x="0" y="0"/>
-          <a:ext cx="0" cy="0"/>
-          <a:chOff x="0" y="0"/>
-          <a:chExt cx="0" cy="0"/>
-        </a:xfrm>
-      </p:grpSpPr>
-      <p:sp>
-        <p:nvSpPr>
-          <p:cNvPr id="2" name="Titre 1"/>
-          <p:cNvSpPr>
-            <a:spLocks noGrp="1"/>
-          </p:cNvSpPr>
-          <p:nvPr>
-            <p:ph type="title"/>
-          </p:nvPr>
-        </p:nvSpPr>
-        <p:spPr/>
-        <p:txBody>
-          <a:bodyPr/>
-          <a:lstStyle/>
-          <a:p>
-            <a:r>
-              <a:rPr lang="fr-FR" dirty="0" err="1"/>
-              <a:t>Arduino</a:t>
-            </a:r>
-            <a:endParaRPr lang="fr-FR" dirty="0"/>
-          </a:p>
-        </p:txBody>
-      </p:sp>
-      <p:sp>
-        <p:nvSpPr>
-          <p:cNvPr id="3" name="Espace réservé du contenu 2"/>
-          <p:cNvSpPr>
-            <a:spLocks noGrp="1"/>
-          </p:cNvSpPr>
-          <p:nvPr>
-            <p:ph idx="1"/>
-          </p:nvPr>
-        </p:nvSpPr>
-        <p:spPr/>
-        <p:txBody>
-          <a:bodyPr/>
-          <a:lstStyle/>
-          <a:p>
-            <a:r>
-              <a:rPr lang="fr-FR" dirty="0" err="1"/>
-              <a:t>Arduino</a:t>
-            </a:r>
-            <a:r>
-              <a:rPr lang="fr-FR" dirty="0"/>
-              <a:t> est un projet libre de </a:t>
-            </a:r>
-            <a:r>
-              <a:rPr lang="fr-FR" dirty="0" err="1"/>
-              <a:t>micro-contrôleur</a:t>
-            </a:r>
-            <a:endParaRPr lang="fr-FR" dirty="0"/>
-          </a:p>
-          <a:p>
-            <a:pPr lvl="1"/>
-            <a:r>
-              <a:rPr lang="fr-FR" dirty="0"/>
-              <a:t>Hardware</a:t>
-            </a:r>
-          </a:p>
-          <a:p>
-            <a:pPr lvl="1"/>
-            <a:r>
-              <a:rPr lang="fr-FR" dirty="0" err="1"/>
-              <a:t>Sofware</a:t>
-            </a:r>
-            <a:endParaRPr lang="fr-FR" dirty="0"/>
-          </a:p>
-          <a:p>
-            <a:pPr lvl="1"/>
-            <a:r>
-              <a:rPr lang="fr-FR" dirty="0"/>
-              <a:t>Pas d'OS</a:t>
-            </a:r>
-          </a:p>
-          <a:p>
-            <a:r>
-              <a:rPr lang="fr-FR" dirty="0"/>
-              <a:t>Arduino.cc</a:t>
-            </a:r>
-          </a:p>
-          <a:p>
-            <a:r>
-              <a:rPr lang="fr-FR" dirty="0"/>
-              <a:t>Basé sur ATM</a:t>
-            </a:r>
-          </a:p>
-        </p:txBody>
-      </p:sp>
-      <p:pic>
-        <p:nvPicPr>
-          <p:cNvPr id="4" name="Image 3"/>
-          <p:cNvPicPr>
-            <a:picLocks noChangeAspect="1"/>
-          </p:cNvPicPr>
-          <p:nvPr/>
-        </p:nvPicPr>
-        <p:blipFill>
-          <a:blip r:embed="rId2"/>
-          <a:stretch>
-            <a:fillRect/>
-          </a:stretch>
-        </p:blipFill>
-        <p:spPr>
-          <a:xfrm>
-            <a:off x="4211960" y="135970"/>
-            <a:ext cx="1728192" cy="1305469"/>
-          </a:xfrm>
-          <a:prstGeom prst="rect">
-            <a:avLst/>
-          </a:prstGeom>
-        </p:spPr>
-      </p:pic>
-    </p:spTree>
-    <p:extLst>
-      <p:ext uri="{BB962C8B-B14F-4D97-AF65-F5344CB8AC3E}">
-        <p14:creationId xmlns:p14="http://schemas.microsoft.com/office/powerpoint/2010/main" val="2397787036"/>
-      </p:ext>
-    </p:extLst>
-  </p:cSld>
-  <p:clrMapOvr>
-    <a:masterClrMapping/>
-  </p:clrMapOvr>
-</p:sld>
-</file>
-
-<file path=ppt/slides/slide18.xml><?xml version="1.0" encoding="utf-8"?>
-<p:sld xmlns:a="http://schemas.openxmlformats.org/drawingml/2006/main" xmlns:r="http://schemas.openxmlformats.org/officeDocument/2006/relationships" xmlns:p="http://schemas.openxmlformats.org/presentationml/2006/main">
-  <p:cSld>
-    <p:spTree>
-      <p:nvGrpSpPr>
-        <p:cNvPr id="1" name=""/>
-        <p:cNvGrpSpPr/>
-        <p:nvPr/>
-      </p:nvGrpSpPr>
-      <p:grpSpPr>
-        <a:xfrm>
-          <a:off x="0" y="0"/>
-          <a:ext cx="0" cy="0"/>
-          <a:chOff x="0" y="0"/>
-          <a:chExt cx="0" cy="0"/>
-        </a:xfrm>
-      </p:grpSpPr>
-      <p:sp>
-        <p:nvSpPr>
-          <p:cNvPr id="2" name="Titre 1"/>
-          <p:cNvSpPr>
-            <a:spLocks noGrp="1"/>
-          </p:cNvSpPr>
-          <p:nvPr>
-            <p:ph type="title"/>
-          </p:nvPr>
-        </p:nvSpPr>
-        <p:spPr/>
-        <p:txBody>
-          <a:bodyPr/>
-          <a:lstStyle/>
-          <a:p>
-            <a:r>
-              <a:rPr lang="fr-FR" dirty="0" err="1"/>
-              <a:t>Arduino</a:t>
-            </a:r>
-            <a:r>
-              <a:rPr lang="fr-FR" dirty="0"/>
-              <a:t> UNO</a:t>
-            </a:r>
-          </a:p>
-        </p:txBody>
-      </p:sp>
-      <p:sp>
-        <p:nvSpPr>
-          <p:cNvPr id="3" name="Espace réservé du contenu 2"/>
-          <p:cNvSpPr>
-            <a:spLocks noGrp="1"/>
-          </p:cNvSpPr>
-          <p:nvPr>
-            <p:ph idx="1"/>
-          </p:nvPr>
-        </p:nvSpPr>
-        <p:spPr/>
-        <p:txBody>
-          <a:bodyPr/>
-          <a:lstStyle/>
-          <a:p>
-            <a:r>
-              <a:rPr lang="fr-FR" dirty="0" err="1"/>
-              <a:t>Arduino</a:t>
-            </a:r>
-            <a:r>
-              <a:rPr lang="fr-FR" dirty="0"/>
-              <a:t> </a:t>
-            </a:r>
-            <a:r>
-              <a:rPr lang="fr-FR" dirty="0" err="1"/>
-              <a:t>Uno</a:t>
-            </a:r>
-            <a:r>
-              <a:rPr lang="fr-FR" dirty="0"/>
-              <a:t> est le produit phare d'</a:t>
-            </a:r>
-            <a:r>
-              <a:rPr lang="fr-FR" dirty="0" err="1"/>
-              <a:t>Arduino</a:t>
-            </a:r>
-            <a:endParaRPr lang="fr-FR" dirty="0"/>
-          </a:p>
-          <a:p>
-            <a:r>
-              <a:rPr lang="fr-FR" dirty="0"/>
-              <a:t>Contrôleur ATmega328P</a:t>
-            </a:r>
-          </a:p>
-          <a:p>
-            <a:r>
-              <a:rPr lang="fr-FR" dirty="0"/>
-              <a:t>Flash : 32Ko</a:t>
-            </a:r>
-          </a:p>
-          <a:p>
-            <a:r>
-              <a:rPr lang="fr-FR" dirty="0"/>
-              <a:t>SRRAM : 2Ko</a:t>
-            </a:r>
-          </a:p>
-          <a:p>
-            <a:r>
-              <a:rPr lang="fr-FR" dirty="0"/>
-              <a:t>20 MHz en 8 bits</a:t>
-            </a:r>
-          </a:p>
-          <a:p>
-            <a:endParaRPr lang="fr-FR" dirty="0"/>
-          </a:p>
-        </p:txBody>
-      </p:sp>
-      <p:pic>
-        <p:nvPicPr>
-          <p:cNvPr id="4" name="Picture 2" descr="Arduino Board"/>
-          <p:cNvPicPr>
-            <a:picLocks noChangeAspect="1" noChangeArrowheads="1"/>
-          </p:cNvPicPr>
-          <p:nvPr/>
-        </p:nvPicPr>
-        <p:blipFill>
-          <a:blip r:embed="rId2">
-            <a:extLst>
-              <a:ext uri="{28A0092B-C50C-407E-A947-70E740481C1C}">
-                <a14:useLocalDpi xmlns:a14="http://schemas.microsoft.com/office/drawing/2010/main" val="0"/>
-              </a:ext>
-            </a:extLst>
-          </a:blip>
-          <a:srcRect/>
-          <a:stretch>
-            <a:fillRect/>
-          </a:stretch>
-        </p:blipFill>
-        <p:spPr bwMode="auto">
-          <a:xfrm>
-            <a:off x="6156176" y="4293096"/>
-            <a:ext cx="2419350" cy="1724025"/>
-          </a:xfrm>
-          <a:prstGeom prst="rect">
-            <a:avLst/>
-          </a:prstGeom>
-          <a:noFill/>
-          <a:extLst>
-            <a:ext uri="{909E8E84-426E-40DD-AFC4-6F175D3DCCD1}">
-              <a14:hiddenFill xmlns:a14="http://schemas.microsoft.com/office/drawing/2010/main">
-                <a:solidFill>
-                  <a:srgbClr val="FFFFFF"/>
-                </a:solidFill>
-              </a14:hiddenFill>
-            </a:ext>
-          </a:extLst>
-        </p:spPr>
-      </p:pic>
-    </p:spTree>
-    <p:extLst>
-      <p:ext uri="{BB962C8B-B14F-4D97-AF65-F5344CB8AC3E}">
-        <p14:creationId xmlns:p14="http://schemas.microsoft.com/office/powerpoint/2010/main" val="406234523"/>
-      </p:ext>
-    </p:extLst>
-  </p:cSld>
-  <p:clrMapOvr>
-    <a:masterClrMapping/>
-  </p:clrMapOvr>
-</p:sld>
-</file>
-
 <file path=ppt/slides/slide19.xml><?xml version="1.0" encoding="utf-8"?>
 <p:sld xmlns:a="http://schemas.openxmlformats.org/drawingml/2006/main" xmlns:r="http://schemas.openxmlformats.org/officeDocument/2006/relationships" xmlns:p="http://schemas.openxmlformats.org/presentationml/2006/main">
   <p:cSld>
@@ -5236,7 +5277,13 @@
       </p:grpSpPr>
       <p:sp>
         <p:nvSpPr>
-          <p:cNvPr id="2" name="Titre 1"/>
+          <p:cNvPr id="2" name="Titre 1">
+            <a:extLst>
+              <a:ext uri="{FF2B5EF4-FFF2-40B4-BE49-F238E27FC236}">
+                <a16:creationId xmlns:a16="http://schemas.microsoft.com/office/drawing/2014/main" id="{36F0B829-5CAE-FD92-2D3F-9705953C873B}"/>
+              </a:ext>
+            </a:extLst>
+          </p:cNvPr>
           <p:cNvSpPr>
             <a:spLocks noGrp="1"/>
           </p:cNvSpPr>
@@ -5251,11 +5298,11 @@
           <a:p>
             <a:r>
               <a:rPr lang="fr-FR" dirty="0"/>
-              <a:t>STM32 </a:t>
+              <a:t>Les </a:t>
             </a:r>
             <a:r>
               <a:rPr lang="fr-FR" dirty="0" err="1"/>
-              <a:t>Nucleo</a:t>
+              <a:t>Boards</a:t>
             </a:r>
             <a:endParaRPr lang="fr-FR" dirty="0"/>
           </a:p>
@@ -5263,7 +5310,13 @@
       </p:sp>
       <p:sp>
         <p:nvSpPr>
-          <p:cNvPr id="3" name="Espace réservé du contenu 2"/>
+          <p:cNvPr id="3" name="Espace réservé du contenu 2">
+            <a:extLst>
+              <a:ext uri="{FF2B5EF4-FFF2-40B4-BE49-F238E27FC236}">
+                <a16:creationId xmlns:a16="http://schemas.microsoft.com/office/drawing/2014/main" id="{14B732A9-7476-A1B4-FAD8-8BF42DFE4691}"/>
+              </a:ext>
+            </a:extLst>
+          </p:cNvPr>
           <p:cNvSpPr>
             <a:spLocks noGrp="1"/>
           </p:cNvSpPr>
@@ -5278,48 +5331,52 @@
           <a:p>
             <a:r>
               <a:rPr lang="fr-FR" dirty="0"/>
-              <a:t>Contrôleur STM32</a:t>
-            </a:r>
-          </a:p>
-          <a:p>
-            <a:r>
-              <a:rPr lang="fr-FR" dirty="0"/>
-              <a:t>72MHz en 32 bits</a:t>
-            </a:r>
-          </a:p>
-          <a:p>
+              <a:t>Afin d'utiliser un </a:t>
+            </a:r>
+            <a:r>
+              <a:rPr lang="fr-FR" dirty="0" err="1"/>
+              <a:t>SoC</a:t>
+            </a:r>
+            <a:r>
+              <a:rPr lang="fr-FR" dirty="0"/>
+              <a:t> il faut une carte mère (PCB) appelée </a:t>
+            </a:r>
+            <a:r>
+              <a:rPr lang="fr-FR" dirty="0" err="1"/>
+              <a:t>Board</a:t>
+            </a:r>
             <a:endParaRPr lang="fr-FR" dirty="0"/>
           </a:p>
-        </p:txBody>
-      </p:sp>
-      <p:pic>
-        <p:nvPicPr>
-          <p:cNvPr id="5" name="Image 4"/>
-          <p:cNvPicPr>
-            <a:picLocks noChangeAspect="1"/>
-          </p:cNvPicPr>
-          <p:nvPr/>
-        </p:nvPicPr>
-        <p:blipFill>
-          <a:blip r:embed="rId2"/>
-          <a:stretch>
-            <a:fillRect/>
-          </a:stretch>
-        </p:blipFill>
-        <p:spPr>
-          <a:xfrm>
-            <a:off x="4716016" y="2348880"/>
-            <a:ext cx="3933825" cy="2952750"/>
-          </a:xfrm>
-          <a:prstGeom prst="rect">
-            <a:avLst/>
-          </a:prstGeom>
-        </p:spPr>
-      </p:pic>
+          <a:p>
+            <a:r>
+              <a:rPr lang="fr-FR" dirty="0"/>
+              <a:t>STM à été l'inventeur du principe avec la </a:t>
+            </a:r>
+            <a:r>
+              <a:rPr lang="fr-FR" dirty="0" err="1"/>
+              <a:t>Nucleo</a:t>
+            </a:r>
+            <a:endParaRPr lang="fr-FR" dirty="0"/>
+          </a:p>
+          <a:p>
+            <a:pPr lvl="1"/>
+            <a:r>
+              <a:rPr lang="fr-FR" dirty="0"/>
+              <a:t>Propriétaire</a:t>
+            </a:r>
+          </a:p>
+          <a:p>
+            <a:r>
+              <a:rPr lang="fr-FR" dirty="0"/>
+              <a:t>Arduino a été le premier à le faire en libre</a:t>
+            </a:r>
+          </a:p>
+        </p:txBody>
+      </p:sp>
     </p:spTree>
     <p:extLst>
       <p:ext uri="{BB962C8B-B14F-4D97-AF65-F5344CB8AC3E}">
-        <p14:creationId xmlns:p14="http://schemas.microsoft.com/office/powerpoint/2010/main" val="1720782145"/>
+        <p14:creationId xmlns:p14="http://schemas.microsoft.com/office/powerpoint/2010/main" val="401689254"/>
       </p:ext>
     </p:extLst>
   </p:cSld>
@@ -5484,6 +5541,427 @@
       </p:grpSpPr>
       <p:sp>
         <p:nvSpPr>
+          <p:cNvPr id="2" name="Titre 1"/>
+          <p:cNvSpPr>
+            <a:spLocks noGrp="1"/>
+          </p:cNvSpPr>
+          <p:nvPr>
+            <p:ph type="title"/>
+          </p:nvPr>
+        </p:nvSpPr>
+        <p:spPr/>
+        <p:txBody>
+          <a:bodyPr/>
+          <a:lstStyle/>
+          <a:p>
+            <a:r>
+              <a:rPr lang="fr-FR" dirty="0" err="1"/>
+              <a:t>Arduino</a:t>
+            </a:r>
+            <a:endParaRPr lang="fr-FR" dirty="0"/>
+          </a:p>
+        </p:txBody>
+      </p:sp>
+      <p:sp>
+        <p:nvSpPr>
+          <p:cNvPr id="3" name="Espace réservé du contenu 2"/>
+          <p:cNvSpPr>
+            <a:spLocks noGrp="1"/>
+          </p:cNvSpPr>
+          <p:nvPr>
+            <p:ph idx="1"/>
+          </p:nvPr>
+        </p:nvSpPr>
+        <p:spPr/>
+        <p:txBody>
+          <a:bodyPr/>
+          <a:lstStyle/>
+          <a:p>
+            <a:r>
+              <a:rPr lang="fr-FR" dirty="0"/>
+              <a:t>Arduino est un projet libre de </a:t>
+            </a:r>
+            <a:r>
+              <a:rPr lang="fr-FR" dirty="0" err="1"/>
+              <a:t>micro-contrôleur</a:t>
+            </a:r>
+            <a:r>
+              <a:rPr lang="fr-FR" dirty="0"/>
+              <a:t> avec </a:t>
+            </a:r>
+            <a:r>
+              <a:rPr lang="fr-FR" dirty="0" err="1"/>
+              <a:t>board</a:t>
+            </a:r>
+            <a:endParaRPr lang="fr-FR" dirty="0"/>
+          </a:p>
+          <a:p>
+            <a:pPr lvl="1"/>
+            <a:r>
+              <a:rPr lang="fr-FR" dirty="0"/>
+              <a:t>Hardware</a:t>
+            </a:r>
+          </a:p>
+          <a:p>
+            <a:pPr lvl="1"/>
+            <a:r>
+              <a:rPr lang="fr-FR" dirty="0" err="1"/>
+              <a:t>Sofware</a:t>
+            </a:r>
+            <a:endParaRPr lang="fr-FR" dirty="0"/>
+          </a:p>
+          <a:p>
+            <a:pPr lvl="1"/>
+            <a:r>
+              <a:rPr lang="fr-FR" dirty="0"/>
+              <a:t>Pas d'OS</a:t>
+            </a:r>
+          </a:p>
+          <a:p>
+            <a:r>
+              <a:rPr lang="fr-FR" dirty="0"/>
+              <a:t>Arduino.cc</a:t>
+            </a:r>
+          </a:p>
+          <a:p>
+            <a:r>
+              <a:rPr lang="fr-FR" dirty="0"/>
+              <a:t>Basé sur ATM</a:t>
+            </a:r>
+          </a:p>
+        </p:txBody>
+      </p:sp>
+      <p:pic>
+        <p:nvPicPr>
+          <p:cNvPr id="4" name="Image 3"/>
+          <p:cNvPicPr>
+            <a:picLocks noChangeAspect="1"/>
+          </p:cNvPicPr>
+          <p:nvPr/>
+        </p:nvPicPr>
+        <p:blipFill>
+          <a:blip r:embed="rId2"/>
+          <a:stretch>
+            <a:fillRect/>
+          </a:stretch>
+        </p:blipFill>
+        <p:spPr>
+          <a:xfrm>
+            <a:off x="4211960" y="135970"/>
+            <a:ext cx="1728192" cy="1305469"/>
+          </a:xfrm>
+          <a:prstGeom prst="rect">
+            <a:avLst/>
+          </a:prstGeom>
+        </p:spPr>
+      </p:pic>
+    </p:spTree>
+    <p:extLst>
+      <p:ext uri="{BB962C8B-B14F-4D97-AF65-F5344CB8AC3E}">
+        <p14:creationId xmlns:p14="http://schemas.microsoft.com/office/powerpoint/2010/main" val="2397787036"/>
+      </p:ext>
+    </p:extLst>
+  </p:cSld>
+  <p:clrMapOvr>
+    <a:masterClrMapping/>
+  </p:clrMapOvr>
+</p:sld>
+</file>
+
+<file path=ppt/slides/slide21.xml><?xml version="1.0" encoding="utf-8"?>
+<p:sld xmlns:a="http://schemas.openxmlformats.org/drawingml/2006/main" xmlns:r="http://schemas.openxmlformats.org/officeDocument/2006/relationships" xmlns:p="http://schemas.openxmlformats.org/presentationml/2006/main">
+  <p:cSld>
+    <p:spTree>
+      <p:nvGrpSpPr>
+        <p:cNvPr id="1" name=""/>
+        <p:cNvGrpSpPr/>
+        <p:nvPr/>
+      </p:nvGrpSpPr>
+      <p:grpSpPr>
+        <a:xfrm>
+          <a:off x="0" y="0"/>
+          <a:ext cx="0" cy="0"/>
+          <a:chOff x="0" y="0"/>
+          <a:chExt cx="0" cy="0"/>
+        </a:xfrm>
+      </p:grpSpPr>
+      <p:sp>
+        <p:nvSpPr>
+          <p:cNvPr id="2" name="Titre 1"/>
+          <p:cNvSpPr>
+            <a:spLocks noGrp="1"/>
+          </p:cNvSpPr>
+          <p:nvPr>
+            <p:ph type="title"/>
+          </p:nvPr>
+        </p:nvSpPr>
+        <p:spPr/>
+        <p:txBody>
+          <a:bodyPr/>
+          <a:lstStyle/>
+          <a:p>
+            <a:r>
+              <a:rPr lang="fr-FR" dirty="0" err="1"/>
+              <a:t>Arduino</a:t>
+            </a:r>
+            <a:r>
+              <a:rPr lang="fr-FR" dirty="0"/>
+              <a:t> UNO</a:t>
+            </a:r>
+          </a:p>
+        </p:txBody>
+      </p:sp>
+      <p:sp>
+        <p:nvSpPr>
+          <p:cNvPr id="3" name="Espace réservé du contenu 2"/>
+          <p:cNvSpPr>
+            <a:spLocks noGrp="1"/>
+          </p:cNvSpPr>
+          <p:nvPr>
+            <p:ph idx="1"/>
+          </p:nvPr>
+        </p:nvSpPr>
+        <p:spPr/>
+        <p:txBody>
+          <a:bodyPr/>
+          <a:lstStyle/>
+          <a:p>
+            <a:r>
+              <a:rPr lang="fr-FR" dirty="0" err="1"/>
+              <a:t>Arduino</a:t>
+            </a:r>
+            <a:r>
+              <a:rPr lang="fr-FR" dirty="0"/>
+              <a:t> </a:t>
+            </a:r>
+            <a:r>
+              <a:rPr lang="fr-FR" dirty="0" err="1"/>
+              <a:t>Uno</a:t>
+            </a:r>
+            <a:r>
+              <a:rPr lang="fr-FR" dirty="0"/>
+              <a:t> est le produit phare d'</a:t>
+            </a:r>
+            <a:r>
+              <a:rPr lang="fr-FR" dirty="0" err="1"/>
+              <a:t>Arduino</a:t>
+            </a:r>
+            <a:endParaRPr lang="fr-FR" dirty="0"/>
+          </a:p>
+          <a:p>
+            <a:r>
+              <a:rPr lang="fr-FR" dirty="0"/>
+              <a:t>Contrôleur ATmega328P</a:t>
+            </a:r>
+          </a:p>
+          <a:p>
+            <a:r>
+              <a:rPr lang="fr-FR" dirty="0"/>
+              <a:t>Flash : 32Ko</a:t>
+            </a:r>
+          </a:p>
+          <a:p>
+            <a:r>
+              <a:rPr lang="fr-FR" dirty="0"/>
+              <a:t>SRRAM : 2Ko</a:t>
+            </a:r>
+          </a:p>
+          <a:p>
+            <a:r>
+              <a:rPr lang="fr-FR" dirty="0"/>
+              <a:t>20 MHz en 8 bits</a:t>
+            </a:r>
+          </a:p>
+          <a:p>
+            <a:endParaRPr lang="fr-FR" dirty="0"/>
+          </a:p>
+        </p:txBody>
+      </p:sp>
+      <p:pic>
+        <p:nvPicPr>
+          <p:cNvPr id="4" name="Picture 2" descr="Arduino Board"/>
+          <p:cNvPicPr>
+            <a:picLocks noChangeAspect="1" noChangeArrowheads="1"/>
+          </p:cNvPicPr>
+          <p:nvPr/>
+        </p:nvPicPr>
+        <p:blipFill>
+          <a:blip r:embed="rId2">
+            <a:extLst>
+              <a:ext uri="{28A0092B-C50C-407E-A947-70E740481C1C}">
+                <a14:useLocalDpi xmlns:a14="http://schemas.microsoft.com/office/drawing/2010/main" val="0"/>
+              </a:ext>
+            </a:extLst>
+          </a:blip>
+          <a:srcRect/>
+          <a:stretch>
+            <a:fillRect/>
+          </a:stretch>
+        </p:blipFill>
+        <p:spPr bwMode="auto">
+          <a:xfrm>
+            <a:off x="6156176" y="4293096"/>
+            <a:ext cx="2419350" cy="1724025"/>
+          </a:xfrm>
+          <a:prstGeom prst="rect">
+            <a:avLst/>
+          </a:prstGeom>
+          <a:noFill/>
+          <a:extLst>
+            <a:ext uri="{909E8E84-426E-40DD-AFC4-6F175D3DCCD1}">
+              <a14:hiddenFill xmlns:a14="http://schemas.microsoft.com/office/drawing/2010/main">
+                <a:solidFill>
+                  <a:srgbClr val="FFFFFF"/>
+                </a:solidFill>
+              </a14:hiddenFill>
+            </a:ext>
+          </a:extLst>
+        </p:spPr>
+      </p:pic>
+    </p:spTree>
+    <p:extLst>
+      <p:ext uri="{BB962C8B-B14F-4D97-AF65-F5344CB8AC3E}">
+        <p14:creationId xmlns:p14="http://schemas.microsoft.com/office/powerpoint/2010/main" val="406234523"/>
+      </p:ext>
+    </p:extLst>
+  </p:cSld>
+  <p:clrMapOvr>
+    <a:masterClrMapping/>
+  </p:clrMapOvr>
+</p:sld>
+</file>
+
+<file path=ppt/slides/slide22.xml><?xml version="1.0" encoding="utf-8"?>
+<p:sld xmlns:a="http://schemas.openxmlformats.org/drawingml/2006/main" xmlns:r="http://schemas.openxmlformats.org/officeDocument/2006/relationships" xmlns:p="http://schemas.openxmlformats.org/presentationml/2006/main">
+  <p:cSld>
+    <p:spTree>
+      <p:nvGrpSpPr>
+        <p:cNvPr id="1" name=""/>
+        <p:cNvGrpSpPr/>
+        <p:nvPr/>
+      </p:nvGrpSpPr>
+      <p:grpSpPr>
+        <a:xfrm>
+          <a:off x="0" y="0"/>
+          <a:ext cx="0" cy="0"/>
+          <a:chOff x="0" y="0"/>
+          <a:chExt cx="0" cy="0"/>
+        </a:xfrm>
+      </p:grpSpPr>
+      <p:sp>
+        <p:nvSpPr>
+          <p:cNvPr id="2" name="Titre 1"/>
+          <p:cNvSpPr>
+            <a:spLocks noGrp="1"/>
+          </p:cNvSpPr>
+          <p:nvPr>
+            <p:ph type="title"/>
+          </p:nvPr>
+        </p:nvSpPr>
+        <p:spPr/>
+        <p:txBody>
+          <a:bodyPr/>
+          <a:lstStyle/>
+          <a:p>
+            <a:r>
+              <a:rPr lang="fr-FR" dirty="0"/>
+              <a:t>STM32 </a:t>
+            </a:r>
+            <a:r>
+              <a:rPr lang="fr-FR" dirty="0" err="1"/>
+              <a:t>Nucleo</a:t>
+            </a:r>
+            <a:endParaRPr lang="fr-FR" dirty="0"/>
+          </a:p>
+        </p:txBody>
+      </p:sp>
+      <p:sp>
+        <p:nvSpPr>
+          <p:cNvPr id="3" name="Espace réservé du contenu 2"/>
+          <p:cNvSpPr>
+            <a:spLocks noGrp="1"/>
+          </p:cNvSpPr>
+          <p:nvPr>
+            <p:ph idx="1"/>
+          </p:nvPr>
+        </p:nvSpPr>
+        <p:spPr/>
+        <p:txBody>
+          <a:bodyPr/>
+          <a:lstStyle/>
+          <a:p>
+            <a:r>
+              <a:rPr lang="fr-FR" dirty="0"/>
+              <a:t>Contrôleur STM32</a:t>
+            </a:r>
+          </a:p>
+          <a:p>
+            <a:r>
+              <a:rPr lang="fr-FR" dirty="0"/>
+              <a:t>72MHz en 32 bits</a:t>
+            </a:r>
+          </a:p>
+          <a:p>
+            <a:endParaRPr lang="fr-FR" dirty="0"/>
+          </a:p>
+        </p:txBody>
+      </p:sp>
+      <p:pic>
+        <p:nvPicPr>
+          <p:cNvPr id="5" name="Image 4"/>
+          <p:cNvPicPr>
+            <a:picLocks noChangeAspect="1"/>
+          </p:cNvPicPr>
+          <p:nvPr/>
+        </p:nvPicPr>
+        <p:blipFill>
+          <a:blip r:embed="rId2"/>
+          <a:stretch>
+            <a:fillRect/>
+          </a:stretch>
+        </p:blipFill>
+        <p:spPr>
+          <a:xfrm>
+            <a:off x="4716016" y="2348880"/>
+            <a:ext cx="3933825" cy="2952750"/>
+          </a:xfrm>
+          <a:prstGeom prst="rect">
+            <a:avLst/>
+          </a:prstGeom>
+        </p:spPr>
+      </p:pic>
+    </p:spTree>
+    <p:extLst>
+      <p:ext uri="{BB962C8B-B14F-4D97-AF65-F5344CB8AC3E}">
+        <p14:creationId xmlns:p14="http://schemas.microsoft.com/office/powerpoint/2010/main" val="1720782145"/>
+      </p:ext>
+    </p:extLst>
+  </p:cSld>
+  <p:clrMapOvr>
+    <a:masterClrMapping/>
+  </p:clrMapOvr>
+</p:sld>
+</file>
+
+<file path=ppt/slides/slide23.xml><?xml version="1.0" encoding="utf-8"?>
+<p:sld xmlns:a="http://schemas.openxmlformats.org/drawingml/2006/main" xmlns:r="http://schemas.openxmlformats.org/officeDocument/2006/relationships" xmlns:p="http://schemas.openxmlformats.org/presentationml/2006/main">
+  <p:cSld>
+    <p:spTree>
+      <p:nvGrpSpPr>
+        <p:cNvPr id="1" name=""/>
+        <p:cNvGrpSpPr/>
+        <p:nvPr/>
+      </p:nvGrpSpPr>
+      <p:grpSpPr>
+        <a:xfrm>
+          <a:off x="0" y="0"/>
+          <a:ext cx="0" cy="0"/>
+          <a:chOff x="0" y="0"/>
+          <a:chExt cx="0" cy="0"/>
+        </a:xfrm>
+      </p:grpSpPr>
+      <p:sp>
+        <p:nvSpPr>
           <p:cNvPr id="2" name="Titre 1">
             <a:extLst>
               <a:ext uri="{FF2B5EF4-FFF2-40B4-BE49-F238E27FC236}">
@@ -5597,126 +6075,7 @@
 </p:sld>
 </file>
 
-<file path=ppt/slides/slide21.xml><?xml version="1.0" encoding="utf-8"?>
-<p:sld xmlns:a="http://schemas.openxmlformats.org/drawingml/2006/main" xmlns:r="http://schemas.openxmlformats.org/officeDocument/2006/relationships" xmlns:p="http://schemas.openxmlformats.org/presentationml/2006/main">
-  <p:cSld>
-    <p:spTree>
-      <p:nvGrpSpPr>
-        <p:cNvPr id="1" name=""/>
-        <p:cNvGrpSpPr/>
-        <p:nvPr/>
-      </p:nvGrpSpPr>
-      <p:grpSpPr>
-        <a:xfrm>
-          <a:off x="0" y="0"/>
-          <a:ext cx="0" cy="0"/>
-          <a:chOff x="0" y="0"/>
-          <a:chExt cx="0" cy="0"/>
-        </a:xfrm>
-      </p:grpSpPr>
-      <p:sp>
-        <p:nvSpPr>
-          <p:cNvPr id="2" name="Titre 1">
-            <a:extLst>
-              <a:ext uri="{FF2B5EF4-FFF2-40B4-BE49-F238E27FC236}">
-                <a16:creationId xmlns:a16="http://schemas.microsoft.com/office/drawing/2014/main" id="{8E45E192-1C03-3085-0D04-90F7B6E2BCE0}"/>
-              </a:ext>
-            </a:extLst>
-          </p:cNvPr>
-          <p:cNvSpPr>
-            <a:spLocks noGrp="1"/>
-          </p:cNvSpPr>
-          <p:nvPr>
-            <p:ph type="title"/>
-          </p:nvPr>
-        </p:nvSpPr>
-        <p:spPr/>
-        <p:txBody>
-          <a:bodyPr/>
-          <a:lstStyle/>
-          <a:p>
-            <a:r>
-              <a:rPr lang="fr-FR" dirty="0"/>
-              <a:t>Arduino Giga</a:t>
-            </a:r>
-          </a:p>
-        </p:txBody>
-      </p:sp>
-      <p:sp>
-        <p:nvSpPr>
-          <p:cNvPr id="3" name="Espace réservé du contenu 2">
-            <a:extLst>
-              <a:ext uri="{FF2B5EF4-FFF2-40B4-BE49-F238E27FC236}">
-                <a16:creationId xmlns:a16="http://schemas.microsoft.com/office/drawing/2014/main" id="{CB8FC86B-D19C-1C35-2325-96A0FD5FA074}"/>
-              </a:ext>
-            </a:extLst>
-          </p:cNvPr>
-          <p:cNvSpPr>
-            <a:spLocks noGrp="1"/>
-          </p:cNvSpPr>
-          <p:nvPr>
-            <p:ph idx="1"/>
-          </p:nvPr>
-        </p:nvSpPr>
-        <p:spPr/>
-        <p:txBody>
-          <a:bodyPr/>
-          <a:lstStyle/>
-          <a:p>
-            <a:r>
-              <a:rPr lang="fr-FR" dirty="0"/>
-              <a:t>STM32</a:t>
-            </a:r>
-          </a:p>
-          <a:p>
-            <a:endParaRPr lang="fr-FR" dirty="0"/>
-          </a:p>
-        </p:txBody>
-      </p:sp>
-      <p:pic>
-        <p:nvPicPr>
-          <p:cNvPr id="5" name="Image 4">
-            <a:extLst>
-              <a:ext uri="{FF2B5EF4-FFF2-40B4-BE49-F238E27FC236}">
-                <a16:creationId xmlns:a16="http://schemas.microsoft.com/office/drawing/2014/main" id="{5A7C7A6B-45F6-3F34-C7BD-D297A371D681}"/>
-              </a:ext>
-            </a:extLst>
-          </p:cNvPr>
-          <p:cNvPicPr>
-            <a:picLocks noChangeAspect="1"/>
-          </p:cNvPicPr>
-          <p:nvPr/>
-        </p:nvPicPr>
-        <p:blipFill>
-          <a:blip r:embed="rId2"/>
-          <a:stretch>
-            <a:fillRect/>
-          </a:stretch>
-        </p:blipFill>
-        <p:spPr>
-          <a:xfrm>
-            <a:off x="5868144" y="2708920"/>
-            <a:ext cx="2915057" cy="1657581"/>
-          </a:xfrm>
-          <a:prstGeom prst="rect">
-            <a:avLst/>
-          </a:prstGeom>
-        </p:spPr>
-      </p:pic>
-    </p:spTree>
-    <p:extLst>
-      <p:ext uri="{BB962C8B-B14F-4D97-AF65-F5344CB8AC3E}">
-        <p14:creationId xmlns:p14="http://schemas.microsoft.com/office/powerpoint/2010/main" val="422509885"/>
-      </p:ext>
-    </p:extLst>
-  </p:cSld>
-  <p:clrMapOvr>
-    <a:masterClrMapping/>
-  </p:clrMapOvr>
-</p:sld>
-</file>
-
-<file path=ppt/slides/slide22.xml><?xml version="1.0" encoding="utf-8"?>
+<file path=ppt/slides/slide24.xml><?xml version="1.0" encoding="utf-8"?>
 <p:sld xmlns:a="http://schemas.openxmlformats.org/drawingml/2006/main" xmlns:r="http://schemas.openxmlformats.org/officeDocument/2006/relationships" xmlns:p="http://schemas.openxmlformats.org/presentationml/2006/main">
   <p:cSld>
     <p:spTree>
@@ -5877,7 +6236,7 @@
 </p:sld>
 </file>
 
-<file path=ppt/slides/slide23.xml><?xml version="1.0" encoding="utf-8"?>
+<file path=ppt/slides/slide25.xml><?xml version="1.0" encoding="utf-8"?>
 <p:sld xmlns:a="http://schemas.openxmlformats.org/drawingml/2006/main" xmlns:r="http://schemas.openxmlformats.org/officeDocument/2006/relationships" xmlns:p="http://schemas.openxmlformats.org/presentationml/2006/main">
   <p:cSld>
     <p:spTree>
@@ -6024,7 +6383,7 @@
 </p:sld>
 </file>
 
-<file path=ppt/slides/slide24.xml><?xml version="1.0" encoding="utf-8"?>
+<file path=ppt/slides/slide26.xml><?xml version="1.0" encoding="utf-8"?>
 <p:sld xmlns:a="http://schemas.openxmlformats.org/drawingml/2006/main" xmlns:r="http://schemas.openxmlformats.org/officeDocument/2006/relationships" xmlns:p="http://schemas.openxmlformats.org/presentationml/2006/main">
   <p:cSld>
     <p:spTree>
@@ -6140,221 +6499,6 @@
 </p:sld>
 </file>
 
-<file path=ppt/slides/slide25.xml><?xml version="1.0" encoding="utf-8"?>
-<p:sld xmlns:a="http://schemas.openxmlformats.org/drawingml/2006/main" xmlns:r="http://schemas.openxmlformats.org/officeDocument/2006/relationships" xmlns:p="http://schemas.openxmlformats.org/presentationml/2006/main">
-  <p:cSld>
-    <p:spTree>
-      <p:nvGrpSpPr>
-        <p:cNvPr id="1" name=""/>
-        <p:cNvGrpSpPr/>
-        <p:nvPr/>
-      </p:nvGrpSpPr>
-      <p:grpSpPr>
-        <a:xfrm>
-          <a:off x="0" y="0"/>
-          <a:ext cx="0" cy="0"/>
-          <a:chOff x="0" y="0"/>
-          <a:chExt cx="0" cy="0"/>
-        </a:xfrm>
-      </p:grpSpPr>
-      <p:sp>
-        <p:nvSpPr>
-          <p:cNvPr id="2" name="Titre 1"/>
-          <p:cNvSpPr>
-            <a:spLocks noGrp="1"/>
-          </p:cNvSpPr>
-          <p:nvPr>
-            <p:ph type="title"/>
-          </p:nvPr>
-        </p:nvSpPr>
-        <p:spPr/>
-        <p:txBody>
-          <a:bodyPr/>
-          <a:lstStyle/>
-          <a:p>
-            <a:r>
-              <a:rPr lang="fr-FR" dirty="0"/>
-              <a:t>Communications</a:t>
-            </a:r>
-          </a:p>
-        </p:txBody>
-      </p:sp>
-      <p:sp>
-        <p:nvSpPr>
-          <p:cNvPr id="3" name="Espace réservé du contenu 2"/>
-          <p:cNvSpPr>
-            <a:spLocks noGrp="1"/>
-          </p:cNvSpPr>
-          <p:nvPr>
-            <p:ph idx="1"/>
-          </p:nvPr>
-        </p:nvSpPr>
-        <p:spPr/>
-        <p:txBody>
-          <a:bodyPr/>
-          <a:lstStyle/>
-          <a:p>
-            <a:r>
-              <a:rPr lang="fr-FR" dirty="0"/>
-              <a:t>Filaires</a:t>
-            </a:r>
-          </a:p>
-          <a:p>
-            <a:pPr lvl="1"/>
-            <a:r>
-              <a:rPr lang="fr-FR" dirty="0"/>
-              <a:t>USB, Série, RS232, Ethernet …</a:t>
-            </a:r>
-          </a:p>
-          <a:p>
-            <a:r>
-              <a:rPr lang="fr-FR" dirty="0"/>
-              <a:t>Sans fils</a:t>
-            </a:r>
-          </a:p>
-          <a:p>
-            <a:pPr lvl="1"/>
-            <a:r>
-              <a:rPr lang="fr-FR" dirty="0"/>
-              <a:t>Wifi, Bluetooth, Infrarouge, 433MHz</a:t>
-            </a:r>
-          </a:p>
-          <a:p>
-            <a:r>
-              <a:rPr lang="fr-FR" dirty="0"/>
-              <a:t>Energie faible</a:t>
-            </a:r>
-          </a:p>
-          <a:p>
-            <a:pPr lvl="1"/>
-            <a:r>
-              <a:rPr lang="fr-FR" dirty="0"/>
-              <a:t>Bluetooth LE, Lora, …</a:t>
-            </a:r>
-          </a:p>
-          <a:p>
-            <a:r>
-              <a:rPr lang="fr-FR" dirty="0"/>
-              <a:t>WAN, LAN, PAN, HAN</a:t>
-            </a:r>
-          </a:p>
-          <a:p>
-            <a:pPr lvl="1"/>
-            <a:r>
-              <a:rPr lang="fr-FR" dirty="0"/>
-              <a:t>HAN : </a:t>
-            </a:r>
-            <a:r>
-              <a:rPr lang="fr-FR" dirty="0" err="1"/>
-              <a:t>Zigbee</a:t>
-            </a:r>
-            <a:r>
-              <a:rPr lang="fr-FR" dirty="0"/>
-              <a:t>, …</a:t>
-            </a:r>
-          </a:p>
-          <a:p>
-            <a:r>
-              <a:rPr lang="fr-FR" dirty="0"/>
-              <a:t>Web</a:t>
-            </a:r>
-          </a:p>
-          <a:p>
-            <a:pPr lvl="1"/>
-            <a:r>
-              <a:rPr lang="fr-FR" dirty="0"/>
-              <a:t>HTTP, REST, JSON, …</a:t>
-            </a:r>
-          </a:p>
-        </p:txBody>
-      </p:sp>
-    </p:spTree>
-    <p:extLst>
-      <p:ext uri="{BB962C8B-B14F-4D97-AF65-F5344CB8AC3E}">
-        <p14:creationId xmlns:p14="http://schemas.microsoft.com/office/powerpoint/2010/main" val="3746456513"/>
-      </p:ext>
-    </p:extLst>
-  </p:cSld>
-  <p:clrMapOvr>
-    <a:masterClrMapping/>
-  </p:clrMapOvr>
-</p:sld>
-</file>
-
-<file path=ppt/slides/slide26.xml><?xml version="1.0" encoding="utf-8"?>
-<p:sld xmlns:a="http://schemas.openxmlformats.org/drawingml/2006/main" xmlns:r="http://schemas.openxmlformats.org/officeDocument/2006/relationships" xmlns:p="http://schemas.openxmlformats.org/presentationml/2006/main">
-  <p:cSld>
-    <p:spTree>
-      <p:nvGrpSpPr>
-        <p:cNvPr id="1" name=""/>
-        <p:cNvGrpSpPr/>
-        <p:nvPr/>
-      </p:nvGrpSpPr>
-      <p:grpSpPr>
-        <a:xfrm>
-          <a:off x="0" y="0"/>
-          <a:ext cx="0" cy="0"/>
-          <a:chOff x="0" y="0"/>
-          <a:chExt cx="0" cy="0"/>
-        </a:xfrm>
-      </p:grpSpPr>
-      <p:sp>
-        <p:nvSpPr>
-          <p:cNvPr id="2" name="Titre 1"/>
-          <p:cNvSpPr>
-            <a:spLocks noGrp="1"/>
-          </p:cNvSpPr>
-          <p:nvPr>
-            <p:ph type="title"/>
-          </p:nvPr>
-        </p:nvSpPr>
-        <p:spPr/>
-        <p:txBody>
-          <a:bodyPr/>
-          <a:lstStyle/>
-          <a:p>
-            <a:r>
-              <a:rPr lang="fr-FR" dirty="0"/>
-              <a:t>Architecture</a:t>
-            </a:r>
-          </a:p>
-        </p:txBody>
-      </p:sp>
-      <p:sp>
-        <p:nvSpPr>
-          <p:cNvPr id="3" name="Espace réservé du contenu 2"/>
-          <p:cNvSpPr>
-            <a:spLocks noGrp="1"/>
-          </p:cNvSpPr>
-          <p:nvPr>
-            <p:ph idx="1"/>
-          </p:nvPr>
-        </p:nvSpPr>
-        <p:spPr/>
-        <p:txBody>
-          <a:bodyPr/>
-          <a:lstStyle/>
-          <a:p>
-            <a:r>
-              <a:rPr lang="fr-FR" dirty="0"/>
-              <a:t>Réfléchissons à l'architecture de l'applications</a:t>
-            </a:r>
-          </a:p>
-        </p:txBody>
-      </p:sp>
-    </p:spTree>
-    <p:extLst>
-      <p:ext uri="{BB962C8B-B14F-4D97-AF65-F5344CB8AC3E}">
-        <p14:creationId xmlns:p14="http://schemas.microsoft.com/office/powerpoint/2010/main" val="2725513376"/>
-      </p:ext>
-    </p:extLst>
-  </p:cSld>
-  <p:clrMapOvr>
-    <a:masterClrMapping/>
-  </p:clrMapOvr>
-</p:sld>
-</file>
-
 <file path=ppt/slides/slide27.xml><?xml version="1.0" encoding="utf-8"?>
 <p:sld xmlns:a="http://schemas.openxmlformats.org/drawingml/2006/main" xmlns:r="http://schemas.openxmlformats.org/officeDocument/2006/relationships" xmlns:p="http://schemas.openxmlformats.org/presentationml/2006/main">
   <p:cSld>
@@ -6374,6 +6518,587 @@
       </p:grpSpPr>
       <p:sp>
         <p:nvSpPr>
+          <p:cNvPr id="2" name="Titre 1">
+            <a:extLst>
+              <a:ext uri="{FF2B5EF4-FFF2-40B4-BE49-F238E27FC236}">
+                <a16:creationId xmlns:a16="http://schemas.microsoft.com/office/drawing/2014/main" id="{1DF2CEE6-0862-95AA-EEE3-F5B51D72E2D5}"/>
+              </a:ext>
+            </a:extLst>
+          </p:cNvPr>
+          <p:cNvSpPr>
+            <a:spLocks noGrp="1"/>
+          </p:cNvSpPr>
+          <p:nvPr>
+            <p:ph type="title"/>
+          </p:nvPr>
+        </p:nvSpPr>
+        <p:spPr/>
+        <p:txBody>
+          <a:bodyPr/>
+          <a:lstStyle/>
+          <a:p>
+            <a:r>
+              <a:rPr lang="fr-FR" dirty="0"/>
+              <a:t>De nombreux autres Arduino</a:t>
+            </a:r>
+          </a:p>
+        </p:txBody>
+      </p:sp>
+      <p:sp>
+        <p:nvSpPr>
+          <p:cNvPr id="3" name="Espace réservé du contenu 2">
+            <a:extLst>
+              <a:ext uri="{FF2B5EF4-FFF2-40B4-BE49-F238E27FC236}">
+                <a16:creationId xmlns:a16="http://schemas.microsoft.com/office/drawing/2014/main" id="{D3326C9E-45E4-2328-D46B-21720299F3DE}"/>
+              </a:ext>
+            </a:extLst>
+          </p:cNvPr>
+          <p:cNvSpPr>
+            <a:spLocks noGrp="1"/>
+          </p:cNvSpPr>
+          <p:nvPr>
+            <p:ph idx="1"/>
+          </p:nvPr>
+        </p:nvSpPr>
+        <p:spPr/>
+        <p:txBody>
+          <a:bodyPr/>
+          <a:lstStyle/>
+          <a:p>
+            <a:endParaRPr lang="fr-FR"/>
+          </a:p>
+        </p:txBody>
+      </p:sp>
+      <p:pic>
+        <p:nvPicPr>
+          <p:cNvPr id="1026" name="Picture 2" descr="Image non disponible">
+            <a:extLst>
+              <a:ext uri="{FF2B5EF4-FFF2-40B4-BE49-F238E27FC236}">
+                <a16:creationId xmlns:a16="http://schemas.microsoft.com/office/drawing/2014/main" id="{78E29E67-96BC-ACA8-D72A-30581987B03F}"/>
+              </a:ext>
+            </a:extLst>
+          </p:cNvPr>
+          <p:cNvPicPr>
+            <a:picLocks noChangeAspect="1" noChangeArrowheads="1"/>
+          </p:cNvPicPr>
+          <p:nvPr/>
+        </p:nvPicPr>
+        <p:blipFill>
+          <a:blip r:embed="rId2">
+            <a:extLst>
+              <a:ext uri="{28A0092B-C50C-407E-A947-70E740481C1C}">
+                <a14:useLocalDpi xmlns:a14="http://schemas.microsoft.com/office/drawing/2010/main" val="0"/>
+              </a:ext>
+            </a:extLst>
+          </a:blip>
+          <a:srcRect/>
+          <a:stretch>
+            <a:fillRect/>
+          </a:stretch>
+        </p:blipFill>
+        <p:spPr bwMode="auto">
+          <a:xfrm>
+            <a:off x="0" y="1173163"/>
+            <a:ext cx="9144000" cy="4510087"/>
+          </a:xfrm>
+          <a:prstGeom prst="rect">
+            <a:avLst/>
+          </a:prstGeom>
+          <a:noFill/>
+          <a:extLst>
+            <a:ext uri="{909E8E84-426E-40DD-AFC4-6F175D3DCCD1}">
+              <a14:hiddenFill xmlns:a14="http://schemas.microsoft.com/office/drawing/2010/main">
+                <a:solidFill>
+                  <a:srgbClr val="FFFFFF"/>
+                </a:solidFill>
+              </a14:hiddenFill>
+            </a:ext>
+          </a:extLst>
+        </p:spPr>
+      </p:pic>
+    </p:spTree>
+    <p:extLst>
+      <p:ext uri="{BB962C8B-B14F-4D97-AF65-F5344CB8AC3E}">
+        <p14:creationId xmlns:p14="http://schemas.microsoft.com/office/powerpoint/2010/main" val="4128673749"/>
+      </p:ext>
+    </p:extLst>
+  </p:cSld>
+  <p:clrMapOvr>
+    <a:masterClrMapping/>
+  </p:clrMapOvr>
+</p:sld>
+</file>
+
+<file path=ppt/slides/slide28.xml><?xml version="1.0" encoding="utf-8"?>
+<p:sld xmlns:a="http://schemas.openxmlformats.org/drawingml/2006/main" xmlns:r="http://schemas.openxmlformats.org/officeDocument/2006/relationships" xmlns:p="http://schemas.openxmlformats.org/presentationml/2006/main">
+  <p:cSld>
+    <p:spTree>
+      <p:nvGrpSpPr>
+        <p:cNvPr id="1" name=""/>
+        <p:cNvGrpSpPr/>
+        <p:nvPr/>
+      </p:nvGrpSpPr>
+      <p:grpSpPr>
+        <a:xfrm>
+          <a:off x="0" y="0"/>
+          <a:ext cx="0" cy="0"/>
+          <a:chOff x="0" y="0"/>
+          <a:chExt cx="0" cy="0"/>
+        </a:xfrm>
+      </p:grpSpPr>
+      <p:sp>
+        <p:nvSpPr>
+          <p:cNvPr id="2" name="Titre 1"/>
+          <p:cNvSpPr>
+            <a:spLocks noGrp="1"/>
+          </p:cNvSpPr>
+          <p:nvPr>
+            <p:ph type="title"/>
+          </p:nvPr>
+        </p:nvSpPr>
+        <p:spPr/>
+        <p:txBody>
+          <a:bodyPr/>
+          <a:lstStyle/>
+          <a:p>
+            <a:r>
+              <a:rPr lang="fr-FR" dirty="0"/>
+              <a:t>Communications</a:t>
+            </a:r>
+          </a:p>
+        </p:txBody>
+      </p:sp>
+      <p:sp>
+        <p:nvSpPr>
+          <p:cNvPr id="3" name="Espace réservé du contenu 2"/>
+          <p:cNvSpPr>
+            <a:spLocks noGrp="1"/>
+          </p:cNvSpPr>
+          <p:nvPr>
+            <p:ph idx="1"/>
+          </p:nvPr>
+        </p:nvSpPr>
+        <p:spPr/>
+        <p:txBody>
+          <a:bodyPr/>
+          <a:lstStyle/>
+          <a:p>
+            <a:r>
+              <a:rPr lang="fr-FR" dirty="0"/>
+              <a:t>Filaires</a:t>
+            </a:r>
+          </a:p>
+          <a:p>
+            <a:pPr lvl="1"/>
+            <a:r>
+              <a:rPr lang="fr-FR" dirty="0"/>
+              <a:t>USB, Série, RS232, Ethernet …</a:t>
+            </a:r>
+          </a:p>
+          <a:p>
+            <a:r>
+              <a:rPr lang="fr-FR" dirty="0"/>
+              <a:t>Sans fils</a:t>
+            </a:r>
+          </a:p>
+          <a:p>
+            <a:pPr lvl="1"/>
+            <a:r>
+              <a:rPr lang="fr-FR" dirty="0"/>
+              <a:t>Wifi, Bluetooth, Infrarouge, 433MHz</a:t>
+            </a:r>
+          </a:p>
+          <a:p>
+            <a:r>
+              <a:rPr lang="fr-FR" dirty="0"/>
+              <a:t>Energie faible</a:t>
+            </a:r>
+          </a:p>
+          <a:p>
+            <a:pPr lvl="1"/>
+            <a:r>
+              <a:rPr lang="fr-FR" dirty="0"/>
+              <a:t>Bluetooth LE, Lora, …</a:t>
+            </a:r>
+          </a:p>
+          <a:p>
+            <a:r>
+              <a:rPr lang="fr-FR" dirty="0"/>
+              <a:t>WAN, LAN, PAN, HAN</a:t>
+            </a:r>
+          </a:p>
+          <a:p>
+            <a:pPr lvl="1"/>
+            <a:r>
+              <a:rPr lang="fr-FR" dirty="0"/>
+              <a:t>HAN : </a:t>
+            </a:r>
+            <a:r>
+              <a:rPr lang="fr-FR" dirty="0" err="1"/>
+              <a:t>Zigbee</a:t>
+            </a:r>
+            <a:r>
+              <a:rPr lang="fr-FR" dirty="0"/>
+              <a:t>, …</a:t>
+            </a:r>
+          </a:p>
+          <a:p>
+            <a:r>
+              <a:rPr lang="fr-FR" dirty="0"/>
+              <a:t>Web</a:t>
+            </a:r>
+          </a:p>
+          <a:p>
+            <a:pPr lvl="1"/>
+            <a:r>
+              <a:rPr lang="fr-FR" dirty="0"/>
+              <a:t>HTTP, REST, JSON, …</a:t>
+            </a:r>
+          </a:p>
+        </p:txBody>
+      </p:sp>
+    </p:spTree>
+    <p:extLst>
+      <p:ext uri="{BB962C8B-B14F-4D97-AF65-F5344CB8AC3E}">
+        <p14:creationId xmlns:p14="http://schemas.microsoft.com/office/powerpoint/2010/main" val="3746456513"/>
+      </p:ext>
+    </p:extLst>
+  </p:cSld>
+  <p:clrMapOvr>
+    <a:masterClrMapping/>
+  </p:clrMapOvr>
+</p:sld>
+</file>
+
+<file path=ppt/slides/slide29.xml><?xml version="1.0" encoding="utf-8"?>
+<p:sld xmlns:a="http://schemas.openxmlformats.org/drawingml/2006/main" xmlns:r="http://schemas.openxmlformats.org/officeDocument/2006/relationships" xmlns:p="http://schemas.openxmlformats.org/presentationml/2006/main">
+  <p:cSld>
+    <p:spTree>
+      <p:nvGrpSpPr>
+        <p:cNvPr id="1" name=""/>
+        <p:cNvGrpSpPr/>
+        <p:nvPr/>
+      </p:nvGrpSpPr>
+      <p:grpSpPr>
+        <a:xfrm>
+          <a:off x="0" y="0"/>
+          <a:ext cx="0" cy="0"/>
+          <a:chOff x="0" y="0"/>
+          <a:chExt cx="0" cy="0"/>
+        </a:xfrm>
+      </p:grpSpPr>
+      <p:sp>
+        <p:nvSpPr>
+          <p:cNvPr id="2" name="Titre 1"/>
+          <p:cNvSpPr>
+            <a:spLocks noGrp="1"/>
+          </p:cNvSpPr>
+          <p:nvPr>
+            <p:ph type="title"/>
+          </p:nvPr>
+        </p:nvSpPr>
+        <p:spPr/>
+        <p:txBody>
+          <a:bodyPr/>
+          <a:lstStyle/>
+          <a:p>
+            <a:r>
+              <a:rPr lang="fr-FR" dirty="0"/>
+              <a:t>Architecture</a:t>
+            </a:r>
+          </a:p>
+        </p:txBody>
+      </p:sp>
+      <p:sp>
+        <p:nvSpPr>
+          <p:cNvPr id="3" name="Espace réservé du contenu 2"/>
+          <p:cNvSpPr>
+            <a:spLocks noGrp="1"/>
+          </p:cNvSpPr>
+          <p:nvPr>
+            <p:ph idx="1"/>
+          </p:nvPr>
+        </p:nvSpPr>
+        <p:spPr/>
+        <p:txBody>
+          <a:bodyPr/>
+          <a:lstStyle/>
+          <a:p>
+            <a:r>
+              <a:rPr lang="fr-FR" dirty="0"/>
+              <a:t>Réfléchissons à l'architecture de l'applications</a:t>
+            </a:r>
+          </a:p>
+        </p:txBody>
+      </p:sp>
+    </p:spTree>
+    <p:extLst>
+      <p:ext uri="{BB962C8B-B14F-4D97-AF65-F5344CB8AC3E}">
+        <p14:creationId xmlns:p14="http://schemas.microsoft.com/office/powerpoint/2010/main" val="2725513376"/>
+      </p:ext>
+    </p:extLst>
+  </p:cSld>
+  <p:clrMapOvr>
+    <a:masterClrMapping/>
+  </p:clrMapOvr>
+</p:sld>
+</file>
+
+<file path=ppt/slides/slide3.xml><?xml version="1.0" encoding="utf-8"?>
+<p:sld xmlns:a="http://schemas.openxmlformats.org/drawingml/2006/main" xmlns:r="http://schemas.openxmlformats.org/officeDocument/2006/relationships" xmlns:p="http://schemas.openxmlformats.org/presentationml/2006/main">
+  <p:cSld>
+    <p:spTree>
+      <p:nvGrpSpPr>
+        <p:cNvPr id="1" name=""/>
+        <p:cNvGrpSpPr/>
+        <p:nvPr/>
+      </p:nvGrpSpPr>
+      <p:grpSpPr>
+        <a:xfrm>
+          <a:off x="0" y="0"/>
+          <a:ext cx="0" cy="0"/>
+          <a:chOff x="0" y="0"/>
+          <a:chExt cx="0" cy="0"/>
+        </a:xfrm>
+      </p:grpSpPr>
+      <p:sp>
+        <p:nvSpPr>
+          <p:cNvPr id="2" name="Titre 1">
+            <a:extLst>
+              <a:ext uri="{FF2B5EF4-FFF2-40B4-BE49-F238E27FC236}">
+                <a16:creationId xmlns:a16="http://schemas.microsoft.com/office/drawing/2014/main" id="{809AD7AE-DA03-6C64-E635-62976C856097}"/>
+              </a:ext>
+            </a:extLst>
+          </p:cNvPr>
+          <p:cNvSpPr>
+            <a:spLocks noGrp="1"/>
+          </p:cNvSpPr>
+          <p:nvPr>
+            <p:ph type="title"/>
+          </p:nvPr>
+        </p:nvSpPr>
+        <p:spPr/>
+        <p:txBody>
+          <a:bodyPr/>
+          <a:lstStyle/>
+          <a:p>
+            <a:r>
+              <a:rPr lang="fr-FR" dirty="0"/>
+              <a:t>Micro-processeur</a:t>
+            </a:r>
+          </a:p>
+        </p:txBody>
+      </p:sp>
+      <p:sp>
+        <p:nvSpPr>
+          <p:cNvPr id="3" name="Espace réservé du contenu 2">
+            <a:extLst>
+              <a:ext uri="{FF2B5EF4-FFF2-40B4-BE49-F238E27FC236}">
+                <a16:creationId xmlns:a16="http://schemas.microsoft.com/office/drawing/2014/main" id="{1F09487D-81EB-B2BD-39AC-78CC295FABE3}"/>
+              </a:ext>
+            </a:extLst>
+          </p:cNvPr>
+          <p:cNvSpPr>
+            <a:spLocks noGrp="1"/>
+          </p:cNvSpPr>
+          <p:nvPr>
+            <p:ph idx="1"/>
+          </p:nvPr>
+        </p:nvSpPr>
+        <p:spPr>
+          <a:xfrm>
+            <a:off x="179513" y="1412776"/>
+            <a:ext cx="6048672" cy="5040560"/>
+          </a:xfrm>
+        </p:spPr>
+        <p:txBody>
+          <a:bodyPr/>
+          <a:lstStyle/>
+          <a:p>
+            <a:r>
+              <a:rPr lang="fr-FR" dirty="0"/>
+              <a:t>Le CPU a été inventé en 1971 par Intel</a:t>
+            </a:r>
+          </a:p>
+          <a:p>
+            <a:r>
+              <a:rPr lang="fr-FR" dirty="0" err="1"/>
+              <a:t>Marcian</a:t>
+            </a:r>
+            <a:r>
+              <a:rPr lang="fr-FR" dirty="0"/>
+              <a:t> Hoff</a:t>
+            </a:r>
+          </a:p>
+          <a:p>
+            <a:r>
+              <a:rPr lang="fr-FR" dirty="0" err="1"/>
+              <a:t>Frederico</a:t>
+            </a:r>
+            <a:r>
+              <a:rPr lang="fr-FR" dirty="0"/>
+              <a:t> Chavin</a:t>
+            </a:r>
+          </a:p>
+          <a:p>
+            <a:pPr lvl="1"/>
+            <a:r>
+              <a:rPr lang="fr-FR" dirty="0"/>
+              <a:t>Chef de projet Intel 4004</a:t>
+            </a:r>
+          </a:p>
+          <a:p>
+            <a:pPr lvl="1"/>
+            <a:r>
+              <a:rPr lang="fr-FR" dirty="0"/>
+              <a:t>Co-Inventeur du 4004 8008 8080</a:t>
+            </a:r>
+          </a:p>
+          <a:p>
+            <a:pPr lvl="1"/>
+            <a:r>
+              <a:rPr lang="fr-FR" dirty="0"/>
+              <a:t>Inventeur du Z80</a:t>
+            </a:r>
+          </a:p>
+          <a:p>
+            <a:pPr lvl="1"/>
+            <a:r>
+              <a:rPr lang="fr-FR" dirty="0"/>
+              <a:t>Inventeur du Touchpad</a:t>
+            </a:r>
+          </a:p>
+          <a:p>
+            <a:pPr lvl="1"/>
+            <a:r>
+              <a:rPr lang="fr-FR" dirty="0"/>
+              <a:t>A l'origine de ST</a:t>
+            </a:r>
+          </a:p>
+          <a:p>
+            <a:r>
+              <a:rPr lang="fr-FR" dirty="0"/>
+              <a:t>A permis de créer les micro-ordinateurs</a:t>
+            </a:r>
+          </a:p>
+          <a:p>
+            <a:endParaRPr lang="fr-FR" dirty="0"/>
+          </a:p>
+          <a:p>
+            <a:pPr lvl="2"/>
+            <a:endParaRPr lang="fr-FR" dirty="0"/>
+          </a:p>
+        </p:txBody>
+      </p:sp>
+      <p:pic>
+        <p:nvPicPr>
+          <p:cNvPr id="2050" name="Picture 2">
+            <a:extLst>
+              <a:ext uri="{FF2B5EF4-FFF2-40B4-BE49-F238E27FC236}">
+                <a16:creationId xmlns:a16="http://schemas.microsoft.com/office/drawing/2014/main" id="{2B384678-871C-65F2-ACE2-68AB3CF20875}"/>
+              </a:ext>
+            </a:extLst>
+          </p:cNvPr>
+          <p:cNvPicPr>
+            <a:picLocks noChangeAspect="1" noChangeArrowheads="1"/>
+          </p:cNvPicPr>
+          <p:nvPr/>
+        </p:nvPicPr>
+        <p:blipFill>
+          <a:blip r:embed="rId2">
+            <a:extLst>
+              <a:ext uri="{28A0092B-C50C-407E-A947-70E740481C1C}">
+                <a14:useLocalDpi xmlns:a14="http://schemas.microsoft.com/office/drawing/2010/main" val="0"/>
+              </a:ext>
+            </a:extLst>
+          </a:blip>
+          <a:srcRect/>
+          <a:stretch>
+            <a:fillRect/>
+          </a:stretch>
+        </p:blipFill>
+        <p:spPr bwMode="auto">
+          <a:xfrm>
+            <a:off x="7015590" y="628120"/>
+            <a:ext cx="1881572" cy="2622798"/>
+          </a:xfrm>
+          <a:prstGeom prst="rect">
+            <a:avLst/>
+          </a:prstGeom>
+          <a:noFill/>
+          <a:extLst>
+            <a:ext uri="{909E8E84-426E-40DD-AFC4-6F175D3DCCD1}">
+              <a14:hiddenFill xmlns:a14="http://schemas.microsoft.com/office/drawing/2010/main">
+                <a:solidFill>
+                  <a:srgbClr val="FFFFFF"/>
+                </a:solidFill>
+              </a14:hiddenFill>
+            </a:ext>
+          </a:extLst>
+        </p:spPr>
+      </p:pic>
+      <p:pic>
+        <p:nvPicPr>
+          <p:cNvPr id="5" name="Image 4">
+            <a:extLst>
+              <a:ext uri="{FF2B5EF4-FFF2-40B4-BE49-F238E27FC236}">
+                <a16:creationId xmlns:a16="http://schemas.microsoft.com/office/drawing/2014/main" id="{2828C5FD-DEC0-C88D-C783-F1C554CBC139}"/>
+              </a:ext>
+            </a:extLst>
+          </p:cNvPr>
+          <p:cNvPicPr>
+            <a:picLocks noChangeAspect="1"/>
+          </p:cNvPicPr>
+          <p:nvPr/>
+        </p:nvPicPr>
+        <p:blipFill>
+          <a:blip r:embed="rId3"/>
+          <a:stretch>
+            <a:fillRect/>
+          </a:stretch>
+        </p:blipFill>
+        <p:spPr>
+          <a:xfrm>
+            <a:off x="6277421" y="3423421"/>
+            <a:ext cx="2619741" cy="2791215"/>
+          </a:xfrm>
+          <a:prstGeom prst="rect">
+            <a:avLst/>
+          </a:prstGeom>
+        </p:spPr>
+      </p:pic>
+    </p:spTree>
+    <p:extLst>
+      <p:ext uri="{BB962C8B-B14F-4D97-AF65-F5344CB8AC3E}">
+        <p14:creationId xmlns:p14="http://schemas.microsoft.com/office/powerpoint/2010/main" val="3793087618"/>
+      </p:ext>
+    </p:extLst>
+  </p:cSld>
+  <p:clrMapOvr>
+    <a:masterClrMapping/>
+  </p:clrMapOvr>
+</p:sld>
+</file>
+
+<file path=ppt/slides/slide30.xml><?xml version="1.0" encoding="utf-8"?>
+<p:sld xmlns:a="http://schemas.openxmlformats.org/drawingml/2006/main" xmlns:r="http://schemas.openxmlformats.org/officeDocument/2006/relationships" xmlns:p="http://schemas.openxmlformats.org/presentationml/2006/main">
+  <p:cSld>
+    <p:spTree>
+      <p:nvGrpSpPr>
+        <p:cNvPr id="1" name=""/>
+        <p:cNvGrpSpPr/>
+        <p:nvPr/>
+      </p:nvGrpSpPr>
+      <p:grpSpPr>
+        <a:xfrm>
+          <a:off x="0" y="0"/>
+          <a:ext cx="0" cy="0"/>
+          <a:chOff x="0" y="0"/>
+          <a:chExt cx="0" cy="0"/>
+        </a:xfrm>
+      </p:grpSpPr>
+      <p:sp>
+        <p:nvSpPr>
           <p:cNvPr id="2" name="Titre 1"/>
           <p:cNvSpPr>
             <a:spLocks noGrp="1"/>
@@ -6456,7 +7181,237 @@
 </p:sld>
 </file>
 
-<file path=ppt/slides/slide3.xml><?xml version="1.0" encoding="utf-8"?>
+<file path=ppt/slides/slide4.xml><?xml version="1.0" encoding="utf-8"?>
+<p:sld xmlns:a="http://schemas.openxmlformats.org/drawingml/2006/main" xmlns:r="http://schemas.openxmlformats.org/officeDocument/2006/relationships" xmlns:p="http://schemas.openxmlformats.org/presentationml/2006/main">
+  <p:cSld>
+    <p:spTree>
+      <p:nvGrpSpPr>
+        <p:cNvPr id="1" name=""/>
+        <p:cNvGrpSpPr/>
+        <p:nvPr/>
+      </p:nvGrpSpPr>
+      <p:grpSpPr>
+        <a:xfrm>
+          <a:off x="0" y="0"/>
+          <a:ext cx="0" cy="0"/>
+          <a:chOff x="0" y="0"/>
+          <a:chExt cx="0" cy="0"/>
+        </a:xfrm>
+      </p:grpSpPr>
+      <p:sp>
+        <p:nvSpPr>
+          <p:cNvPr id="2" name="Titre 1">
+            <a:extLst>
+              <a:ext uri="{FF2B5EF4-FFF2-40B4-BE49-F238E27FC236}">
+                <a16:creationId xmlns:a16="http://schemas.microsoft.com/office/drawing/2014/main" id="{3694D0A2-7C63-7D23-99BE-B3FA1B3EAD6E}"/>
+              </a:ext>
+            </a:extLst>
+          </p:cNvPr>
+          <p:cNvSpPr>
+            <a:spLocks noGrp="1"/>
+          </p:cNvSpPr>
+          <p:nvPr>
+            <p:ph type="title"/>
+          </p:nvPr>
+        </p:nvSpPr>
+        <p:spPr/>
+        <p:txBody>
+          <a:bodyPr/>
+          <a:lstStyle/>
+          <a:p>
+            <a:r>
+              <a:rPr lang="fr-FR" dirty="0"/>
+              <a:t>Intel</a:t>
+            </a:r>
+          </a:p>
+        </p:txBody>
+      </p:sp>
+      <p:sp>
+        <p:nvSpPr>
+          <p:cNvPr id="3" name="Espace réservé du contenu 2">
+            <a:extLst>
+              <a:ext uri="{FF2B5EF4-FFF2-40B4-BE49-F238E27FC236}">
+                <a16:creationId xmlns:a16="http://schemas.microsoft.com/office/drawing/2014/main" id="{6DA9BB48-6BBD-E1CD-FECA-82689A271AF8}"/>
+              </a:ext>
+            </a:extLst>
+          </p:cNvPr>
+          <p:cNvSpPr>
+            <a:spLocks noGrp="1"/>
+          </p:cNvSpPr>
+          <p:nvPr>
+            <p:ph idx="1"/>
+          </p:nvPr>
+        </p:nvSpPr>
+        <p:spPr/>
+        <p:txBody>
+          <a:bodyPr/>
+          <a:lstStyle/>
+          <a:p>
+            <a:r>
+              <a:rPr lang="fr-FR" dirty="0"/>
+              <a:t>Intel 4004</a:t>
+            </a:r>
+          </a:p>
+          <a:p>
+            <a:pPr lvl="1"/>
+            <a:r>
+              <a:rPr lang="fr-FR" dirty="0"/>
+              <a:t>1971</a:t>
+            </a:r>
+          </a:p>
+          <a:p>
+            <a:pPr lvl="1"/>
+            <a:r>
+              <a:rPr lang="fr-FR" dirty="0"/>
+              <a:t>4 bits</a:t>
+            </a:r>
+          </a:p>
+          <a:p>
+            <a:pPr lvl="1"/>
+            <a:r>
+              <a:rPr lang="fr-FR" dirty="0"/>
+              <a:t>Prototype</a:t>
+            </a:r>
+          </a:p>
+          <a:p>
+            <a:r>
+              <a:rPr lang="fr-FR" dirty="0"/>
+              <a:t>Intel 8008</a:t>
+            </a:r>
+          </a:p>
+          <a:p>
+            <a:pPr lvl="1"/>
+            <a:r>
+              <a:rPr lang="fr-FR" dirty="0"/>
+              <a:t>1972</a:t>
+            </a:r>
+          </a:p>
+          <a:p>
+            <a:pPr lvl="1"/>
+            <a:r>
+              <a:rPr lang="fr-FR" dirty="0"/>
+              <a:t>8 bits</a:t>
+            </a:r>
+          </a:p>
+          <a:p>
+            <a:r>
+              <a:rPr lang="fr-FR" dirty="0"/>
+              <a:t>Puis</a:t>
+            </a:r>
+          </a:p>
+          <a:p>
+            <a:pPr lvl="1"/>
+            <a:r>
+              <a:rPr lang="fr-FR" dirty="0"/>
+              <a:t>8080</a:t>
+            </a:r>
+          </a:p>
+          <a:p>
+            <a:pPr lvl="1"/>
+            <a:r>
+              <a:rPr lang="fr-FR" dirty="0"/>
+              <a:t>8086 (x86)</a:t>
+            </a:r>
+          </a:p>
+          <a:p>
+            <a:pPr marL="0" indent="0">
+              <a:buNone/>
+            </a:pPr>
+            <a:endParaRPr lang="fr-FR" dirty="0"/>
+          </a:p>
+        </p:txBody>
+      </p:sp>
+      <p:pic>
+        <p:nvPicPr>
+          <p:cNvPr id="5" name="Image 4">
+            <a:extLst>
+              <a:ext uri="{FF2B5EF4-FFF2-40B4-BE49-F238E27FC236}">
+                <a16:creationId xmlns:a16="http://schemas.microsoft.com/office/drawing/2014/main" id="{D2B8DED9-4876-7508-D976-3567BB641127}"/>
+              </a:ext>
+            </a:extLst>
+          </p:cNvPr>
+          <p:cNvPicPr>
+            <a:picLocks noChangeAspect="1"/>
+          </p:cNvPicPr>
+          <p:nvPr/>
+        </p:nvPicPr>
+        <p:blipFill>
+          <a:blip r:embed="rId2"/>
+          <a:stretch>
+            <a:fillRect/>
+          </a:stretch>
+        </p:blipFill>
+        <p:spPr>
+          <a:xfrm>
+            <a:off x="4860032" y="3579325"/>
+            <a:ext cx="2133898" cy="1495634"/>
+          </a:xfrm>
+          <a:prstGeom prst="rect">
+            <a:avLst/>
+          </a:prstGeom>
+        </p:spPr>
+      </p:pic>
+      <p:pic>
+        <p:nvPicPr>
+          <p:cNvPr id="1028" name="Picture 4">
+            <a:extLst>
+              <a:ext uri="{FF2B5EF4-FFF2-40B4-BE49-F238E27FC236}">
+                <a16:creationId xmlns:a16="http://schemas.microsoft.com/office/drawing/2014/main" id="{CFA80CB7-6851-62C2-D72F-E8B4A281D91E}"/>
+              </a:ext>
+            </a:extLst>
+          </p:cNvPr>
+          <p:cNvPicPr>
+            <a:picLocks noChangeAspect="1" noChangeArrowheads="1"/>
+          </p:cNvPicPr>
+          <p:nvPr/>
+        </p:nvPicPr>
+        <p:blipFill>
+          <a:blip r:embed="rId3">
+            <a:extLst>
+              <a:ext uri="{28A0092B-C50C-407E-A947-70E740481C1C}">
+                <a14:useLocalDpi xmlns:a14="http://schemas.microsoft.com/office/drawing/2010/main" val="0"/>
+              </a:ext>
+            </a:extLst>
+          </a:blip>
+          <a:srcRect/>
+          <a:stretch>
+            <a:fillRect/>
+          </a:stretch>
+        </p:blipFill>
+        <p:spPr bwMode="auto">
+          <a:xfrm>
+            <a:off x="4736356" y="1653204"/>
+            <a:ext cx="2381250" cy="1590675"/>
+          </a:xfrm>
+          <a:prstGeom prst="rect">
+            <a:avLst/>
+          </a:prstGeom>
+          <a:noFill/>
+          <a:extLst>
+            <a:ext uri="{909E8E84-426E-40DD-AFC4-6F175D3DCCD1}">
+              <a14:hiddenFill xmlns:a14="http://schemas.microsoft.com/office/drawing/2010/main">
+                <a:solidFill>
+                  <a:srgbClr val="FFFFFF"/>
+                </a:solidFill>
+              </a14:hiddenFill>
+            </a:ext>
+          </a:extLst>
+        </p:spPr>
+      </p:pic>
+    </p:spTree>
+    <p:extLst>
+      <p:ext uri="{BB962C8B-B14F-4D97-AF65-F5344CB8AC3E}">
+        <p14:creationId xmlns:p14="http://schemas.microsoft.com/office/powerpoint/2010/main" val="2936897729"/>
+      </p:ext>
+    </p:extLst>
+  </p:cSld>
+  <p:clrMapOvr>
+    <a:masterClrMapping/>
+  </p:clrMapOvr>
+</p:sld>
+</file>
+
+<file path=ppt/slides/slide5.xml><?xml version="1.0" encoding="utf-8"?>
 <p:sld xmlns:a="http://schemas.openxmlformats.org/drawingml/2006/main" xmlns:r="http://schemas.openxmlformats.org/officeDocument/2006/relationships" xmlns:p="http://schemas.openxmlformats.org/presentationml/2006/main">
   <p:cSld>
     <p:spTree>
@@ -6583,7 +7538,7 @@
 </p:sld>
 </file>
 
-<file path=ppt/slides/slide4.xml><?xml version="1.0" encoding="utf-8"?>
+<file path=ppt/slides/slide6.xml><?xml version="1.0" encoding="utf-8"?>
 <p:sld xmlns:a="http://schemas.openxmlformats.org/drawingml/2006/main" xmlns:r="http://schemas.openxmlformats.org/officeDocument/2006/relationships" xmlns:p="http://schemas.openxmlformats.org/presentationml/2006/main">
   <p:cSld>
     <p:spTree>
@@ -6754,7 +7709,7 @@
 </p:sld>
 </file>
 
-<file path=ppt/slides/slide5.xml><?xml version="1.0" encoding="utf-8"?>
+<file path=ppt/slides/slide7.xml><?xml version="1.0" encoding="utf-8"?>
 <p:sld xmlns:a="http://schemas.openxmlformats.org/drawingml/2006/main" xmlns:r="http://schemas.openxmlformats.org/officeDocument/2006/relationships" xmlns:p="http://schemas.openxmlformats.org/presentationml/2006/main">
   <p:cSld>
     <p:spTree>
@@ -6821,6 +7776,12 @@
               <a:t>Broadcomm</a:t>
             </a:r>
             <a:endParaRPr lang="fr-FR" dirty="0"/>
+          </a:p>
+          <a:p>
+            <a:r>
+              <a:rPr lang="fr-FR" dirty="0"/>
+              <a:t>2019</a:t>
+            </a:r>
           </a:p>
           <a:p>
             <a:r>
@@ -6925,7 +7886,7 @@
 </p:sld>
 </file>
 
-<file path=ppt/slides/slide6.xml><?xml version="1.0" encoding="utf-8"?>
+<file path=ppt/slides/slide8.xml><?xml version="1.0" encoding="utf-8"?>
 <p:sld xmlns:a="http://schemas.openxmlformats.org/drawingml/2006/main" xmlns:r="http://schemas.openxmlformats.org/officeDocument/2006/relationships" xmlns:p="http://schemas.openxmlformats.org/presentationml/2006/main">
   <p:cSld>
     <p:spTree>
@@ -7044,106 +8005,82 @@
           </a:p>
         </p:txBody>
       </p:sp>
-    </p:spTree>
-    <p:extLst>
-      <p:ext uri="{BB962C8B-B14F-4D97-AF65-F5344CB8AC3E}">
-        <p14:creationId xmlns:p14="http://schemas.microsoft.com/office/powerpoint/2010/main" val="1757866081"/>
-      </p:ext>
-    </p:extLst>
-  </p:cSld>
-  <p:clrMapOvr>
-    <a:masterClrMapping/>
-  </p:clrMapOvr>
-</p:sld>
-</file>
-
-<file path=ppt/slides/slide7.xml><?xml version="1.0" encoding="utf-8"?>
-<p:sld xmlns:a="http://schemas.openxmlformats.org/drawingml/2006/main" xmlns:r="http://schemas.openxmlformats.org/officeDocument/2006/relationships" xmlns:p="http://schemas.openxmlformats.org/presentationml/2006/main">
-  <p:cSld>
-    <p:spTree>
-      <p:nvGrpSpPr>
-        <p:cNvPr id="1" name=""/>
-        <p:cNvGrpSpPr/>
-        <p:nvPr/>
-      </p:nvGrpSpPr>
-      <p:grpSpPr>
-        <a:xfrm>
-          <a:off x="0" y="0"/>
-          <a:ext cx="0" cy="0"/>
-          <a:chOff x="0" y="0"/>
-          <a:chExt cx="0" cy="0"/>
-        </a:xfrm>
-      </p:grpSpPr>
-      <p:sp>
-        <p:nvSpPr>
-          <p:cNvPr id="2" name="Titre 1"/>
-          <p:cNvSpPr>
-            <a:spLocks noGrp="1"/>
-          </p:cNvSpPr>
-          <p:nvPr>
-            <p:ph type="title"/>
-          </p:nvPr>
-        </p:nvSpPr>
-        <p:spPr/>
-        <p:txBody>
-          <a:bodyPr/>
-          <a:lstStyle/>
-          <a:p>
-            <a:r>
-              <a:rPr lang="fr-FR" dirty="0" err="1"/>
-              <a:t>Micro-contrôleur</a:t>
-            </a:r>
-            <a:endParaRPr lang="fr-FR" dirty="0"/>
-          </a:p>
-        </p:txBody>
-      </p:sp>
-      <p:sp>
-        <p:nvSpPr>
-          <p:cNvPr id="3" name="Espace réservé du contenu 2"/>
-          <p:cNvSpPr>
-            <a:spLocks noGrp="1"/>
-          </p:cNvSpPr>
-          <p:nvPr>
-            <p:ph idx="1"/>
-          </p:nvPr>
-        </p:nvSpPr>
-        <p:spPr/>
-        <p:txBody>
-          <a:bodyPr/>
-          <a:lstStyle/>
-          <a:p>
-            <a:r>
-              <a:rPr lang="fr-FR" dirty="0"/>
-              <a:t>Un </a:t>
-            </a:r>
-            <a:r>
-              <a:rPr lang="fr-FR" dirty="0" err="1"/>
-              <a:t>Micro-contrôleur</a:t>
-            </a:r>
-            <a:r>
-              <a:rPr lang="fr-FR" dirty="0"/>
-              <a:t> est un circuit intégré qui rassemble les éléments essentiels d'un ordinateur : processeur, mémoires et interfaces d'entrées-sorties</a:t>
-            </a:r>
-          </a:p>
-          <a:p>
-            <a:pPr lvl="1"/>
-            <a:r>
-              <a:rPr lang="fr-FR" dirty="0"/>
-              <a:t>Les microcontrôleurs se caractérisent par un plus haut degré d'intégration, une plus faible consommation électrique, une vitesse de fonctionnement plus et un coût réduit par rapport aux microprocesseurs</a:t>
-            </a:r>
-          </a:p>
-        </p:txBody>
-      </p:sp>
       <p:pic>
         <p:nvPicPr>
-          <p:cNvPr id="4098" name="Picture 2" descr="https://upload.wikimedia.org/wikipedia/commons/thumb/b/b9/CD-CX10RFW_quadrotor_board_3.jpg/1024px-CD-CX10RFW_quadrotor_board_3.jpg"/>
+          <p:cNvPr id="5" name="Image 4">
+            <a:extLst>
+              <a:ext uri="{FF2B5EF4-FFF2-40B4-BE49-F238E27FC236}">
+                <a16:creationId xmlns:a16="http://schemas.microsoft.com/office/drawing/2014/main" id="{55398EC3-D153-BEA4-D3CD-9737B5090918}"/>
+              </a:ext>
+            </a:extLst>
+          </p:cNvPr>
+          <p:cNvPicPr>
+            <a:picLocks noChangeAspect="1"/>
+          </p:cNvPicPr>
+          <p:nvPr/>
+        </p:nvPicPr>
+        <p:blipFill>
+          <a:blip r:embed="rId2"/>
+          <a:stretch>
+            <a:fillRect/>
+          </a:stretch>
+        </p:blipFill>
+        <p:spPr>
+          <a:xfrm>
+            <a:off x="4355976" y="3429000"/>
+            <a:ext cx="2348240" cy="1805240"/>
+          </a:xfrm>
+          <a:prstGeom prst="rect">
+            <a:avLst/>
+          </a:prstGeom>
+        </p:spPr>
+      </p:pic>
+      <p:pic>
+        <p:nvPicPr>
+          <p:cNvPr id="7" name="Image 6">
+            <a:extLst>
+              <a:ext uri="{FF2B5EF4-FFF2-40B4-BE49-F238E27FC236}">
+                <a16:creationId xmlns:a16="http://schemas.microsoft.com/office/drawing/2014/main" id="{D9B49813-FA41-F6E1-438B-19CE63B032C8}"/>
+              </a:ext>
+            </a:extLst>
+          </p:cNvPr>
+          <p:cNvPicPr>
+            <a:picLocks noChangeAspect="1"/>
+          </p:cNvPicPr>
+          <p:nvPr/>
+        </p:nvPicPr>
+        <p:blipFill>
+          <a:blip r:embed="rId3"/>
+          <a:stretch>
+            <a:fillRect/>
+          </a:stretch>
+        </p:blipFill>
+        <p:spPr>
+          <a:xfrm>
+            <a:off x="0" y="-56369"/>
+            <a:ext cx="3613842" cy="1282156"/>
+          </a:xfrm>
+          <a:prstGeom prst="rect">
+            <a:avLst/>
+          </a:prstGeom>
+        </p:spPr>
+      </p:pic>
+      <p:pic>
+        <p:nvPicPr>
+          <p:cNvPr id="3074" name="Picture 2" descr="Motorola 68000 - TekWiki">
+            <a:extLst>
+              <a:ext uri="{FF2B5EF4-FFF2-40B4-BE49-F238E27FC236}">
+                <a16:creationId xmlns:a16="http://schemas.microsoft.com/office/drawing/2014/main" id="{F2BAD94A-61FF-FEB4-B9A8-C4E7FF968C55}"/>
+              </a:ext>
+            </a:extLst>
+          </p:cNvPr>
           <p:cNvPicPr>
             <a:picLocks noChangeAspect="1" noChangeArrowheads="1"/>
           </p:cNvPicPr>
           <p:nvPr/>
         </p:nvPicPr>
         <p:blipFill>
-          <a:blip r:embed="rId2" cstate="print">
+          <a:blip r:embed="rId4">
             <a:extLst>
               <a:ext uri="{28A0092B-C50C-407E-A947-70E740481C1C}">
                 <a14:useLocalDpi xmlns:a14="http://schemas.microsoft.com/office/drawing/2010/main" val="0"/>
@@ -7157,8 +8094,8 @@
         </p:blipFill>
         <p:spPr bwMode="auto">
           <a:xfrm>
-            <a:off x="5580112" y="4817026"/>
-            <a:ext cx="3588699" cy="2018644"/>
+            <a:off x="562511" y="4904010"/>
+            <a:ext cx="3410466" cy="1549326"/>
           </a:xfrm>
           <a:prstGeom prst="rect">
             <a:avLst/>
@@ -7178,101 +8115,7 @@
     </p:spTree>
     <p:extLst>
       <p:ext uri="{BB962C8B-B14F-4D97-AF65-F5344CB8AC3E}">
-        <p14:creationId xmlns:p14="http://schemas.microsoft.com/office/powerpoint/2010/main" val="3235671152"/>
-      </p:ext>
-    </p:extLst>
-  </p:cSld>
-  <p:clrMapOvr>
-    <a:masterClrMapping/>
-  </p:clrMapOvr>
-</p:sld>
-</file>
-
-<file path=ppt/slides/slide8.xml><?xml version="1.0" encoding="utf-8"?>
-<p:sld xmlns:a="http://schemas.openxmlformats.org/drawingml/2006/main" xmlns:r="http://schemas.openxmlformats.org/officeDocument/2006/relationships" xmlns:p="http://schemas.openxmlformats.org/presentationml/2006/main">
-  <p:cSld>
-    <p:spTree>
-      <p:nvGrpSpPr>
-        <p:cNvPr id="1" name=""/>
-        <p:cNvGrpSpPr/>
-        <p:nvPr/>
-      </p:nvGrpSpPr>
-      <p:grpSpPr>
-        <a:xfrm>
-          <a:off x="0" y="0"/>
-          <a:ext cx="0" cy="0"/>
-          <a:chOff x="0" y="0"/>
-          <a:chExt cx="0" cy="0"/>
-        </a:xfrm>
-      </p:grpSpPr>
-      <p:sp>
-        <p:nvSpPr>
-          <p:cNvPr id="2" name="Titre 1">
-            <a:extLst>
-              <a:ext uri="{FF2B5EF4-FFF2-40B4-BE49-F238E27FC236}">
-                <a16:creationId xmlns:a16="http://schemas.microsoft.com/office/drawing/2014/main" id="{0EC7EADD-FA36-EC04-4178-419FFCFACF05}"/>
-              </a:ext>
-            </a:extLst>
-          </p:cNvPr>
-          <p:cNvSpPr>
-            <a:spLocks noGrp="1"/>
-          </p:cNvSpPr>
-          <p:nvPr>
-            <p:ph type="title"/>
-          </p:nvPr>
-        </p:nvSpPr>
-        <p:spPr/>
-        <p:txBody>
-          <a:bodyPr/>
-          <a:lstStyle/>
-          <a:p>
-            <a:r>
-              <a:rPr lang="fr-FR" dirty="0" err="1"/>
-              <a:t>SoC</a:t>
-            </a:r>
-            <a:endParaRPr lang="fr-FR" dirty="0"/>
-          </a:p>
-        </p:txBody>
-      </p:sp>
-      <p:sp>
-        <p:nvSpPr>
-          <p:cNvPr id="3" name="Espace réservé du contenu 2">
-            <a:extLst>
-              <a:ext uri="{FF2B5EF4-FFF2-40B4-BE49-F238E27FC236}">
-                <a16:creationId xmlns:a16="http://schemas.microsoft.com/office/drawing/2014/main" id="{5633F03D-0DC8-386C-F7E1-3176B5F3490B}"/>
-              </a:ext>
-            </a:extLst>
-          </p:cNvPr>
-          <p:cNvSpPr>
-            <a:spLocks noGrp="1"/>
-          </p:cNvSpPr>
-          <p:nvPr>
-            <p:ph idx="1"/>
-          </p:nvPr>
-        </p:nvSpPr>
-        <p:spPr/>
-        <p:txBody>
-          <a:bodyPr/>
-          <a:lstStyle/>
-          <a:p>
-            <a:r>
-              <a:rPr lang="fr-FR" dirty="0"/>
-              <a:t>System on a Chip</a:t>
-            </a:r>
-          </a:p>
-          <a:p>
-            <a:pPr lvl="1"/>
-            <a:r>
-              <a:rPr lang="fr-FR" dirty="0"/>
-              <a:t>All in one</a:t>
-            </a:r>
-          </a:p>
-        </p:txBody>
-      </p:sp>
-    </p:spTree>
-    <p:extLst>
-      <p:ext uri="{BB962C8B-B14F-4D97-AF65-F5344CB8AC3E}">
-        <p14:creationId xmlns:p14="http://schemas.microsoft.com/office/powerpoint/2010/main" val="1266779388"/>
+        <p14:creationId xmlns:p14="http://schemas.microsoft.com/office/powerpoint/2010/main" val="1757866081"/>
       </p:ext>
     </p:extLst>
   </p:cSld>
@@ -7301,13 +8144,7 @@
       </p:grpSpPr>
       <p:sp>
         <p:nvSpPr>
-          <p:cNvPr id="2" name="Titre 1">
-            <a:extLst>
-              <a:ext uri="{FF2B5EF4-FFF2-40B4-BE49-F238E27FC236}">
-                <a16:creationId xmlns:a16="http://schemas.microsoft.com/office/drawing/2014/main" id="{311B3403-ED58-E004-1F58-A6A585ECD5E3}"/>
-              </a:ext>
-            </a:extLst>
-          </p:cNvPr>
+          <p:cNvPr id="2" name="Titre 1"/>
           <p:cNvSpPr>
             <a:spLocks noGrp="1"/>
           </p:cNvSpPr>
@@ -7322,7 +8159,7 @@
           <a:p>
             <a:r>
               <a:rPr lang="fr-FR" dirty="0" err="1"/>
-              <a:t>Eeprom</a:t>
+              <a:t>Micro-contrôleur</a:t>
             </a:r>
             <a:endParaRPr lang="fr-FR" dirty="0"/>
           </a:p>
@@ -7330,13 +8167,7 @@
       </p:sp>
       <p:sp>
         <p:nvSpPr>
-          <p:cNvPr id="3" name="Espace réservé du contenu 2">
-            <a:extLst>
-              <a:ext uri="{FF2B5EF4-FFF2-40B4-BE49-F238E27FC236}">
-                <a16:creationId xmlns:a16="http://schemas.microsoft.com/office/drawing/2014/main" id="{CAD6D573-B844-652E-1EFC-CE95C1F1F89D}"/>
-              </a:ext>
-            </a:extLst>
-          </p:cNvPr>
+          <p:cNvPr id="3" name="Espace réservé du contenu 2"/>
           <p:cNvSpPr>
             <a:spLocks noGrp="1"/>
           </p:cNvSpPr>
@@ -7351,63 +8182,85 @@
           <a:p>
             <a:r>
               <a:rPr lang="fr-FR" dirty="0"/>
-              <a:t>Ce programme par une </a:t>
+              <a:t>Un </a:t>
             </a:r>
             <a:r>
               <a:rPr lang="fr-FR" dirty="0" err="1"/>
-              <a:t>Eeprom</a:t>
-            </a:r>
-            <a:endParaRPr lang="fr-FR" dirty="0"/>
+              <a:t>Micro-contrôleur</a:t>
+            </a:r>
+            <a:r>
+              <a:rPr lang="fr-FR" dirty="0"/>
+              <a:t> est un circuit intégré qui rassemble les éléments essentiels d'un ordinateur : processeur, mémoires et interfaces d'entrées-sorties</a:t>
+            </a:r>
           </a:p>
           <a:p>
             <a:pPr lvl="1"/>
             <a:r>
               <a:rPr lang="fr-FR" dirty="0"/>
-              <a:t>Flash par ISP</a:t>
+              <a:t>Les microcontrôleurs se caractérisent par un plus haut degré d'intégration, une plus faible consommation électrique, une vitesse de fonctionnement plus et un coût réduit par rapport aux microprocesseurs</a:t>
             </a:r>
           </a:p>
           <a:p>
             <a:pPr lvl="1"/>
             <a:r>
               <a:rPr lang="fr-FR" dirty="0"/>
-              <a:t>Protocole de flashage par USB</a:t>
-            </a:r>
-          </a:p>
-          <a:p>
-            <a:r>
-              <a:rPr lang="fr-FR" dirty="0"/>
-              <a:t>C'est le stockage permanent du </a:t>
-            </a:r>
-            <a:r>
-              <a:rPr lang="fr-FR" dirty="0" err="1"/>
-              <a:t>micro-contrôleur</a:t>
-            </a:r>
-            <a:endParaRPr lang="fr-FR" dirty="0"/>
-          </a:p>
-          <a:p>
-            <a:r>
-              <a:rPr lang="fr-FR" dirty="0"/>
-              <a:t>Ce programme en C++</a:t>
+              <a:t>Pas de date de création officielle</a:t>
             </a:r>
           </a:p>
           <a:p>
             <a:pPr lvl="1"/>
             <a:r>
               <a:rPr lang="fr-FR" dirty="0"/>
-              <a:t>Puis en </a:t>
-            </a:r>
-            <a:r>
-              <a:rPr lang="fr-FR" dirty="0" err="1"/>
-              <a:t>MicroPython</a:t>
-            </a:r>
-            <a:endParaRPr lang="fr-FR" dirty="0"/>
-          </a:p>
-        </p:txBody>
-      </p:sp>
+              <a:t>Le Intel 4004 est un microcontrôleur !</a:t>
+            </a:r>
+          </a:p>
+        </p:txBody>
+      </p:sp>
+      <p:pic>
+        <p:nvPicPr>
+          <p:cNvPr id="4098" name="Picture 2" descr="https://upload.wikimedia.org/wikipedia/commons/thumb/b/b9/CD-CX10RFW_quadrotor_board_3.jpg/1024px-CD-CX10RFW_quadrotor_board_3.jpg"/>
+          <p:cNvPicPr>
+            <a:picLocks noChangeAspect="1" noChangeArrowheads="1"/>
+          </p:cNvPicPr>
+          <p:nvPr/>
+        </p:nvPicPr>
+        <p:blipFill>
+          <a:blip r:embed="rId2" cstate="print">
+            <a:extLst>
+              <a:ext uri="{28A0092B-C50C-407E-A947-70E740481C1C}">
+                <a14:useLocalDpi xmlns:a14="http://schemas.microsoft.com/office/drawing/2010/main" val="0"/>
+              </a:ext>
+            </a:extLst>
+          </a:blip>
+          <a:srcRect/>
+          <a:stretch>
+            <a:fillRect/>
+          </a:stretch>
+        </p:blipFill>
+        <p:spPr bwMode="auto">
+          <a:xfrm>
+            <a:off x="6160040" y="4774858"/>
+            <a:ext cx="2983960" cy="1678478"/>
+          </a:xfrm>
+          <a:prstGeom prst="rect">
+            <a:avLst/>
+          </a:prstGeom>
+          <a:noFill/>
+          <a:extLst>
+            <a:ext uri="{909E8E84-426E-40DD-AFC4-6F175D3DCCD1}">
+              <a14:hiddenFill xmlns:a14="http://schemas.microsoft.com/office/drawing/2010/main">
+                <a:solidFill>
+                  <a:srgbClr val="FFFFFF"/>
+                </a:solidFill>
+              </a14:hiddenFill>
+            </a:ext>
+          </a:extLst>
+        </p:spPr>
+      </p:pic>
     </p:spTree>
     <p:extLst>
       <p:ext uri="{BB962C8B-B14F-4D97-AF65-F5344CB8AC3E}">
-        <p14:creationId xmlns:p14="http://schemas.microsoft.com/office/powerpoint/2010/main" val="3030730995"/>
+        <p14:creationId xmlns:p14="http://schemas.microsoft.com/office/powerpoint/2010/main" val="3235671152"/>
       </p:ext>
     </p:extLst>
   </p:cSld>
